--- a/12-factor apps in .NET (Short).pptx
+++ b/12-factor apps in .NET (Short).pptx
@@ -5,7 +5,7 @@
     <p:sldMasterId id="2147483672" r:id="rId1"/>
   </p:sldMasterIdLst>
   <p:notesMasterIdLst>
-    <p:notesMasterId r:id="rId51"/>
+    <p:notesMasterId r:id="rId54"/>
   </p:notesMasterIdLst>
   <p:sldIdLst>
     <p:sldId id="256" r:id="rId2"/>
@@ -23,40 +23,43 @@
     <p:sldId id="372" r:id="rId14"/>
     <p:sldId id="363" r:id="rId15"/>
     <p:sldId id="385" r:id="rId16"/>
-    <p:sldId id="265" r:id="rId17"/>
-    <p:sldId id="266" r:id="rId18"/>
-    <p:sldId id="364" r:id="rId19"/>
-    <p:sldId id="365" r:id="rId20"/>
-    <p:sldId id="284" r:id="rId21"/>
-    <p:sldId id="285" r:id="rId22"/>
-    <p:sldId id="311" r:id="rId23"/>
-    <p:sldId id="367" r:id="rId24"/>
-    <p:sldId id="373" r:id="rId25"/>
-    <p:sldId id="292" r:id="rId26"/>
-    <p:sldId id="299" r:id="rId27"/>
-    <p:sldId id="377" r:id="rId28"/>
-    <p:sldId id="387" r:id="rId29"/>
-    <p:sldId id="384" r:id="rId30"/>
-    <p:sldId id="374" r:id="rId31"/>
-    <p:sldId id="375" r:id="rId32"/>
-    <p:sldId id="301" r:id="rId33"/>
-    <p:sldId id="310" r:id="rId34"/>
-    <p:sldId id="386" r:id="rId35"/>
-    <p:sldId id="369" r:id="rId36"/>
-    <p:sldId id="376" r:id="rId37"/>
-    <p:sldId id="261" r:id="rId38"/>
-    <p:sldId id="326" r:id="rId39"/>
-    <p:sldId id="354" r:id="rId40"/>
-    <p:sldId id="277" r:id="rId41"/>
-    <p:sldId id="278" r:id="rId42"/>
-    <p:sldId id="348" r:id="rId43"/>
-    <p:sldId id="315" r:id="rId44"/>
-    <p:sldId id="304" r:id="rId45"/>
-    <p:sldId id="316" r:id="rId46"/>
-    <p:sldId id="353" r:id="rId47"/>
-    <p:sldId id="262" r:id="rId48"/>
-    <p:sldId id="263" r:id="rId49"/>
-    <p:sldId id="355" r:id="rId50"/>
+    <p:sldId id="391" r:id="rId17"/>
+    <p:sldId id="265" r:id="rId18"/>
+    <p:sldId id="266" r:id="rId19"/>
+    <p:sldId id="364" r:id="rId20"/>
+    <p:sldId id="365" r:id="rId21"/>
+    <p:sldId id="284" r:id="rId22"/>
+    <p:sldId id="285" r:id="rId23"/>
+    <p:sldId id="311" r:id="rId24"/>
+    <p:sldId id="389" r:id="rId25"/>
+    <p:sldId id="390" r:id="rId26"/>
+    <p:sldId id="388" r:id="rId27"/>
+    <p:sldId id="367" r:id="rId28"/>
+    <p:sldId id="373" r:id="rId29"/>
+    <p:sldId id="292" r:id="rId30"/>
+    <p:sldId id="299" r:id="rId31"/>
+    <p:sldId id="377" r:id="rId32"/>
+    <p:sldId id="387" r:id="rId33"/>
+    <p:sldId id="384" r:id="rId34"/>
+    <p:sldId id="374" r:id="rId35"/>
+    <p:sldId id="375" r:id="rId36"/>
+    <p:sldId id="301" r:id="rId37"/>
+    <p:sldId id="310" r:id="rId38"/>
+    <p:sldId id="386" r:id="rId39"/>
+    <p:sldId id="369" r:id="rId40"/>
+    <p:sldId id="376" r:id="rId41"/>
+    <p:sldId id="261" r:id="rId42"/>
+    <p:sldId id="326" r:id="rId43"/>
+    <p:sldId id="354" r:id="rId44"/>
+    <p:sldId id="277" r:id="rId45"/>
+    <p:sldId id="278" r:id="rId46"/>
+    <p:sldId id="348" r:id="rId47"/>
+    <p:sldId id="315" r:id="rId48"/>
+    <p:sldId id="316" r:id="rId49"/>
+    <p:sldId id="353" r:id="rId50"/>
+    <p:sldId id="262" r:id="rId51"/>
+    <p:sldId id="263" r:id="rId52"/>
+    <p:sldId id="355" r:id="rId53"/>
   </p:sldIdLst>
   <p:sldSz cx="12192000" cy="6858000"/>
   <p:notesSz cx="6858000" cy="9144000"/>
@@ -215,7 +218,7 @@
       <inkml:brushProperty name="color" value="#E71224"/>
     </inkml:brush>
   </inkml:definitions>
-  <inkml:trace contextRef="#ctx0" brushRef="#br0">56229 9855,'0'0,"0"0,0 0,0 0,0 0,0 0,0 0,0 0,0 0,-3-4,-5-10,-4-13,-3-12,-2-12,-6-7,-4-7,-11-6,-16-3,-15-3,-18-4,-18 2,-7 1,0 0,4 1,2 1,-4-4,-6-1,-16-3,-16-1,-1 5,7 6,16 9,6 12,-13 6,-30-3,-19-2,-8 1,-15-1,-38-5,-20 5,9 4,8 4,-13 3,-15 5,10 8,13 10,1 7,-3 9,12 9,28 5,29 8,24 7,7 2,-8 3,-8 2,-2 2,12 2,13 0,5 1,-2 3,-10 1,-12 4,3-4,12-2,19 1,15 4,8 4,2 3,-6 6,-11 2,-4 1,0 0,5-2,11 0,13-4,22-2,15 0,13-3,5-3,-1-4,-3 1,-2 2,0 0,-2 2,2 2,6-1,3 1,6 5,5 3,4 0,6 1,7 0,5-4,7-1,7-1,6 4,6 2,4 0,5 0,3-3,4 1,6 4,1 4,5 5,6-1,12 2,10 1,12 1,15-2,9-3,2-4,-5-9,-11-9,-12-4,-11-4,-5-2,6-1,19 1,23-3,19-5,7-6,-2-8,-10-6,-1-4,7-1,10 0,9-1,1-1,-10-1,-23-1,-23 1,-19-2,-11 1,4 3,7 5,13 3,14 4,10 3,2-2,-3-4,-9-4,-10 0,-5 2,1 3,7-1,16-3,10 0,4 0,-2-3,-9-2,-16-2,-15-1,-4 0,6-2,18 1,22 0,18-1,4-2,-6-2,-4-2,3-1,8-2,11 1,1-2,-9 2,-19 2,-22 2,-18 2,-14-2,3-3,9-4,7-3,-1-2,-1-1,-5-2,-9 1,-10-1,-9 0,-5 0,-11 0,-8 1,-5 0,-3-1,0 1,-2 0,2 0,0 0,0-1,1 4,0-2,-3-1,-4-1,-7-4,-5-4,-2 0,-1 1,0 2,1 1,1-1,0 1,1 0,-3 5,-5 5,-3 3,-4-2,-2 0,-2-2,0 1,-1 1,0-2,4 2,4 1,1-2,3-2,-1 3,1-1,-1 0,1-2,2-1,-2-1,-2 2,-3 5</inkml:trace>
+  <inkml:trace contextRef="#ctx0" brushRef="#br0">56270 9873,'0'0,"0"0,0 0,0 0,0 0,0 0,0 0,0 0,0 0,-3-4,-5-10,-4-13,-3-12,-2-12,-6-7,-4-7,-11-6,-16-3,-15-3,-18-4,-18 2,-7 1,0 0,4 1,2 1,-4-4,-6-1,-16-3,-16-1,-1 5,7 6,16 9,6 12,-13 6,-30-3,-19-2,-8 1,-15-1,-38-5,-20 5,9 4,8 4,-13 3,-15 5,10 8,13 10,1 7,-3 9,12 9,28 5,29 8,24 7,7 2,-8 3,-8 2,-2 2,12 2,13 0,5 1,-2 3,-10 1,-12 4,3-4,12-2,19 1,15 4,8 4,2 3,-6 6,-11 2,-4 1,0 0,5-2,11 0,13-4,22-2,15 0,13-3,5-3,-1-4,-3 1,-2 2,0 0,-2 2,2 2,6-1,3 1,6 5,5 3,4 0,6 1,7 0,5-4,7-1,7-1,6 4,6 2,4 0,5 0,3-3,4 1,6 4,1 4,5 5,6-1,12 2,10 1,12 1,15-2,9-3,2-4,-5-9,-11-9,-12-4,-11-4,-5-2,6-1,19 1,23-3,19-5,7-6,-2-8,-10-6,-1-4,7-1,10 0,9-1,1-1,-10-1,-23-1,-23 1,-19-2,-11 1,4 3,7 5,13 3,14 4,10 3,2-2,-3-4,-9-4,-10 0,-5 2,1 3,7-1,16-3,10 0,4 0,-2-3,-9-2,-16-2,-15-1,-4 0,6-2,18 1,22 0,18-1,4-2,-6-2,-4-2,3-1,8-2,11 1,1-2,-9 2,-19 2,-22 2,-18 2,-14-2,3-3,9-4,7-3,-1-2,-1-1,-5-2,-9 1,-10-1,-9 0,-5 0,-11 0,-8 1,-5 0,-3-1,0 1,-2 0,2 0,0 0,0-1,1 4,0-2,-3-1,-4-1,-7-4,-5-4,-2 0,-1 1,0 2,1 1,1-1,0 1,1 0,-3 5,-5 5,-3 3,-4-2,-2 0,-2-2,0 1,-1 1,0-2,4 2,4 1,1-2,3-2,-1 3,1-1,-1 0,1-2,2-1,-2-1,-2 2,-3 5</inkml:trace>
 </inkml:ink>
 </file>
 
@@ -301,7 +304,7 @@
           <a:p>
             <a:fld id="{276FF477-D630-5940-918E-E61F80E81249}" type="datetimeFigureOut">
               <a:rPr lang="en-US" smtClean="0"/>
-              <a:t>10/27/17</a:t>
+              <a:t>10/28/17</a:t>
             </a:fld>
             <a:endParaRPr lang="en-US"/>
           </a:p>
@@ -697,7 +700,66 @@
           <a:bodyPr/>
           <a:lstStyle/>
           <a:p>
-            <a:endParaRPr lang="en-US" dirty="0"/>
+            <a:r>
+              <a:rPr lang="en-GB" dirty="0"/>
+              <a:t>--</a:t>
+            </a:r>
+            <a:r>
+              <a:rPr lang="en-GB" baseline="0" dirty="0"/>
+              <a:t> Demo</a:t>
+            </a:r>
+            <a:endParaRPr lang="en-GB" dirty="0"/>
+          </a:p>
+          <a:p>
+            <a:r>
+              <a:rPr lang="en-GB" dirty="0"/>
+              <a:t>Run the containers</a:t>
+            </a:r>
+            <a:r>
+              <a:rPr lang="en-GB" baseline="0" dirty="0"/>
+              <a:t> using </a:t>
+            </a:r>
+            <a:r>
+              <a:rPr lang="en-GB" baseline="0" dirty="0" err="1"/>
+              <a:t>docker</a:t>
+            </a:r>
+            <a:r>
+              <a:rPr lang="en-GB" baseline="0" dirty="0"/>
+              <a:t>-compose</a:t>
+            </a:r>
+            <a:endParaRPr lang="en-GB" dirty="0"/>
+          </a:p>
+          <a:p>
+            <a:r>
+              <a:rPr lang="en-GB" dirty="0"/>
+              <a:t>Show hitting the website</a:t>
+            </a:r>
+          </a:p>
+          <a:p>
+            <a:endParaRPr lang="en-GB" dirty="0"/>
+          </a:p>
+          <a:p>
+            <a:r>
+              <a:rPr lang="en-GB" dirty="0"/>
+              <a:t>--Walkthrough</a:t>
+            </a:r>
+          </a:p>
+          <a:p>
+            <a:r>
+              <a:rPr lang="en-GB" dirty="0"/>
+              <a:t>Navigate to the </a:t>
+            </a:r>
+            <a:r>
+              <a:rPr lang="en-GB" dirty="0" err="1"/>
+              <a:t>startup</a:t>
+            </a:r>
+            <a:r>
+              <a:rPr lang="en-GB" dirty="0"/>
+              <a:t> and show we use kestrel to self-host</a:t>
+            </a:r>
+          </a:p>
+          <a:p>
+            <a:endParaRPr lang="en-GB" dirty="0"/>
           </a:p>
         </p:txBody>
       </p:sp>
@@ -718,7 +780,7 @@
           <a:p>
             <a:fld id="{674204C3-38E2-2E4D-9531-4CEDD373D6EA}" type="slidenum">
               <a:rPr lang="en-US" smtClean="0"/>
-              <a:t>25</a:t>
+              <a:t>27</a:t>
             </a:fld>
             <a:endParaRPr lang="en-US"/>
           </a:p>
@@ -727,7 +789,7 @@
     </p:spTree>
     <p:extLst>
       <p:ext uri="{BB962C8B-B14F-4D97-AF65-F5344CB8AC3E}">
-        <p14:creationId xmlns:p14="http://schemas.microsoft.com/office/powerpoint/2010/main" val="818509032"/>
+        <p14:creationId xmlns:p14="http://schemas.microsoft.com/office/powerpoint/2010/main" val="3232355577"/>
       </p:ext>
     </p:extLst>
   </p:cSld>
@@ -781,81 +843,6 @@
           <a:bodyPr/>
           <a:lstStyle/>
           <a:p>
-            <a:r>
-              <a:rPr lang="en-US" dirty="0"/>
-              <a:t>Sticky</a:t>
-            </a:r>
-            <a:r>
-              <a:rPr lang="en-US" baseline="0" dirty="0"/>
-              <a:t> sessions hammer your ability to scale. Simply put you can’t move traffic between servers in your web farm. This causes two problems:</a:t>
-            </a:r>
-          </a:p>
-          <a:p>
-            <a:endParaRPr lang="en-US" baseline="0" dirty="0"/>
-          </a:p>
-          <a:p>
-            <a:r>
-              <a:rPr lang="en-US" baseline="0" dirty="0"/>
-              <a:t>If the server the user’s request goes to comes under load (perhaps a noisy neighbor) you cannot move subsequent requests to a more performant server</a:t>
-            </a:r>
-          </a:p>
-          <a:p>
-            <a:r>
-              <a:rPr lang="en-US" baseline="0" dirty="0"/>
-              <a:t>If you need to take down a server for maintenance purposes then you have to kill any users who were using that server.</a:t>
-            </a:r>
-          </a:p>
-          <a:p>
-            <a:endParaRPr lang="en-US" baseline="0" dirty="0"/>
-          </a:p>
-          <a:p>
-            <a:pPr marL="0" marR="0" indent="0" algn="l" defTabSz="914400" rtl="0" eaLnBrk="1" fontAlgn="auto" latinLnBrk="0" hangingPunct="1">
-              <a:lnSpc>
-                <a:spcPct val="100000"/>
-              </a:lnSpc>
-              <a:spcBef>
-                <a:spcPts val="0"/>
-              </a:spcBef>
-              <a:spcAft>
-                <a:spcPts val="0"/>
-              </a:spcAft>
-              <a:buClrTx/>
-              <a:buSzTx/>
-              <a:buFontTx/>
-              <a:buNone/>
-              <a:tabLst/>
-              <a:defRPr/>
-            </a:pPr>
-            <a:r>
-              <a:rPr lang="en-US" dirty="0"/>
-              <a:t>“The memory space or </a:t>
-            </a:r>
-            <a:r>
-              <a:rPr lang="en-US" dirty="0" err="1"/>
-              <a:t>filesystem</a:t>
-            </a:r>
-            <a:r>
-              <a:rPr lang="en-US" dirty="0"/>
-              <a:t> of the process can be used as a brief, single-transaction cache.” What</a:t>
-            </a:r>
-            <a:r>
-              <a:rPr lang="en-US" baseline="0" dirty="0"/>
-              <a:t> does this mean. It means that we should make no assumptions about the persistence of memory on a server or the </a:t>
-            </a:r>
-            <a:r>
-              <a:rPr lang="en-US" baseline="0" dirty="0" err="1"/>
-              <a:t>filesystem</a:t>
-            </a:r>
-            <a:r>
-              <a:rPr lang="en-US" baseline="0" dirty="0"/>
-              <a:t> of a server beyond the request-response lifecycle. Any subsequent request will have to load the item again as it may be a different process running on a different machine.</a:t>
-            </a:r>
-            <a:endParaRPr lang="en-US" dirty="0"/>
-          </a:p>
-          <a:p>
-            <a:endParaRPr lang="en-US" dirty="0"/>
-          </a:p>
-          <a:p>
             <a:endParaRPr lang="en-US" dirty="0"/>
           </a:p>
         </p:txBody>
@@ -877,7 +864,7 @@
           <a:p>
             <a:fld id="{674204C3-38E2-2E4D-9531-4CEDD373D6EA}" type="slidenum">
               <a:rPr lang="en-US" smtClean="0"/>
-              <a:t>26</a:t>
+              <a:t>28</a:t>
             </a:fld>
             <a:endParaRPr lang="en-US"/>
           </a:p>
@@ -886,7 +873,7 @@
     </p:spTree>
     <p:extLst>
       <p:ext uri="{BB962C8B-B14F-4D97-AF65-F5344CB8AC3E}">
-        <p14:creationId xmlns:p14="http://schemas.microsoft.com/office/powerpoint/2010/main" val="1741510653"/>
+        <p14:creationId xmlns:p14="http://schemas.microsoft.com/office/powerpoint/2010/main" val="532866464"/>
       </p:ext>
     </p:extLst>
   </p:cSld>
@@ -940,117 +927,7 @@
           <a:bodyPr/>
           <a:lstStyle/>
           <a:p>
-            <a:r>
-              <a:rPr lang="en-GB" dirty="0" smtClean="0"/>
-              <a:t>Context and Problem</a:t>
-            </a:r>
-          </a:p>
-          <a:p>
-            <a:pPr lvl="1"/>
-            <a:r>
-              <a:rPr lang="en-GB" dirty="0" smtClean="0"/>
-              <a:t>An application may experience peaks of demand that cause it to become overloaded and unable to respond.</a:t>
-            </a:r>
-          </a:p>
-          <a:p>
-            <a:pPr lvl="1"/>
-            <a:r>
-              <a:rPr lang="en-GB" dirty="0" smtClean="0"/>
-              <a:t>It could be that part of the application itself becomes overwhelmed – due to a lack of CPU or memory – or it could be that the application depends on a third-party service that can become overwhelmed.</a:t>
-            </a:r>
-          </a:p>
-          <a:p>
-            <a:pPr lvl="1"/>
-            <a:r>
-              <a:rPr lang="en-GB" dirty="0" smtClean="0"/>
-              <a:t>For example, there is a limited number of connections in a database connection pool. Long-running queries can lead to a lack of available connections to service requests. These requests in turn back up and overwhelm a server’s thread pool. This can cause queueing of requests on the server. Eventually the server stops serving requests.</a:t>
-            </a:r>
-          </a:p>
-          <a:p>
-            <a:endParaRPr lang="en-GB" dirty="0" smtClean="0"/>
-          </a:p>
-          <a:p>
-            <a:r>
-              <a:rPr lang="en-GB" dirty="0" smtClean="0"/>
-              <a:t>“</a:t>
-            </a:r>
-            <a:r>
-              <a:rPr lang="en-GB" sz="1200" b="0" i="0" u="none" strike="noStrike" kern="1200" baseline="0" dirty="0" smtClean="0">
-                <a:solidFill>
-                  <a:schemeClr val="tx1"/>
-                </a:solidFill>
-                <a:latin typeface="+mn-lt"/>
-                <a:ea typeface="+mn-ea"/>
-                <a:cs typeface="+mn-cs"/>
-              </a:rPr>
-              <a:t>Done well, middleware simultaneously integrates and decouples systems. It integrates them by passing data and events back and forth between the systems. It decouples them by letting the participating systems removing specific knowledge of and calls to the other systems. Since integration points are the number-one cause of instability, this looks like a good thing.</a:t>
-            </a:r>
-            <a:r>
-              <a:rPr lang="en-GB" dirty="0" smtClean="0"/>
-              <a:t>”</a:t>
-            </a:r>
-          </a:p>
-          <a:p>
-            <a:endParaRPr lang="en-GB" dirty="0" smtClean="0"/>
-          </a:p>
-          <a:p>
-            <a:r>
-              <a:rPr lang="en-GB" dirty="0" smtClean="0"/>
-              <a:t>“</a:t>
-            </a:r>
-            <a:r>
-              <a:rPr lang="en-GB" sz="1200" b="0" i="0" u="none" strike="noStrike" kern="1200" baseline="0" dirty="0" smtClean="0">
-                <a:solidFill>
-                  <a:schemeClr val="tx1"/>
-                </a:solidFill>
-                <a:latin typeface="+mn-lt"/>
-                <a:ea typeface="+mn-ea"/>
-                <a:cs typeface="+mn-cs"/>
-              </a:rPr>
-              <a:t>Any kind of synchronous call-and-response or request/reply method forces the calling system to stop what it’s doing and wait. In this model, the calling system and the receiving system must both be active at the same time—they are synchronous in time—though they may be in different places. This category covers remote procedure calls (RPC), HTTP, XML-RPC, RMI, CORBA,</a:t>
-            </a:r>
-          </a:p>
-          <a:p>
-            <a:r>
-              <a:rPr lang="en-GB" sz="1200" b="0" i="0" u="none" strike="noStrike" kern="1200" baseline="0" dirty="0" smtClean="0">
-                <a:solidFill>
-                  <a:schemeClr val="tx1"/>
-                </a:solidFill>
-                <a:latin typeface="+mn-lt"/>
-                <a:ea typeface="+mn-ea"/>
-                <a:cs typeface="+mn-cs"/>
-              </a:rPr>
-              <a:t>DCOM, and any other </a:t>
-            </a:r>
-            <a:r>
-              <a:rPr lang="en-GB" sz="1200" b="0" i="0" u="none" strike="noStrike" kern="1200" baseline="0" dirty="0" err="1" smtClean="0">
-                <a:solidFill>
-                  <a:schemeClr val="tx1"/>
-                </a:solidFill>
-                <a:latin typeface="+mn-lt"/>
-                <a:ea typeface="+mn-ea"/>
-                <a:cs typeface="+mn-cs"/>
-              </a:rPr>
-              <a:t>analog</a:t>
-            </a:r>
-            <a:r>
-              <a:rPr lang="en-GB" sz="1200" b="0" i="0" u="none" strike="noStrike" kern="1200" baseline="0" dirty="0" smtClean="0">
-                <a:solidFill>
-                  <a:schemeClr val="tx1"/>
-                </a:solidFill>
-                <a:latin typeface="+mn-lt"/>
-                <a:ea typeface="+mn-ea"/>
-                <a:cs typeface="+mn-cs"/>
-              </a:rPr>
-              <a:t> of local method calls. Tightly coupled middleware amplifies shocks to the system. Synchronous calls are particularly vicious amplifiers that facilitate cascading failures.</a:t>
-            </a:r>
-            <a:r>
-              <a:rPr lang="en-GB" dirty="0" smtClean="0"/>
-              <a:t>”</a:t>
-            </a:r>
-          </a:p>
-          <a:p>
-            <a:endParaRPr lang="en-GB" dirty="0"/>
+            <a:endParaRPr lang="en-US" dirty="0"/>
           </a:p>
         </p:txBody>
       </p:sp>
@@ -1069,18 +946,18 @@
           <a:bodyPr/>
           <a:lstStyle/>
           <a:p>
-            <a:fld id="{FDF30FF6-4247-4B0A-A585-76173BD71A4A}" type="slidenum">
-              <a:rPr lang="en-GB" smtClean="0"/>
-              <a:t>27</a:t>
+            <a:fld id="{674204C3-38E2-2E4D-9531-4CEDD373D6EA}" type="slidenum">
+              <a:rPr lang="en-US" smtClean="0"/>
+              <a:t>29</a:t>
             </a:fld>
-            <a:endParaRPr lang="en-GB"/>
+            <a:endParaRPr lang="en-US"/>
           </a:p>
         </p:txBody>
       </p:sp>
     </p:spTree>
     <p:extLst>
       <p:ext uri="{BB962C8B-B14F-4D97-AF65-F5344CB8AC3E}">
-        <p14:creationId xmlns:p14="http://schemas.microsoft.com/office/powerpoint/2010/main" val="100453895"/>
+        <p14:creationId xmlns:p14="http://schemas.microsoft.com/office/powerpoint/2010/main" val="818509032"/>
       </p:ext>
     </p:extLst>
   </p:cSld>
@@ -1135,108 +1012,81 @@
           <a:lstStyle/>
           <a:p>
             <a:r>
-              <a:rPr lang="en-GB" dirty="0" smtClean="0"/>
-              <a:t>As illustrated in figure 3.3, the Decoupled Invocation pattern is composed of three basic components: a handler, a queue, and a dispatcher that mediates between them. Here’s how the initial request processing works:</a:t>
-            </a:r>
-          </a:p>
-          <a:p>
-            <a:r>
-              <a:rPr lang="en-GB" dirty="0" smtClean="0"/>
-              <a:t>The handler listens for incoming requests from the endpoint.</a:t>
-            </a:r>
-          </a:p>
-          <a:p>
-            <a:r>
-              <a:rPr lang="en-GB" dirty="0" smtClean="0"/>
-              <a:t>When a new request arrives, the handler sends an acknowledgment to the sender.</a:t>
-            </a:r>
-          </a:p>
-          <a:p>
-            <a:r>
-              <a:rPr lang="en-GB" dirty="0" smtClean="0"/>
-              <a:t>The handler is responsible for the initial treatment, or </a:t>
-            </a:r>
-            <a:r>
-              <a:rPr lang="en-GB" dirty="0" err="1" smtClean="0"/>
-              <a:t>preprocessing</a:t>
-            </a:r>
-            <a:r>
-              <a:rPr lang="en-GB" dirty="0" smtClean="0"/>
-              <a:t>, of incoming messages. This may include message transformation or prioritization based on knowledge it infers from the messages themselves. Overall, this processing should be kept minimal, as the goal is to quickly queue and acknowledge incoming requests.</a:t>
-            </a:r>
-          </a:p>
-          <a:p>
-            <a:r>
-              <a:rPr lang="en-GB" dirty="0" smtClean="0"/>
-              <a:t>The message is put onto a queue.</a:t>
-            </a:r>
-          </a:p>
-          <a:p>
-            <a:endParaRPr lang="en-GB" dirty="0" smtClean="0"/>
-          </a:p>
-          <a:p>
-            <a:r>
-              <a:rPr lang="en-GB" dirty="0" smtClean="0"/>
-              <a:t>The queue, which is the second component of the Decoupled Invocation pattern, stores incoming messages and allows the service to consume the messages at its own steady rate, thus overcoming peak loads.</a:t>
-            </a:r>
-          </a:p>
-          <a:p>
-            <a:r>
-              <a:rPr lang="en-GB" dirty="0" smtClean="0"/>
-              <a:t>You can set up the queue to be persistent so the service won’t lose any requests it has already acknowledged, even if a catastrophic server failure occurs. If the queue is transactional, you can also implement the Transactional Service pattern (see </a:t>
-            </a:r>
-            <a:r>
-              <a:rPr lang="en-GB" dirty="0" smtClean="0">
-                <a:hlinkClick r:id="rId3"/>
-              </a:rPr>
-              <a:t>chapter 2</a:t>
-            </a:r>
-            <a:r>
-              <a:rPr lang="en-GB" dirty="0" smtClean="0"/>
-              <a:t>) and increase the overall robustness of the service even further.</a:t>
-            </a:r>
-          </a:p>
-          <a:p>
-            <a:r>
-              <a:rPr lang="en-GB" dirty="0" smtClean="0"/>
-              <a:t>The dispatcher is responsible for creating as many reader components as are needed for the current request load, which is measured by the number of messages waiting in the queue. The dispatcher can also prioritize incoming tasks based on internal considerations, such as resource availability. The dispatcher is a good place to introduce elasticity if the latency of handling the messages is important. (See also the further reading section for an article on the LMAX architecture, which describes a low-latency, high-performance queue between senders and receivers.)</a:t>
-            </a:r>
-          </a:p>
-          <a:p>
-            <a:r>
-              <a:rPr lang="en-GB" dirty="0" smtClean="0"/>
-              <a:t>The handler can acknowledge the request as part of the </a:t>
-            </a:r>
-            <a:r>
-              <a:rPr lang="en-GB" dirty="0" err="1" smtClean="0"/>
-              <a:t>preprocessing</a:t>
-            </a:r>
-            <a:r>
-              <a:rPr lang="en-GB" dirty="0" smtClean="0"/>
-              <a:t>, but it’s usually best to do this inside an edge component (see the Edge Component pattern in </a:t>
-            </a:r>
-            <a:r>
-              <a:rPr lang="en-GB" dirty="0" smtClean="0">
-                <a:hlinkClick r:id="rId3"/>
-              </a:rPr>
-              <a:t>chapter 2</a:t>
-            </a:r>
-            <a:r>
-              <a:rPr lang="en-GB" dirty="0" smtClean="0"/>
-              <a:t>). This helps ensure that the service-processing load is kept to a minimum, allowing the handler to process requests as efficiently as possible.</a:t>
-            </a:r>
-          </a:p>
-          <a:p>
-            <a:r>
-              <a:rPr lang="en-GB" dirty="0" smtClean="0"/>
-              <a:t>Placing requests on the queue is a relatively low-cost operation that can be performed efficiently, making the initial request-handling less susceptible to failure during peaks (as compared to other parts of the request-handling that require more time and resources). The actual handling of the incoming requests can be performed at a reasonable pace, dictated by service resource availability and overall load. Load balancing can be achieved by running multiple readers against the queue.</a:t>
-            </a:r>
-          </a:p>
-          <a:p>
-            <a:endParaRPr lang="en-GB" dirty="0" smtClean="0"/>
-          </a:p>
-          <a:p>
-            <a:endParaRPr lang="en-GB" dirty="0"/>
+              <a:rPr lang="en-US" dirty="0"/>
+              <a:t>Sticky</a:t>
+            </a:r>
+            <a:r>
+              <a:rPr lang="en-US" baseline="0" dirty="0"/>
+              <a:t> sessions hammer your ability to scale. Simply put you can’t move traffic between servers in your web farm. This causes two problems:</a:t>
+            </a:r>
+          </a:p>
+          <a:p>
+            <a:endParaRPr lang="en-US" baseline="0" dirty="0"/>
+          </a:p>
+          <a:p>
+            <a:r>
+              <a:rPr lang="en-US" baseline="0" dirty="0"/>
+              <a:t>If the server the user’s request goes to comes under load (perhaps a noisy neighbor) you cannot move subsequent requests to a more performant server</a:t>
+            </a:r>
+          </a:p>
+          <a:p>
+            <a:r>
+              <a:rPr lang="en-US" baseline="0" dirty="0"/>
+              <a:t>If you need to take down a server for maintenance purposes then you have to kill any users who were using that server.</a:t>
+            </a:r>
+          </a:p>
+          <a:p>
+            <a:endParaRPr lang="en-US" baseline="0" dirty="0"/>
+          </a:p>
+          <a:p>
+            <a:pPr marL="0" marR="0" indent="0" algn="l" defTabSz="914400" rtl="0" eaLnBrk="1" fontAlgn="auto" latinLnBrk="0" hangingPunct="1">
+              <a:lnSpc>
+                <a:spcPct val="100000"/>
+              </a:lnSpc>
+              <a:spcBef>
+                <a:spcPts val="0"/>
+              </a:spcBef>
+              <a:spcAft>
+                <a:spcPts val="0"/>
+              </a:spcAft>
+              <a:buClrTx/>
+              <a:buSzTx/>
+              <a:buFontTx/>
+              <a:buNone/>
+              <a:tabLst/>
+              <a:defRPr/>
+            </a:pPr>
+            <a:r>
+              <a:rPr lang="en-US" dirty="0"/>
+              <a:t>“The memory space or </a:t>
+            </a:r>
+            <a:r>
+              <a:rPr lang="en-US" dirty="0" err="1"/>
+              <a:t>filesystem</a:t>
+            </a:r>
+            <a:r>
+              <a:rPr lang="en-US" dirty="0"/>
+              <a:t> of the process can be used as a brief, single-transaction cache.” What</a:t>
+            </a:r>
+            <a:r>
+              <a:rPr lang="en-US" baseline="0" dirty="0"/>
+              <a:t> does this mean. It means that we should make no assumptions about the persistence of memory on a server or the </a:t>
+            </a:r>
+            <a:r>
+              <a:rPr lang="en-US" baseline="0" dirty="0" err="1"/>
+              <a:t>filesystem</a:t>
+            </a:r>
+            <a:r>
+              <a:rPr lang="en-US" baseline="0" dirty="0"/>
+              <a:t> of a server beyond the request-response lifecycle. Any subsequent request will have to load the item again as it may be a different process running on a different machine.</a:t>
+            </a:r>
+            <a:endParaRPr lang="en-US" dirty="0"/>
+          </a:p>
+          <a:p>
+            <a:endParaRPr lang="en-US" dirty="0"/>
+          </a:p>
+          <a:p>
+            <a:endParaRPr lang="en-US" dirty="0"/>
           </a:p>
         </p:txBody>
       </p:sp>
@@ -1255,18 +1105,18 @@
           <a:bodyPr/>
           <a:lstStyle/>
           <a:p>
-            <a:fld id="{FDF30FF6-4247-4B0A-A585-76173BD71A4A}" type="slidenum">
-              <a:rPr lang="en-GB" smtClean="0"/>
-              <a:t>29</a:t>
+            <a:fld id="{674204C3-38E2-2E4D-9531-4CEDD373D6EA}" type="slidenum">
+              <a:rPr lang="en-US" smtClean="0"/>
+              <a:t>30</a:t>
             </a:fld>
-            <a:endParaRPr lang="en-GB"/>
+            <a:endParaRPr lang="en-US"/>
           </a:p>
         </p:txBody>
       </p:sp>
     </p:spTree>
     <p:extLst>
       <p:ext uri="{BB962C8B-B14F-4D97-AF65-F5344CB8AC3E}">
-        <p14:creationId xmlns:p14="http://schemas.microsoft.com/office/powerpoint/2010/main" val="911495581"/>
+        <p14:creationId xmlns:p14="http://schemas.microsoft.com/office/powerpoint/2010/main" val="1741510653"/>
       </p:ext>
     </p:extLst>
   </p:cSld>
@@ -1321,61 +1171,112 @@
           <a:lstStyle/>
           <a:p>
             <a:r>
-              <a:rPr lang="en-GB" dirty="0"/>
-              <a:t>--</a:t>
-            </a:r>
-            <a:r>
-              <a:rPr lang="en-GB" baseline="0" dirty="0"/>
-              <a:t> Demo</a:t>
-            </a:r>
-            <a:endParaRPr lang="en-GB" dirty="0"/>
-          </a:p>
-          <a:p>
-            <a:r>
-              <a:rPr lang="en-GB" dirty="0"/>
-              <a:t>Run the containers</a:t>
-            </a:r>
-            <a:r>
-              <a:rPr lang="en-GB" baseline="0" dirty="0"/>
-              <a:t> using </a:t>
-            </a:r>
-            <a:r>
-              <a:rPr lang="en-GB" baseline="0" dirty="0" err="1"/>
-              <a:t>docker</a:t>
-            </a:r>
-            <a:r>
-              <a:rPr lang="en-GB" baseline="0" dirty="0"/>
-              <a:t>-compose</a:t>
-            </a:r>
-            <a:endParaRPr lang="en-GB" dirty="0"/>
-          </a:p>
-          <a:p>
-            <a:r>
-              <a:rPr lang="en-GB" dirty="0"/>
-              <a:t>Show hitting the website</a:t>
-            </a:r>
-          </a:p>
-          <a:p>
-            <a:endParaRPr lang="en-GB" dirty="0"/>
-          </a:p>
-          <a:p>
-            <a:r>
-              <a:rPr lang="en-GB" dirty="0"/>
-              <a:t>--Walkthrough</a:t>
-            </a:r>
-          </a:p>
-          <a:p>
-            <a:r>
-              <a:rPr lang="en-GB" dirty="0"/>
-              <a:t>Navigate to the </a:t>
-            </a:r>
-            <a:r>
-              <a:rPr lang="en-GB" dirty="0" err="1"/>
-              <a:t>startup</a:t>
-            </a:r>
-            <a:r>
-              <a:rPr lang="en-GB" dirty="0"/>
-              <a:t> and show we use kestrel to self-host</a:t>
+              <a:rPr lang="en-GB" dirty="0" smtClean="0"/>
+              <a:t>Context and Problem</a:t>
+            </a:r>
+          </a:p>
+          <a:p>
+            <a:pPr lvl="1"/>
+            <a:r>
+              <a:rPr lang="en-GB" dirty="0" smtClean="0"/>
+              <a:t>An application may experience peaks of demand that cause it to become overloaded and unable to respond.</a:t>
+            </a:r>
+          </a:p>
+          <a:p>
+            <a:pPr lvl="1"/>
+            <a:r>
+              <a:rPr lang="en-GB" dirty="0" smtClean="0"/>
+              <a:t>It could be that part of the application itself becomes overwhelmed – due to a lack of CPU or memory – or it could be that the application depends on a third-party service that can become overwhelmed.</a:t>
+            </a:r>
+          </a:p>
+          <a:p>
+            <a:pPr lvl="1"/>
+            <a:r>
+              <a:rPr lang="en-GB" dirty="0" smtClean="0"/>
+              <a:t>For example, there is a limited number of connections in a database connection pool. Long-running queries can lead to a lack of available connections to service requests. These requests in turn back up and overwhelm a server’s thread pool. This can cause queueing of requests on the server. Eventually the server stops serving requests.</a:t>
+            </a:r>
+          </a:p>
+          <a:p>
+            <a:endParaRPr lang="en-GB" dirty="0" smtClean="0"/>
+          </a:p>
+          <a:p>
+            <a:r>
+              <a:rPr lang="en-GB" dirty="0" smtClean="0"/>
+              <a:t>“</a:t>
+            </a:r>
+            <a:r>
+              <a:rPr lang="en-GB" sz="1200" b="0" i="0" u="none" strike="noStrike" kern="1200" baseline="0" dirty="0" smtClean="0">
+                <a:solidFill>
+                  <a:schemeClr val="tx1"/>
+                </a:solidFill>
+                <a:latin typeface="+mn-lt"/>
+                <a:ea typeface="+mn-ea"/>
+                <a:cs typeface="+mn-cs"/>
+              </a:rPr>
+              <a:t>Done well, middleware simultaneously integrates and decouples systems. It integrates them by passing data and events back and forth between the systems. It decouples them by letting the participating systems removing specific knowledge of and calls to the other systems. Since integration points are the number-one cause of instability, this looks like a good thing.</a:t>
+            </a:r>
+            <a:r>
+              <a:rPr lang="en-GB" dirty="0" smtClean="0"/>
+              <a:t>”</a:t>
+            </a:r>
+          </a:p>
+          <a:p>
+            <a:endParaRPr lang="en-GB" dirty="0" smtClean="0"/>
+          </a:p>
+          <a:p>
+            <a:r>
+              <a:rPr lang="en-GB" dirty="0" smtClean="0"/>
+              <a:t>“</a:t>
+            </a:r>
+            <a:r>
+              <a:rPr lang="en-GB" sz="1200" b="0" i="0" u="none" strike="noStrike" kern="1200" baseline="0" dirty="0" smtClean="0">
+                <a:solidFill>
+                  <a:schemeClr val="tx1"/>
+                </a:solidFill>
+                <a:latin typeface="+mn-lt"/>
+                <a:ea typeface="+mn-ea"/>
+                <a:cs typeface="+mn-cs"/>
+              </a:rPr>
+              <a:t>Any kind of synchronous call-and-response or request/reply method forces the calling system to stop what it’s doing and wait. In this model, the calling system and the receiving system must both be active at the same time—they are synchronous in time—though they may be in different places. This category covers remote procedure calls (RPC), HTTP, XML-RPC, RMI, CORBA,</a:t>
+            </a:r>
+          </a:p>
+          <a:p>
+            <a:r>
+              <a:rPr lang="en-GB" sz="1200" b="0" i="0" u="none" strike="noStrike" kern="1200" baseline="0" dirty="0" smtClean="0">
+                <a:solidFill>
+                  <a:schemeClr val="tx1"/>
+                </a:solidFill>
+                <a:latin typeface="+mn-lt"/>
+                <a:ea typeface="+mn-ea"/>
+                <a:cs typeface="+mn-cs"/>
+              </a:rPr>
+              <a:t>DCOM, and any other </a:t>
+            </a:r>
+            <a:r>
+              <a:rPr lang="en-GB" sz="1200" b="0" i="0" u="none" strike="noStrike" kern="1200" baseline="0" dirty="0" err="1" smtClean="0">
+                <a:solidFill>
+                  <a:schemeClr val="tx1"/>
+                </a:solidFill>
+                <a:latin typeface="+mn-lt"/>
+                <a:ea typeface="+mn-ea"/>
+                <a:cs typeface="+mn-cs"/>
+              </a:rPr>
+              <a:t>analog</a:t>
+            </a:r>
+            <a:r>
+              <a:rPr lang="en-GB" sz="1200" b="0" i="0" u="none" strike="noStrike" kern="1200" baseline="0" dirty="0" smtClean="0">
+                <a:solidFill>
+                  <a:schemeClr val="tx1"/>
+                </a:solidFill>
+                <a:latin typeface="+mn-lt"/>
+                <a:ea typeface="+mn-ea"/>
+                <a:cs typeface="+mn-cs"/>
+              </a:rPr>
+              <a:t> of local method calls. Tightly coupled middleware amplifies shocks to the system. Synchronous calls are particularly vicious amplifiers that facilitate cascading failures.</a:t>
+            </a:r>
+            <a:r>
+              <a:rPr lang="en-GB" dirty="0" smtClean="0"/>
+              <a:t>”</a:t>
             </a:r>
           </a:p>
           <a:p>
@@ -1398,18 +1299,18 @@
           <a:bodyPr/>
           <a:lstStyle/>
           <a:p>
-            <a:fld id="{674204C3-38E2-2E4D-9531-4CEDD373D6EA}" type="slidenum">
-              <a:rPr lang="en-US" smtClean="0"/>
-              <a:t>30</a:t>
+            <a:fld id="{FDF30FF6-4247-4B0A-A585-76173BD71A4A}" type="slidenum">
+              <a:rPr lang="en-GB" smtClean="0"/>
+              <a:t>31</a:t>
             </a:fld>
-            <a:endParaRPr lang="en-US"/>
+            <a:endParaRPr lang="en-GB"/>
           </a:p>
         </p:txBody>
       </p:sp>
     </p:spTree>
     <p:extLst>
       <p:ext uri="{BB962C8B-B14F-4D97-AF65-F5344CB8AC3E}">
-        <p14:creationId xmlns:p14="http://schemas.microsoft.com/office/powerpoint/2010/main" val="2000812936"/>
+        <p14:creationId xmlns:p14="http://schemas.microsoft.com/office/powerpoint/2010/main" val="100453895"/>
       </p:ext>
     </p:extLst>
   </p:cSld>
@@ -1463,7 +1364,109 @@
           <a:bodyPr/>
           <a:lstStyle/>
           <a:p>
-            <a:endParaRPr lang="en-US" dirty="0"/>
+            <a:r>
+              <a:rPr lang="en-GB" dirty="0" smtClean="0"/>
+              <a:t>As illustrated in figure 3.3, the Decoupled Invocation pattern is composed of three basic components: a handler, a queue, and a dispatcher that mediates between them. Here’s how the initial request processing works:</a:t>
+            </a:r>
+          </a:p>
+          <a:p>
+            <a:r>
+              <a:rPr lang="en-GB" dirty="0" smtClean="0"/>
+              <a:t>The handler listens for incoming requests from the endpoint.</a:t>
+            </a:r>
+          </a:p>
+          <a:p>
+            <a:r>
+              <a:rPr lang="en-GB" dirty="0" smtClean="0"/>
+              <a:t>When a new request arrives, the handler sends an acknowledgment to the sender.</a:t>
+            </a:r>
+          </a:p>
+          <a:p>
+            <a:r>
+              <a:rPr lang="en-GB" dirty="0" smtClean="0"/>
+              <a:t>The handler is responsible for the initial treatment, or </a:t>
+            </a:r>
+            <a:r>
+              <a:rPr lang="en-GB" dirty="0" err="1" smtClean="0"/>
+              <a:t>preprocessing</a:t>
+            </a:r>
+            <a:r>
+              <a:rPr lang="en-GB" dirty="0" smtClean="0"/>
+              <a:t>, of incoming messages. This may include message transformation or prioritization based on knowledge it infers from the messages themselves. Overall, this processing should be kept minimal, as the goal is to quickly queue and acknowledge incoming requests.</a:t>
+            </a:r>
+          </a:p>
+          <a:p>
+            <a:r>
+              <a:rPr lang="en-GB" dirty="0" smtClean="0"/>
+              <a:t>The message is put onto a queue.</a:t>
+            </a:r>
+          </a:p>
+          <a:p>
+            <a:endParaRPr lang="en-GB" dirty="0" smtClean="0"/>
+          </a:p>
+          <a:p>
+            <a:r>
+              <a:rPr lang="en-GB" dirty="0" smtClean="0"/>
+              <a:t>The queue, which is the second component of the Decoupled Invocation pattern, stores incoming messages and allows the service to consume the messages at its own steady rate, thus overcoming peak loads.</a:t>
+            </a:r>
+          </a:p>
+          <a:p>
+            <a:r>
+              <a:rPr lang="en-GB" dirty="0" smtClean="0"/>
+              <a:t>You can set up the queue to be persistent so the service won’t lose any requests it has already acknowledged, even if a catastrophic server failure occurs. If the queue is transactional, you can also implement the Transactional Service pattern (see </a:t>
+            </a:r>
+            <a:r>
+              <a:rPr lang="en-GB" dirty="0" smtClean="0">
+                <a:hlinkClick r:id="rId3"/>
+              </a:rPr>
+              <a:t>chapter 2</a:t>
+            </a:r>
+            <a:r>
+              <a:rPr lang="en-GB" dirty="0" smtClean="0"/>
+              <a:t>) and increase the overall robustness of the service even further.</a:t>
+            </a:r>
+          </a:p>
+          <a:p>
+            <a:r>
+              <a:rPr lang="en-GB" dirty="0" smtClean="0"/>
+              <a:t>The dispatcher is responsible for creating as many reader components as are needed for the current request load, which is measured by the number of messages waiting in the queue. The dispatcher can also prioritize incoming tasks based on internal considerations, such as resource availability. The dispatcher is a good place to introduce elasticity if the latency of handling the messages is important. (See also the further reading section for an article on the LMAX architecture, which describes a low-latency, high-performance queue between senders and receivers.)</a:t>
+            </a:r>
+          </a:p>
+          <a:p>
+            <a:r>
+              <a:rPr lang="en-GB" dirty="0" smtClean="0"/>
+              <a:t>The handler can acknowledge the request as part of the </a:t>
+            </a:r>
+            <a:r>
+              <a:rPr lang="en-GB" dirty="0" err="1" smtClean="0"/>
+              <a:t>preprocessing</a:t>
+            </a:r>
+            <a:r>
+              <a:rPr lang="en-GB" dirty="0" smtClean="0"/>
+              <a:t>, but it’s usually best to do this inside an edge component (see the Edge Component pattern in </a:t>
+            </a:r>
+            <a:r>
+              <a:rPr lang="en-GB" dirty="0" smtClean="0">
+                <a:hlinkClick r:id="rId3"/>
+              </a:rPr>
+              <a:t>chapter 2</a:t>
+            </a:r>
+            <a:r>
+              <a:rPr lang="en-GB" dirty="0" smtClean="0"/>
+              <a:t>). This helps ensure that the service-processing load is kept to a minimum, allowing the handler to process requests as efficiently as possible.</a:t>
+            </a:r>
+          </a:p>
+          <a:p>
+            <a:r>
+              <a:rPr lang="en-GB" dirty="0" smtClean="0"/>
+              <a:t>Placing requests on the queue is a relatively low-cost operation that can be performed efficiently, making the initial request-handling less susceptible to failure during peaks (as compared to other parts of the request-handling that require more time and resources). The actual handling of the incoming requests can be performed at a reasonable pace, dictated by service resource availability and overall load. Load balancing can be achieved by running multiple readers against the queue.</a:t>
+            </a:r>
+          </a:p>
+          <a:p>
+            <a:endParaRPr lang="en-GB" dirty="0" smtClean="0"/>
+          </a:p>
+          <a:p>
+            <a:endParaRPr lang="en-GB" dirty="0"/>
           </a:p>
         </p:txBody>
       </p:sp>
@@ -1482,18 +1485,18 @@
           <a:bodyPr/>
           <a:lstStyle/>
           <a:p>
-            <a:fld id="{674204C3-38E2-2E4D-9531-4CEDD373D6EA}" type="slidenum">
-              <a:rPr lang="en-US" smtClean="0"/>
-              <a:t>31</a:t>
+            <a:fld id="{FDF30FF6-4247-4B0A-A585-76173BD71A4A}" type="slidenum">
+              <a:rPr lang="en-GB" smtClean="0"/>
+              <a:t>33</a:t>
             </a:fld>
-            <a:endParaRPr lang="en-US"/>
+            <a:endParaRPr lang="en-GB"/>
           </a:p>
         </p:txBody>
       </p:sp>
     </p:spTree>
     <p:extLst>
       <p:ext uri="{BB962C8B-B14F-4D97-AF65-F5344CB8AC3E}">
-        <p14:creationId xmlns:p14="http://schemas.microsoft.com/office/powerpoint/2010/main" val="192574388"/>
+        <p14:creationId xmlns:p14="http://schemas.microsoft.com/office/powerpoint/2010/main" val="911495581"/>
       </p:ext>
     </p:extLst>
   </p:cSld>
@@ -1548,57 +1551,65 @@
           <a:lstStyle/>
           <a:p>
             <a:r>
-              <a:rPr lang="en-US" dirty="0"/>
-              <a:t>Nothin</a:t>
-            </a:r>
-            <a:r>
-              <a:rPr lang="en-US" baseline="0" dirty="0"/>
-              <a:t>g in the 12-factor app manifesto says you cannot vertically scale. </a:t>
-            </a:r>
-          </a:p>
-          <a:p>
-            <a:endParaRPr lang="en-US" baseline="0" dirty="0"/>
-          </a:p>
-          <a:p>
-            <a:r>
-              <a:rPr lang="en-US" baseline="0" dirty="0"/>
-              <a:t>So it is permissible for a 12-factor app to multiplex via threads in the runtime (and indeed some runtimes are expensive to create so this model </a:t>
-            </a:r>
-            <a:r>
-              <a:rPr lang="en-US" i="1" baseline="0" dirty="0"/>
-              <a:t>should</a:t>
-            </a:r>
-            <a:r>
-              <a:rPr lang="en-US" baseline="0" dirty="0"/>
-              <a:t> be used), or to use asynchronous/evented reactor models to increase throughput when performing IO etc.</a:t>
-            </a:r>
-          </a:p>
-          <a:p>
-            <a:endParaRPr lang="en-US" baseline="0" dirty="0"/>
-          </a:p>
-          <a:p>
-            <a:r>
-              <a:rPr lang="en-US" baseline="0" dirty="0"/>
-              <a:t>But vertical scaling becomes prohibitively expensive at a certain point and does not aid with availability</a:t>
-            </a:r>
-          </a:p>
-          <a:p>
-            <a:endParaRPr lang="en-US" baseline="0" dirty="0"/>
-          </a:p>
-          <a:p>
-            <a:r>
-              <a:rPr lang="en-US" baseline="0" dirty="0"/>
-              <a:t>We don’t demonize because this implies access to low-level OS services which risks software erosion and may not be available on all platforms we deploy to. Instead we should rely on a process manager to provide our runtime management needs. (Note that this implies we should move away from Windows Service deployments as these demonize the console application and use Task Scheduler instead).</a:t>
-            </a:r>
-          </a:p>
-          <a:p>
-            <a:endParaRPr lang="en-US" baseline="0" dirty="0"/>
-          </a:p>
-          <a:p>
-            <a:endParaRPr lang="en-US" baseline="0" dirty="0"/>
-          </a:p>
-          <a:p>
-            <a:endParaRPr lang="en-US" baseline="0" dirty="0"/>
+              <a:rPr lang="en-GB" dirty="0"/>
+              <a:t>--</a:t>
+            </a:r>
+            <a:r>
+              <a:rPr lang="en-GB" baseline="0" dirty="0"/>
+              <a:t> Demo</a:t>
+            </a:r>
+            <a:endParaRPr lang="en-GB" dirty="0"/>
+          </a:p>
+          <a:p>
+            <a:r>
+              <a:rPr lang="en-GB" dirty="0"/>
+              <a:t>Run the containers</a:t>
+            </a:r>
+            <a:r>
+              <a:rPr lang="en-GB" baseline="0" dirty="0"/>
+              <a:t> using </a:t>
+            </a:r>
+            <a:r>
+              <a:rPr lang="en-GB" baseline="0" dirty="0" err="1"/>
+              <a:t>docker</a:t>
+            </a:r>
+            <a:r>
+              <a:rPr lang="en-GB" baseline="0" dirty="0"/>
+              <a:t>-compose</a:t>
+            </a:r>
+            <a:endParaRPr lang="en-GB" dirty="0"/>
+          </a:p>
+          <a:p>
+            <a:r>
+              <a:rPr lang="en-GB" dirty="0"/>
+              <a:t>Show hitting the website</a:t>
+            </a:r>
+          </a:p>
+          <a:p>
+            <a:endParaRPr lang="en-GB" dirty="0"/>
+          </a:p>
+          <a:p>
+            <a:r>
+              <a:rPr lang="en-GB" dirty="0"/>
+              <a:t>--Walkthrough</a:t>
+            </a:r>
+          </a:p>
+          <a:p>
+            <a:r>
+              <a:rPr lang="en-GB" dirty="0"/>
+              <a:t>Navigate to the </a:t>
+            </a:r>
+            <a:r>
+              <a:rPr lang="en-GB" dirty="0" err="1"/>
+              <a:t>startup</a:t>
+            </a:r>
+            <a:r>
+              <a:rPr lang="en-GB" dirty="0"/>
+              <a:t> and show we use kestrel to self-host</a:t>
+            </a:r>
+          </a:p>
+          <a:p>
+            <a:endParaRPr lang="en-GB" dirty="0"/>
           </a:p>
         </p:txBody>
       </p:sp>
@@ -1619,7 +1630,7 @@
           <a:p>
             <a:fld id="{674204C3-38E2-2E4D-9531-4CEDD373D6EA}" type="slidenum">
               <a:rPr lang="en-US" smtClean="0"/>
-              <a:t>32</a:t>
+              <a:t>34</a:t>
             </a:fld>
             <a:endParaRPr lang="en-US"/>
           </a:p>
@@ -1628,7 +1639,7 @@
     </p:spTree>
     <p:extLst>
       <p:ext uri="{BB962C8B-B14F-4D97-AF65-F5344CB8AC3E}">
-        <p14:creationId xmlns:p14="http://schemas.microsoft.com/office/powerpoint/2010/main" val="1855212680"/>
+        <p14:creationId xmlns:p14="http://schemas.microsoft.com/office/powerpoint/2010/main" val="2000812936"/>
       </p:ext>
     </p:extLst>
   </p:cSld>
@@ -1682,64 +1693,7 @@
           <a:bodyPr/>
           <a:lstStyle/>
           <a:p>
-            <a:r>
-              <a:rPr lang="en-US" dirty="0"/>
-              <a:t>A quick start aids</a:t>
-            </a:r>
-            <a:r>
-              <a:rPr lang="en-US" baseline="0" dirty="0"/>
-              <a:t> scheduling: we can bring capacity on stream rapidly when we need it. Monitor your startup times, use background workers if required to allow a responsive start to receive requests, and a queue for those requests to wait for resources to come on stream if they are expensive.</a:t>
-            </a:r>
-          </a:p>
-          <a:p>
-            <a:endParaRPr lang="en-US" baseline="0" dirty="0"/>
-          </a:p>
-          <a:p>
-            <a:r>
-              <a:rPr lang="en-US" baseline="0" dirty="0"/>
-              <a:t>A graceful shutdown reassures administrators that they can safely terminate instances: the ideal would be:</a:t>
-            </a:r>
-          </a:p>
-          <a:p>
-            <a:endParaRPr lang="en-US" baseline="0" dirty="0"/>
-          </a:p>
-          <a:p>
-            <a:r>
-              <a:rPr lang="en-US" baseline="0" dirty="0"/>
-              <a:t>Web process: finish any existing request, but refuse new requests. Assuming that a request can be completed in under 300ms or so, to allow shutdown to be fast</a:t>
-            </a:r>
-          </a:p>
-          <a:p>
-            <a:r>
-              <a:rPr lang="en-US" baseline="0" dirty="0"/>
-              <a:t>Worker process: either return work to the queue with a </a:t>
-            </a:r>
-            <a:r>
-              <a:rPr lang="en-US" baseline="0" dirty="0" err="1"/>
-              <a:t>nack</a:t>
-            </a:r>
-            <a:r>
-              <a:rPr lang="en-US" baseline="0" dirty="0"/>
-              <a:t>, or finish work before shutting down. The choice depends on how long work takes (fast jobs under 500ms could be allowed to finish), and the extent to which work is reentrant either by being transacted or idempotent so that it can be canceled and then re-run.</a:t>
-            </a:r>
-          </a:p>
-          <a:p>
-            <a:endParaRPr lang="en-US" baseline="0" dirty="0"/>
-          </a:p>
-          <a:p>
-            <a:r>
-              <a:rPr lang="en-US" baseline="0" dirty="0"/>
-              <a:t>It is also important to consider what happens in the event of catastrophic failure i.e. hardware loss. The use of automatic rollback of transactions, messages to the queue, etc. after a timeout is helpful here as it prevents us failing in an ‘inconsistent’ state.</a:t>
-            </a:r>
-          </a:p>
-          <a:p>
-            <a:endParaRPr lang="en-US" baseline="0" dirty="0"/>
-          </a:p>
-          <a:p>
-            <a:endParaRPr lang="en-US" baseline="0" dirty="0"/>
-          </a:p>
-          <a:p>
-            <a:endParaRPr lang="en-US" baseline="0" dirty="0"/>
+            <a:endParaRPr lang="en-US" dirty="0"/>
           </a:p>
         </p:txBody>
       </p:sp>
@@ -1760,7 +1714,7 @@
           <a:p>
             <a:fld id="{674204C3-38E2-2E4D-9531-4CEDD373D6EA}" type="slidenum">
               <a:rPr lang="en-US" smtClean="0"/>
-              <a:t>33</a:t>
+              <a:t>35</a:t>
             </a:fld>
             <a:endParaRPr lang="en-US"/>
           </a:p>
@@ -1769,7 +1723,7 @@
     </p:spTree>
     <p:extLst>
       <p:ext uri="{BB962C8B-B14F-4D97-AF65-F5344CB8AC3E}">
-        <p14:creationId xmlns:p14="http://schemas.microsoft.com/office/powerpoint/2010/main" val="680430235"/>
+        <p14:creationId xmlns:p14="http://schemas.microsoft.com/office/powerpoint/2010/main" val="192574388"/>
       </p:ext>
     </p:extLst>
   </p:cSld>
@@ -1824,65 +1778,57 @@
           <a:lstStyle/>
           <a:p>
             <a:r>
-              <a:rPr lang="en-GB" dirty="0"/>
-              <a:t>--</a:t>
-            </a:r>
-            <a:r>
-              <a:rPr lang="en-GB" baseline="0" dirty="0"/>
-              <a:t> Demo</a:t>
-            </a:r>
-            <a:endParaRPr lang="en-GB" dirty="0"/>
-          </a:p>
-          <a:p>
-            <a:r>
-              <a:rPr lang="en-GB" dirty="0"/>
-              <a:t>Run the containers</a:t>
-            </a:r>
-            <a:r>
-              <a:rPr lang="en-GB" baseline="0" dirty="0"/>
-              <a:t> using </a:t>
-            </a:r>
-            <a:r>
-              <a:rPr lang="en-GB" baseline="0" dirty="0" err="1"/>
-              <a:t>docker</a:t>
-            </a:r>
-            <a:r>
-              <a:rPr lang="en-GB" baseline="0" dirty="0"/>
-              <a:t>-compose</a:t>
-            </a:r>
-            <a:endParaRPr lang="en-GB" dirty="0"/>
-          </a:p>
-          <a:p>
-            <a:r>
-              <a:rPr lang="en-GB" dirty="0"/>
-              <a:t>Show hitting the website</a:t>
-            </a:r>
-          </a:p>
-          <a:p>
-            <a:endParaRPr lang="en-GB" dirty="0"/>
-          </a:p>
-          <a:p>
-            <a:r>
-              <a:rPr lang="en-GB" dirty="0"/>
-              <a:t>--Walkthrough</a:t>
-            </a:r>
-          </a:p>
-          <a:p>
-            <a:r>
-              <a:rPr lang="en-GB" dirty="0"/>
-              <a:t>Navigate to the </a:t>
-            </a:r>
-            <a:r>
-              <a:rPr lang="en-GB" dirty="0" err="1"/>
-              <a:t>startup</a:t>
-            </a:r>
-            <a:r>
-              <a:rPr lang="en-GB" dirty="0"/>
-              <a:t> and show we use kestrel to self-host</a:t>
-            </a:r>
-          </a:p>
-          <a:p>
-            <a:endParaRPr lang="en-GB" dirty="0"/>
+              <a:rPr lang="en-US" dirty="0"/>
+              <a:t>Nothin</a:t>
+            </a:r>
+            <a:r>
+              <a:rPr lang="en-US" baseline="0" dirty="0"/>
+              <a:t>g in the 12-factor app manifesto says you cannot vertically scale. </a:t>
+            </a:r>
+          </a:p>
+          <a:p>
+            <a:endParaRPr lang="en-US" baseline="0" dirty="0"/>
+          </a:p>
+          <a:p>
+            <a:r>
+              <a:rPr lang="en-US" baseline="0" dirty="0"/>
+              <a:t>So it is permissible for a 12-factor app to multiplex via threads in the runtime (and indeed some runtimes are expensive to create so this model </a:t>
+            </a:r>
+            <a:r>
+              <a:rPr lang="en-US" i="1" baseline="0" dirty="0"/>
+              <a:t>should</a:t>
+            </a:r>
+            <a:r>
+              <a:rPr lang="en-US" baseline="0" dirty="0"/>
+              <a:t> be used), or to use asynchronous/evented reactor models to increase throughput when performing IO etc.</a:t>
+            </a:r>
+          </a:p>
+          <a:p>
+            <a:endParaRPr lang="en-US" baseline="0" dirty="0"/>
+          </a:p>
+          <a:p>
+            <a:r>
+              <a:rPr lang="en-US" baseline="0" dirty="0"/>
+              <a:t>But vertical scaling becomes prohibitively expensive at a certain point and does not aid with availability</a:t>
+            </a:r>
+          </a:p>
+          <a:p>
+            <a:endParaRPr lang="en-US" baseline="0" dirty="0"/>
+          </a:p>
+          <a:p>
+            <a:r>
+              <a:rPr lang="en-US" baseline="0" dirty="0"/>
+              <a:t>We don’t demonize because this implies access to low-level OS services which risks software erosion and may not be available on all platforms we deploy to. Instead we should rely on a process manager to provide our runtime management needs. (Note that this implies we should move away from Windows Service deployments as these demonize the console application and use Task Scheduler instead).</a:t>
+            </a:r>
+          </a:p>
+          <a:p>
+            <a:endParaRPr lang="en-US" baseline="0" dirty="0"/>
+          </a:p>
+          <a:p>
+            <a:endParaRPr lang="en-US" baseline="0" dirty="0"/>
+          </a:p>
+          <a:p>
+            <a:endParaRPr lang="en-US" baseline="0" dirty="0"/>
           </a:p>
         </p:txBody>
       </p:sp>
@@ -1903,7 +1849,7 @@
           <a:p>
             <a:fld id="{674204C3-38E2-2E4D-9531-4CEDD373D6EA}" type="slidenum">
               <a:rPr lang="en-US" smtClean="0"/>
-              <a:t>35</a:t>
+              <a:t>36</a:t>
             </a:fld>
             <a:endParaRPr lang="en-US"/>
           </a:p>
@@ -1912,7 +1858,7 @@
     </p:spTree>
     <p:extLst>
       <p:ext uri="{BB962C8B-B14F-4D97-AF65-F5344CB8AC3E}">
-        <p14:creationId xmlns:p14="http://schemas.microsoft.com/office/powerpoint/2010/main" val="1120328229"/>
+        <p14:creationId xmlns:p14="http://schemas.microsoft.com/office/powerpoint/2010/main" val="1855212680"/>
       </p:ext>
     </p:extLst>
   </p:cSld>
@@ -1966,7 +1912,64 @@
           <a:bodyPr/>
           <a:lstStyle/>
           <a:p>
-            <a:endParaRPr lang="en-US" dirty="0"/>
+            <a:r>
+              <a:rPr lang="en-US" dirty="0"/>
+              <a:t>A quick start aids</a:t>
+            </a:r>
+            <a:r>
+              <a:rPr lang="en-US" baseline="0" dirty="0"/>
+              <a:t> scheduling: we can bring capacity on stream rapidly when we need it. Monitor your startup times, use background workers if required to allow a responsive start to receive requests, and a queue for those requests to wait for resources to come on stream if they are expensive.</a:t>
+            </a:r>
+          </a:p>
+          <a:p>
+            <a:endParaRPr lang="en-US" baseline="0" dirty="0"/>
+          </a:p>
+          <a:p>
+            <a:r>
+              <a:rPr lang="en-US" baseline="0" dirty="0"/>
+              <a:t>A graceful shutdown reassures administrators that they can safely terminate instances: the ideal would be:</a:t>
+            </a:r>
+          </a:p>
+          <a:p>
+            <a:endParaRPr lang="en-US" baseline="0" dirty="0"/>
+          </a:p>
+          <a:p>
+            <a:r>
+              <a:rPr lang="en-US" baseline="0" dirty="0"/>
+              <a:t>Web process: finish any existing request, but refuse new requests. Assuming that a request can be completed in under 300ms or so, to allow shutdown to be fast</a:t>
+            </a:r>
+          </a:p>
+          <a:p>
+            <a:r>
+              <a:rPr lang="en-US" baseline="0" dirty="0"/>
+              <a:t>Worker process: either return work to the queue with a </a:t>
+            </a:r>
+            <a:r>
+              <a:rPr lang="en-US" baseline="0" dirty="0" err="1"/>
+              <a:t>nack</a:t>
+            </a:r>
+            <a:r>
+              <a:rPr lang="en-US" baseline="0" dirty="0"/>
+              <a:t>, or finish work before shutting down. The choice depends on how long work takes (fast jobs under 500ms could be allowed to finish), and the extent to which work is reentrant either by being transacted or idempotent so that it can be canceled and then re-run.</a:t>
+            </a:r>
+          </a:p>
+          <a:p>
+            <a:endParaRPr lang="en-US" baseline="0" dirty="0"/>
+          </a:p>
+          <a:p>
+            <a:r>
+              <a:rPr lang="en-US" baseline="0" dirty="0"/>
+              <a:t>It is also important to consider what happens in the event of catastrophic failure i.e. hardware loss. The use of automatic rollback of transactions, messages to the queue, etc. after a timeout is helpful here as it prevents us failing in an ‘inconsistent’ state.</a:t>
+            </a:r>
+          </a:p>
+          <a:p>
+            <a:endParaRPr lang="en-US" baseline="0" dirty="0"/>
+          </a:p>
+          <a:p>
+            <a:endParaRPr lang="en-US" baseline="0" dirty="0"/>
+          </a:p>
+          <a:p>
+            <a:endParaRPr lang="en-US" baseline="0" dirty="0"/>
           </a:p>
         </p:txBody>
       </p:sp>
@@ -1987,7 +1990,7 @@
           <a:p>
             <a:fld id="{674204C3-38E2-2E4D-9531-4CEDD373D6EA}" type="slidenum">
               <a:rPr lang="en-US" smtClean="0"/>
-              <a:t>36</a:t>
+              <a:t>37</a:t>
             </a:fld>
             <a:endParaRPr lang="en-US"/>
           </a:p>
@@ -1996,7 +1999,7 @@
     </p:spTree>
     <p:extLst>
       <p:ext uri="{BB962C8B-B14F-4D97-AF65-F5344CB8AC3E}">
-        <p14:creationId xmlns:p14="http://schemas.microsoft.com/office/powerpoint/2010/main" val="378385636"/>
+        <p14:creationId xmlns:p14="http://schemas.microsoft.com/office/powerpoint/2010/main" val="680430235"/>
       </p:ext>
     </p:extLst>
   </p:cSld>
@@ -2135,87 +2138,65 @@
           <a:lstStyle/>
           <a:p>
             <a:r>
-              <a:rPr lang="en-US" dirty="0"/>
-              <a:t>By one codebase per app, do</a:t>
-            </a:r>
-            <a:r>
-              <a:rPr lang="en-US" baseline="0" dirty="0"/>
-              <a:t> we only mean codebase per process?</a:t>
-            </a:r>
-          </a:p>
-          <a:p>
-            <a:endParaRPr lang="en-US" baseline="0" dirty="0"/>
-          </a:p>
-          <a:p>
-            <a:r>
-              <a:rPr lang="en-US" baseline="0" dirty="0"/>
-              <a:t>Take the example of a web and worker, that share the same model, but the worker uses the same domain model and Db and just handles the long-running workloads.</a:t>
-            </a:r>
-          </a:p>
-          <a:p>
-            <a:endParaRPr lang="en-US" baseline="0" dirty="0"/>
-          </a:p>
-          <a:p>
-            <a:r>
-              <a:rPr lang="en-US" baseline="0" dirty="0"/>
-              <a:t>One or two repos? Some folks (Pivotal) say two because there is a smell that you may actually have two </a:t>
-            </a:r>
-            <a:r>
-              <a:rPr lang="en-US" baseline="0" dirty="0" err="1"/>
-              <a:t>microservices</a:t>
-            </a:r>
-            <a:r>
-              <a:rPr lang="en-US" baseline="0" dirty="0"/>
-              <a:t>.</a:t>
-            </a:r>
-          </a:p>
-          <a:p>
-            <a:endParaRPr lang="en-US" baseline="0" dirty="0"/>
-          </a:p>
-          <a:p>
-            <a:r>
-              <a:rPr lang="en-US" baseline="0" dirty="0"/>
-              <a:t>The key issue is CI boundaries. Do you have one CI boundary i.e. build and test together? Then put it in the same repo (corollary with admin tools). This is a </a:t>
-            </a:r>
-            <a:r>
-              <a:rPr lang="en-US" baseline="0" dirty="0" err="1"/>
-              <a:t>microservice</a:t>
-            </a:r>
-            <a:r>
-              <a:rPr lang="en-US" baseline="0" dirty="0"/>
-              <a:t> boundary anyway i.e. a bounded context. Split the repo for separate </a:t>
-            </a:r>
-            <a:r>
-              <a:rPr lang="en-US" baseline="0" dirty="0" err="1"/>
-              <a:t>microservices</a:t>
-            </a:r>
-            <a:r>
-              <a:rPr lang="en-US" baseline="0" dirty="0"/>
-              <a:t>.</a:t>
-            </a:r>
-          </a:p>
-          <a:p>
-            <a:endParaRPr lang="en-US" baseline="0" dirty="0"/>
-          </a:p>
-          <a:p>
-            <a:r>
-              <a:rPr lang="en-US" baseline="0" dirty="0"/>
-              <a:t>i.e. on app == one </a:t>
-            </a:r>
-            <a:r>
-              <a:rPr lang="en-US" baseline="0" dirty="0" err="1"/>
-              <a:t>microservice</a:t>
-            </a:r>
-            <a:r>
-              <a:rPr lang="en-US" baseline="0" dirty="0"/>
-              <a:t> == one repo</a:t>
-            </a:r>
-          </a:p>
-          <a:p>
-            <a:endParaRPr lang="en-US" baseline="0"/>
-          </a:p>
-          <a:p>
-            <a:endParaRPr lang="en-US" baseline="0" dirty="0"/>
+              <a:rPr lang="en-GB" dirty="0"/>
+              <a:t>--</a:t>
+            </a:r>
+            <a:r>
+              <a:rPr lang="en-GB" baseline="0" dirty="0"/>
+              <a:t> Demo</a:t>
+            </a:r>
+            <a:endParaRPr lang="en-GB" dirty="0"/>
+          </a:p>
+          <a:p>
+            <a:r>
+              <a:rPr lang="en-GB" dirty="0"/>
+              <a:t>Run the containers</a:t>
+            </a:r>
+            <a:r>
+              <a:rPr lang="en-GB" baseline="0" dirty="0"/>
+              <a:t> using </a:t>
+            </a:r>
+            <a:r>
+              <a:rPr lang="en-GB" baseline="0" dirty="0" err="1"/>
+              <a:t>docker</a:t>
+            </a:r>
+            <a:r>
+              <a:rPr lang="en-GB" baseline="0" dirty="0"/>
+              <a:t>-compose</a:t>
+            </a:r>
+            <a:endParaRPr lang="en-GB" dirty="0"/>
+          </a:p>
+          <a:p>
+            <a:r>
+              <a:rPr lang="en-GB" dirty="0"/>
+              <a:t>Show hitting the website</a:t>
+            </a:r>
+          </a:p>
+          <a:p>
+            <a:endParaRPr lang="en-GB" dirty="0"/>
+          </a:p>
+          <a:p>
+            <a:r>
+              <a:rPr lang="en-GB" dirty="0"/>
+              <a:t>--Walkthrough</a:t>
+            </a:r>
+          </a:p>
+          <a:p>
+            <a:r>
+              <a:rPr lang="en-GB" dirty="0"/>
+              <a:t>Navigate to the </a:t>
+            </a:r>
+            <a:r>
+              <a:rPr lang="en-GB" dirty="0" err="1"/>
+              <a:t>startup</a:t>
+            </a:r>
+            <a:r>
+              <a:rPr lang="en-GB" dirty="0"/>
+              <a:t> and show we use kestrel to self-host</a:t>
+            </a:r>
+          </a:p>
+          <a:p>
+            <a:endParaRPr lang="en-GB" dirty="0"/>
           </a:p>
         </p:txBody>
       </p:sp>
@@ -2236,7 +2217,7 @@
           <a:p>
             <a:fld id="{674204C3-38E2-2E4D-9531-4CEDD373D6EA}" type="slidenum">
               <a:rPr lang="en-US" smtClean="0"/>
-              <a:t>38</a:t>
+              <a:t>39</a:t>
             </a:fld>
             <a:endParaRPr lang="en-US"/>
           </a:p>
@@ -2245,7 +2226,7 @@
     </p:spTree>
     <p:extLst>
       <p:ext uri="{BB962C8B-B14F-4D97-AF65-F5344CB8AC3E}">
-        <p14:creationId xmlns:p14="http://schemas.microsoft.com/office/powerpoint/2010/main" val="191647247"/>
+        <p14:creationId xmlns:p14="http://schemas.microsoft.com/office/powerpoint/2010/main" val="1120328229"/>
       </p:ext>
     </p:extLst>
   </p:cSld>
@@ -2320,7 +2301,7 @@
           <a:p>
             <a:fld id="{674204C3-38E2-2E4D-9531-4CEDD373D6EA}" type="slidenum">
               <a:rPr lang="en-US" smtClean="0"/>
-              <a:t>41</a:t>
+              <a:t>40</a:t>
             </a:fld>
             <a:endParaRPr lang="en-US"/>
           </a:p>
@@ -2329,7 +2310,7 @@
     </p:spTree>
     <p:extLst>
       <p:ext uri="{BB962C8B-B14F-4D97-AF65-F5344CB8AC3E}">
-        <p14:creationId xmlns:p14="http://schemas.microsoft.com/office/powerpoint/2010/main" val="1161739726"/>
+        <p14:creationId xmlns:p14="http://schemas.microsoft.com/office/powerpoint/2010/main" val="378385636"/>
       </p:ext>
     </p:extLst>
   </p:cSld>
@@ -2384,74 +2365,87 @@
           <a:lstStyle/>
           <a:p>
             <a:r>
-              <a:rPr lang="en-GB" dirty="0"/>
-              <a:t>Open a new command prompt</a:t>
-            </a:r>
-          </a:p>
-          <a:p>
-            <a:r>
-              <a:rPr lang="en-GB" dirty="0"/>
-              <a:t>Create a directory</a:t>
-            </a:r>
-          </a:p>
-          <a:p>
-            <a:r>
-              <a:rPr lang="en-GB" dirty="0"/>
-              <a:t>Git clone https://github.com/Arc-Lightning/FutureStack repository</a:t>
-            </a:r>
-          </a:p>
-          <a:p>
-            <a:endParaRPr lang="en-GB" dirty="0"/>
-          </a:p>
-          <a:p>
-            <a:r>
-              <a:rPr lang="en-GB" dirty="0"/>
-              <a:t>Review the </a:t>
-            </a:r>
-            <a:r>
-              <a:rPr lang="en-GB" dirty="0" err="1"/>
-              <a:t>Dockerfiles</a:t>
-            </a:r>
-            <a:r>
-              <a:rPr lang="en-GB" baseline="0" dirty="0"/>
-              <a:t> in Code</a:t>
-            </a:r>
-            <a:endParaRPr lang="en-GB" dirty="0"/>
-          </a:p>
-          <a:p>
-            <a:r>
-              <a:rPr lang="en-GB" dirty="0"/>
-              <a:t>Point out that we grab a clean base image (use runtime only image, not SDK)</a:t>
-            </a:r>
-          </a:p>
-          <a:p>
-            <a:r>
-              <a:rPr lang="en-GB" dirty="0"/>
-              <a:t>Point to the code where we restore the dependencies for the application</a:t>
-            </a:r>
-          </a:p>
-          <a:p>
-            <a:r>
-              <a:rPr lang="en-GB" dirty="0"/>
-              <a:t>We may find that internet connection is poor and we don’t have dependencies</a:t>
-            </a:r>
-          </a:p>
-          <a:p>
-            <a:r>
-              <a:rPr lang="en-GB" dirty="0"/>
-              <a:t>So you need to use the </a:t>
-            </a:r>
-            <a:r>
-              <a:rPr lang="en-GB" dirty="0" err="1"/>
-              <a:t>Dockerfile</a:t>
-            </a:r>
-            <a:r>
-              <a:rPr lang="en-GB" dirty="0"/>
-              <a:t> to ‘pre-bake’ an image with dependencies realized on the machine</a:t>
-            </a:r>
-          </a:p>
-          <a:p>
-            <a:endParaRPr lang="en-GB" dirty="0"/>
+              <a:rPr lang="en-US" dirty="0"/>
+              <a:t>By one codebase per app, do</a:t>
+            </a:r>
+            <a:r>
+              <a:rPr lang="en-US" baseline="0" dirty="0"/>
+              <a:t> we only mean codebase per process?</a:t>
+            </a:r>
+          </a:p>
+          <a:p>
+            <a:endParaRPr lang="en-US" baseline="0" dirty="0"/>
+          </a:p>
+          <a:p>
+            <a:r>
+              <a:rPr lang="en-US" baseline="0" dirty="0"/>
+              <a:t>Take the example of a web and worker, that share the same model, but the worker uses the same domain model and Db and just handles the long-running workloads.</a:t>
+            </a:r>
+          </a:p>
+          <a:p>
+            <a:endParaRPr lang="en-US" baseline="0" dirty="0"/>
+          </a:p>
+          <a:p>
+            <a:r>
+              <a:rPr lang="en-US" baseline="0" dirty="0"/>
+              <a:t>One or two repos? Some folks (Pivotal) say two because there is a smell that you may actually have two </a:t>
+            </a:r>
+            <a:r>
+              <a:rPr lang="en-US" baseline="0" dirty="0" err="1"/>
+              <a:t>microservices</a:t>
+            </a:r>
+            <a:r>
+              <a:rPr lang="en-US" baseline="0" dirty="0"/>
+              <a:t>.</a:t>
+            </a:r>
+          </a:p>
+          <a:p>
+            <a:endParaRPr lang="en-US" baseline="0" dirty="0"/>
+          </a:p>
+          <a:p>
+            <a:r>
+              <a:rPr lang="en-US" baseline="0" dirty="0"/>
+              <a:t>The key issue is CI boundaries. Do you have one CI boundary i.e. build and test together? Then put it in the same repo (corollary with admin tools). This is a </a:t>
+            </a:r>
+            <a:r>
+              <a:rPr lang="en-US" baseline="0" dirty="0" err="1"/>
+              <a:t>microservice</a:t>
+            </a:r>
+            <a:r>
+              <a:rPr lang="en-US" baseline="0" dirty="0"/>
+              <a:t> boundary anyway i.e. a bounded context. Split the repo for separate </a:t>
+            </a:r>
+            <a:r>
+              <a:rPr lang="en-US" baseline="0" dirty="0" err="1"/>
+              <a:t>microservices</a:t>
+            </a:r>
+            <a:r>
+              <a:rPr lang="en-US" baseline="0" dirty="0"/>
+              <a:t>.</a:t>
+            </a:r>
+          </a:p>
+          <a:p>
+            <a:endParaRPr lang="en-US" baseline="0" dirty="0"/>
+          </a:p>
+          <a:p>
+            <a:r>
+              <a:rPr lang="en-US" baseline="0" dirty="0"/>
+              <a:t>i.e. on app == one </a:t>
+            </a:r>
+            <a:r>
+              <a:rPr lang="en-US" baseline="0" dirty="0" err="1"/>
+              <a:t>microservice</a:t>
+            </a:r>
+            <a:r>
+              <a:rPr lang="en-US" baseline="0" dirty="0"/>
+              <a:t> == one repo</a:t>
+            </a:r>
+          </a:p>
+          <a:p>
+            <a:endParaRPr lang="en-US" baseline="0"/>
+          </a:p>
+          <a:p>
+            <a:endParaRPr lang="en-US" baseline="0" dirty="0"/>
           </a:p>
         </p:txBody>
       </p:sp>
@@ -2481,7 +2475,7 @@
     </p:spTree>
     <p:extLst>
       <p:ext uri="{BB962C8B-B14F-4D97-AF65-F5344CB8AC3E}">
-        <p14:creationId xmlns:p14="http://schemas.microsoft.com/office/powerpoint/2010/main" val="892140996"/>
+        <p14:creationId xmlns:p14="http://schemas.microsoft.com/office/powerpoint/2010/main" val="191647247"/>
       </p:ext>
     </p:extLst>
   </p:cSld>
@@ -2535,143 +2529,6 @@
           <a:bodyPr/>
           <a:lstStyle/>
           <a:p>
-            <a:r>
-              <a:rPr lang="en-US" dirty="0"/>
-              <a:t>The smells here are:</a:t>
-            </a:r>
-          </a:p>
-          <a:p>
-            <a:endParaRPr lang="en-US" baseline="0" dirty="0"/>
-          </a:p>
-          <a:p>
-            <a:pPr marL="171450" indent="-171450">
-              <a:buFont typeface="Arial" charset="0"/>
-              <a:buChar char="•"/>
-            </a:pPr>
-            <a:r>
-              <a:rPr lang="en-US" baseline="0" dirty="0"/>
-              <a:t>Per-environment configuration files checked into source control</a:t>
-            </a:r>
-            <a:endParaRPr lang="en-US" dirty="0"/>
-          </a:p>
-          <a:p>
-            <a:pPr marL="171450" indent="-171450">
-              <a:buFont typeface="Arial" charset="0"/>
-              <a:buChar char="•"/>
-            </a:pPr>
-            <a:r>
-              <a:rPr lang="en-US" dirty="0" err="1"/>
-              <a:t>Templated</a:t>
-            </a:r>
-            <a:r>
-              <a:rPr lang="en-US" baseline="0" dirty="0"/>
-              <a:t> configuration files checked into repos that must be merged with per-environment data files</a:t>
-            </a:r>
-          </a:p>
-          <a:p>
-            <a:pPr marL="171450" indent="-171450">
-              <a:buFont typeface="Arial" charset="0"/>
-              <a:buChar char="•"/>
-            </a:pPr>
-            <a:r>
-              <a:rPr lang="en-US" baseline="0" dirty="0"/>
-              <a:t>Environment information hard-coded into source code (obviously)</a:t>
-            </a:r>
-          </a:p>
-          <a:p>
-            <a:endParaRPr lang="en-US" baseline="0" dirty="0"/>
-          </a:p>
-          <a:p>
-            <a:r>
-              <a:rPr lang="en-US" baseline="0" dirty="0"/>
-              <a:t>You could still have a configuration file, particularly if your runtime requires it, to tell you how to run the software, provided it is information that does not vary by deploy. Prefer code for many of these settings if possible, especially if you would be likely to re-deploy as a result of any change i.e. routing changes probably mean that you have written a new handler so you would redeploy anyway.</a:t>
-            </a:r>
-          </a:p>
-          <a:p>
-            <a:endParaRPr lang="en-US" baseline="0" dirty="0"/>
-          </a:p>
-          <a:p>
-            <a:r>
-              <a:rPr lang="en-US" baseline="0" dirty="0"/>
-              <a:t>But things that change at runtime, such as connection strings, no-of-threads, timeout values, </a:t>
-            </a:r>
-            <a:r>
-              <a:rPr lang="en-US" baseline="0" dirty="0" err="1"/>
-              <a:t>urls</a:t>
-            </a:r>
-            <a:r>
-              <a:rPr lang="en-US" baseline="0" dirty="0"/>
-              <a:t> of external services etc. should be stored in environment variables.</a:t>
-            </a:r>
-          </a:p>
-          <a:p>
-            <a:endParaRPr lang="en-US" baseline="0" dirty="0"/>
-          </a:p>
-          <a:p>
-            <a:r>
-              <a:rPr lang="en-US" baseline="0" dirty="0"/>
-              <a:t>Why not just use a file and merge?</a:t>
-            </a:r>
-          </a:p>
-          <a:p>
-            <a:endParaRPr lang="en-US" baseline="0" dirty="0"/>
-          </a:p>
-          <a:p>
-            <a:pPr marL="171450" indent="-171450">
-              <a:buFont typeface="Arial" charset="0"/>
-              <a:buChar char="•"/>
-            </a:pPr>
-            <a:r>
-              <a:rPr lang="en-US" baseline="0" dirty="0"/>
-              <a:t>Complexity. It’s simpler just to grab from the </a:t>
-            </a:r>
-            <a:r>
-              <a:rPr lang="en-US" baseline="0" dirty="0" err="1"/>
-              <a:t>os</a:t>
-            </a:r>
-            <a:r>
-              <a:rPr lang="en-US" baseline="0" dirty="0"/>
-              <a:t>. You want an immutable release artefact, not an artefact that must be rebuilt for every environment that it is deployed to. Avoid rebuilding for different environments, instead rely on an immutable release artefact that does not vary</a:t>
-            </a:r>
-          </a:p>
-          <a:p>
-            <a:pPr marL="171450" indent="-171450">
-              <a:buFont typeface="Arial" charset="0"/>
-              <a:buChar char="•"/>
-            </a:pPr>
-            <a:r>
-              <a:rPr lang="en-US" baseline="0" dirty="0"/>
-              <a:t>In PASS environments we may not have access to configuration files</a:t>
-            </a:r>
-          </a:p>
-          <a:p>
-            <a:pPr marL="171450" indent="-171450">
-              <a:buFont typeface="Arial" charset="0"/>
-              <a:buChar char="•"/>
-            </a:pPr>
-            <a:r>
-              <a:rPr lang="en-US" baseline="0" dirty="0"/>
-              <a:t>In Container environments its simple to use a .</a:t>
-            </a:r>
-            <a:r>
-              <a:rPr lang="en-US" baseline="0" dirty="0" err="1"/>
-              <a:t>env</a:t>
-            </a:r>
-            <a:r>
-              <a:rPr lang="en-US" baseline="0" dirty="0"/>
-              <a:t> file to provide the environment information</a:t>
-            </a:r>
-          </a:p>
-          <a:p>
-            <a:endParaRPr lang="en-US" baseline="0" dirty="0"/>
-          </a:p>
-          <a:p>
-            <a:endParaRPr lang="en-US" baseline="0" dirty="0"/>
-          </a:p>
-          <a:p>
-            <a:endParaRPr lang="en-US" baseline="0" dirty="0"/>
-          </a:p>
-          <a:p>
             <a:endParaRPr lang="en-US" dirty="0"/>
           </a:p>
         </p:txBody>
@@ -2693,7 +2550,7 @@
           <a:p>
             <a:fld id="{674204C3-38E2-2E4D-9531-4CEDD373D6EA}" type="slidenum">
               <a:rPr lang="en-US" smtClean="0"/>
-              <a:t>43</a:t>
+              <a:t>45</a:t>
             </a:fld>
             <a:endParaRPr lang="en-US"/>
           </a:p>
@@ -2702,7 +2559,7 @@
     </p:spTree>
     <p:extLst>
       <p:ext uri="{BB962C8B-B14F-4D97-AF65-F5344CB8AC3E}">
-        <p14:creationId xmlns:p14="http://schemas.microsoft.com/office/powerpoint/2010/main" val="574695841"/>
+        <p14:creationId xmlns:p14="http://schemas.microsoft.com/office/powerpoint/2010/main" val="1161739726"/>
       </p:ext>
     </p:extLst>
   </p:cSld>
@@ -2756,7 +2613,75 @@
           <a:bodyPr/>
           <a:lstStyle/>
           <a:p>
-            <a:endParaRPr lang="en-US" dirty="0"/>
+            <a:r>
+              <a:rPr lang="en-GB" dirty="0"/>
+              <a:t>Open a new command prompt</a:t>
+            </a:r>
+          </a:p>
+          <a:p>
+            <a:r>
+              <a:rPr lang="en-GB" dirty="0"/>
+              <a:t>Create a directory</a:t>
+            </a:r>
+          </a:p>
+          <a:p>
+            <a:r>
+              <a:rPr lang="en-GB" dirty="0"/>
+              <a:t>Git clone https://github.com/Arc-Lightning/FutureStack repository</a:t>
+            </a:r>
+          </a:p>
+          <a:p>
+            <a:endParaRPr lang="en-GB" dirty="0"/>
+          </a:p>
+          <a:p>
+            <a:r>
+              <a:rPr lang="en-GB" dirty="0"/>
+              <a:t>Review the </a:t>
+            </a:r>
+            <a:r>
+              <a:rPr lang="en-GB" dirty="0" err="1"/>
+              <a:t>Dockerfiles</a:t>
+            </a:r>
+            <a:r>
+              <a:rPr lang="en-GB" baseline="0" dirty="0"/>
+              <a:t> in Code</a:t>
+            </a:r>
+            <a:endParaRPr lang="en-GB" dirty="0"/>
+          </a:p>
+          <a:p>
+            <a:r>
+              <a:rPr lang="en-GB" dirty="0"/>
+              <a:t>Point out that we grab a clean base image (use runtime only image, not SDK)</a:t>
+            </a:r>
+          </a:p>
+          <a:p>
+            <a:r>
+              <a:rPr lang="en-GB" dirty="0"/>
+              <a:t>Point to the code where we restore the dependencies for the application</a:t>
+            </a:r>
+          </a:p>
+          <a:p>
+            <a:r>
+              <a:rPr lang="en-GB" dirty="0"/>
+              <a:t>We may find that internet connection is poor and we don’t have dependencies</a:t>
+            </a:r>
+          </a:p>
+          <a:p>
+            <a:r>
+              <a:rPr lang="en-GB" dirty="0"/>
+              <a:t>So you need to use the </a:t>
+            </a:r>
+            <a:r>
+              <a:rPr lang="en-GB" dirty="0" err="1"/>
+              <a:t>Dockerfile</a:t>
+            </a:r>
+            <a:r>
+              <a:rPr lang="en-GB" dirty="0"/>
+              <a:t> to ‘pre-bake’ an image with dependencies realized on the machine</a:t>
+            </a:r>
+          </a:p>
+          <a:p>
+            <a:endParaRPr lang="en-GB" dirty="0"/>
           </a:p>
         </p:txBody>
       </p:sp>
@@ -2777,7 +2702,7 @@
           <a:p>
             <a:fld id="{674204C3-38E2-2E4D-9531-4CEDD373D6EA}" type="slidenum">
               <a:rPr lang="en-US" smtClean="0"/>
-              <a:t>44</a:t>
+              <a:t>46</a:t>
             </a:fld>
             <a:endParaRPr lang="en-US"/>
           </a:p>
@@ -2786,7 +2711,7 @@
     </p:spTree>
     <p:extLst>
       <p:ext uri="{BB962C8B-B14F-4D97-AF65-F5344CB8AC3E}">
-        <p14:creationId xmlns:p14="http://schemas.microsoft.com/office/powerpoint/2010/main" val="1724816454"/>
+        <p14:creationId xmlns:p14="http://schemas.microsoft.com/office/powerpoint/2010/main" val="892140996"/>
       </p:ext>
     </p:extLst>
   </p:cSld>
@@ -2842,11 +2767,45 @@
           <a:p>
             <a:r>
               <a:rPr lang="en-US" dirty="0"/>
-              <a:t>This is fairly common nowadays:</a:t>
-            </a:r>
+              <a:t>The smells here are:</a:t>
+            </a:r>
+          </a:p>
+          <a:p>
+            <a:endParaRPr lang="en-US" baseline="0" dirty="0"/>
+          </a:p>
+          <a:p>
+            <a:pPr marL="171450" indent="-171450">
+              <a:buFont typeface="Arial" charset="0"/>
+              <a:buChar char="•"/>
+            </a:pPr>
             <a:r>
               <a:rPr lang="en-US" baseline="0" dirty="0"/>
-              <a:t> gone is the bad old era when people would hop onto the production server and manually edit the running configuration. The issues are numerous but the issue of ‘lost changes’ during the next build is particularly pernicious here.</a:t>
+              <a:t>Per-environment configuration files checked into source control</a:t>
+            </a:r>
+            <a:endParaRPr lang="en-US" dirty="0"/>
+          </a:p>
+          <a:p>
+            <a:pPr marL="171450" indent="-171450">
+              <a:buFont typeface="Arial" charset="0"/>
+              <a:buChar char="•"/>
+            </a:pPr>
+            <a:r>
+              <a:rPr lang="en-US" dirty="0" err="1"/>
+              <a:t>Templated</a:t>
+            </a:r>
+            <a:r>
+              <a:rPr lang="en-US" baseline="0" dirty="0"/>
+              <a:t> configuration files checked into repos that must be merged with per-environment data files</a:t>
+            </a:r>
+          </a:p>
+          <a:p>
+            <a:pPr marL="171450" indent="-171450">
+              <a:buFont typeface="Arial" charset="0"/>
+              <a:buChar char="•"/>
+            </a:pPr>
+            <a:r>
+              <a:rPr lang="en-US" baseline="0" dirty="0"/>
+              <a:t>Environment information hard-coded into source code (obviously)</a:t>
             </a:r>
           </a:p>
           <a:p>
@@ -2855,16 +2814,89 @@
           <a:p>
             <a:r>
               <a:rPr lang="en-US" baseline="0" dirty="0"/>
-              <a:t>Note that the environment is factored in at release. Broadly to change the environment should not involve a new build </a:t>
-            </a:r>
-            <a:r>
-              <a:rPr lang="mr-IN" baseline="0" dirty="0"/>
-              <a:t>–</a:t>
-            </a:r>
+              <a:t>You could still have a configuration file, particularly if your runtime requires it, to tell you how to run the software, provided it is information that does not vary by deploy. Prefer code for many of these settings if possible, especially if you would be likely to re-deploy as a result of any change i.e. routing changes probably mean that you have written a new handler so you would redeploy anyway.</a:t>
+            </a:r>
+          </a:p>
+          <a:p>
+            <a:endParaRPr lang="en-US" baseline="0" dirty="0"/>
+          </a:p>
+          <a:p>
             <a:r>
               <a:rPr lang="en-US" baseline="0" dirty="0"/>
-              <a:t> the artefact becomes immutable, but may require restarting the app in order to load those environment changes.</a:t>
-            </a:r>
+              <a:t>But things that change at runtime, such as connection strings, no-of-threads, timeout values, </a:t>
+            </a:r>
+            <a:r>
+              <a:rPr lang="en-US" baseline="0" dirty="0" err="1"/>
+              <a:t>urls</a:t>
+            </a:r>
+            <a:r>
+              <a:rPr lang="en-US" baseline="0" dirty="0"/>
+              <a:t> of external services etc. should be stored in environment variables.</a:t>
+            </a:r>
+          </a:p>
+          <a:p>
+            <a:endParaRPr lang="en-US" baseline="0" dirty="0"/>
+          </a:p>
+          <a:p>
+            <a:r>
+              <a:rPr lang="en-US" baseline="0" dirty="0"/>
+              <a:t>Why not just use a file and merge?</a:t>
+            </a:r>
+          </a:p>
+          <a:p>
+            <a:endParaRPr lang="en-US" baseline="0" dirty="0"/>
+          </a:p>
+          <a:p>
+            <a:pPr marL="171450" indent="-171450">
+              <a:buFont typeface="Arial" charset="0"/>
+              <a:buChar char="•"/>
+            </a:pPr>
+            <a:r>
+              <a:rPr lang="en-US" baseline="0" dirty="0"/>
+              <a:t>Complexity. It’s simpler just to grab from the </a:t>
+            </a:r>
+            <a:r>
+              <a:rPr lang="en-US" baseline="0" dirty="0" err="1"/>
+              <a:t>os</a:t>
+            </a:r>
+            <a:r>
+              <a:rPr lang="en-US" baseline="0" dirty="0"/>
+              <a:t>. You want an immutable release artefact, not an artefact that must be rebuilt for every environment that it is deployed to. Avoid rebuilding for different environments, instead rely on an immutable release artefact that does not vary</a:t>
+            </a:r>
+          </a:p>
+          <a:p>
+            <a:pPr marL="171450" indent="-171450">
+              <a:buFont typeface="Arial" charset="0"/>
+              <a:buChar char="•"/>
+            </a:pPr>
+            <a:r>
+              <a:rPr lang="en-US" baseline="0" dirty="0"/>
+              <a:t>In PASS environments we may not have access to configuration files</a:t>
+            </a:r>
+          </a:p>
+          <a:p>
+            <a:pPr marL="171450" indent="-171450">
+              <a:buFont typeface="Arial" charset="0"/>
+              <a:buChar char="•"/>
+            </a:pPr>
+            <a:r>
+              <a:rPr lang="en-US" baseline="0" dirty="0"/>
+              <a:t>In Container environments its simple to use a .</a:t>
+            </a:r>
+            <a:r>
+              <a:rPr lang="en-US" baseline="0" dirty="0" err="1"/>
+              <a:t>env</a:t>
+            </a:r>
+            <a:r>
+              <a:rPr lang="en-US" baseline="0" dirty="0"/>
+              <a:t> file to provide the environment information</a:t>
+            </a:r>
+          </a:p>
+          <a:p>
+            <a:endParaRPr lang="en-US" baseline="0" dirty="0"/>
+          </a:p>
+          <a:p>
+            <a:endParaRPr lang="en-US" baseline="0" dirty="0"/>
           </a:p>
           <a:p>
             <a:endParaRPr lang="en-US" baseline="0" dirty="0"/>
@@ -2891,7 +2923,7 @@
           <a:p>
             <a:fld id="{674204C3-38E2-2E4D-9531-4CEDD373D6EA}" type="slidenum">
               <a:rPr lang="en-US" smtClean="0"/>
-              <a:t>45</a:t>
+              <a:t>47</a:t>
             </a:fld>
             <a:endParaRPr lang="en-US"/>
           </a:p>
@@ -2900,7 +2932,7 @@
     </p:spTree>
     <p:extLst>
       <p:ext uri="{BB962C8B-B14F-4D97-AF65-F5344CB8AC3E}">
-        <p14:creationId xmlns:p14="http://schemas.microsoft.com/office/powerpoint/2010/main" val="1706056250"/>
+        <p14:creationId xmlns:p14="http://schemas.microsoft.com/office/powerpoint/2010/main" val="574695841"/>
       </p:ext>
     </p:extLst>
   </p:cSld>
@@ -2955,69 +2987,36 @@
           <a:lstStyle/>
           <a:p>
             <a:r>
-              <a:rPr lang="en-GB" dirty="0"/>
-              <a:t>Open the application in Code</a:t>
-            </a:r>
-          </a:p>
-          <a:p>
-            <a:r>
-              <a:rPr lang="en-GB" dirty="0"/>
-              <a:t>Show where we have configuration, and it is pulled from environment variables</a:t>
-            </a:r>
-          </a:p>
-          <a:p>
-            <a:r>
-              <a:rPr lang="en-GB" dirty="0"/>
-              <a:t>Show where we have routing etc. in code</a:t>
-            </a:r>
-          </a:p>
-          <a:p>
-            <a:endParaRPr lang="en-GB" dirty="0"/>
-          </a:p>
-          <a:p>
-            <a:r>
-              <a:rPr lang="en-GB" dirty="0"/>
-              <a:t>Edit the </a:t>
-            </a:r>
-            <a:r>
-              <a:rPr lang="en-GB" dirty="0" err="1"/>
-              <a:t>docker</a:t>
-            </a:r>
-            <a:r>
-              <a:rPr lang="en-GB" dirty="0"/>
-              <a:t>-compose</a:t>
-            </a:r>
-            <a:r>
-              <a:rPr lang="en-GB" baseline="0" dirty="0"/>
-              <a:t> file</a:t>
-            </a:r>
-            <a:r>
-              <a:rPr lang="en-GB" dirty="0"/>
-              <a:t> in</a:t>
-            </a:r>
-            <a:r>
-              <a:rPr lang="en-GB" baseline="0" dirty="0"/>
-              <a:t> Code</a:t>
-            </a:r>
-            <a:endParaRPr lang="en-GB" dirty="0"/>
-          </a:p>
-          <a:p>
-            <a:r>
-              <a:rPr lang="en-GB" dirty="0"/>
-              <a:t>Production and Development environment equivalency</a:t>
-            </a:r>
-          </a:p>
-          <a:p>
-            <a:r>
-              <a:rPr lang="en-GB" dirty="0"/>
-              <a:t>Build is done by a flag, we can build and then run</a:t>
-            </a:r>
-          </a:p>
-          <a:p>
-            <a:endParaRPr lang="en-GB" dirty="0"/>
-          </a:p>
-          <a:p>
-            <a:endParaRPr lang="en-GB" dirty="0"/>
+              <a:rPr lang="en-US" dirty="0"/>
+              <a:t>This is fairly common nowadays:</a:t>
+            </a:r>
+            <a:r>
+              <a:rPr lang="en-US" baseline="0" dirty="0"/>
+              <a:t> gone is the bad old era when people would hop onto the production server and manually edit the running configuration. The issues are numerous but the issue of ‘lost changes’ during the next build is particularly pernicious here.</a:t>
+            </a:r>
+          </a:p>
+          <a:p>
+            <a:endParaRPr lang="en-US" baseline="0" dirty="0"/>
+          </a:p>
+          <a:p>
+            <a:r>
+              <a:rPr lang="en-US" baseline="0" dirty="0"/>
+              <a:t>Note that the environment is factored in at release. Broadly to change the environment should not involve a new build </a:t>
+            </a:r>
+            <a:r>
+              <a:rPr lang="mr-IN" baseline="0" dirty="0"/>
+              <a:t>–</a:t>
+            </a:r>
+            <a:r>
+              <a:rPr lang="en-US" baseline="0" dirty="0"/>
+              <a:t> the artefact becomes immutable, but may require restarting the app in order to load those environment changes.</a:t>
+            </a:r>
+          </a:p>
+          <a:p>
+            <a:endParaRPr lang="en-US" baseline="0" dirty="0"/>
+          </a:p>
+          <a:p>
+            <a:endParaRPr lang="en-US" dirty="0"/>
           </a:p>
         </p:txBody>
       </p:sp>
@@ -3038,7 +3037,154 @@
           <a:p>
             <a:fld id="{674204C3-38E2-2E4D-9531-4CEDD373D6EA}" type="slidenum">
               <a:rPr lang="en-US" smtClean="0"/>
-              <a:t>46</a:t>
+              <a:t>48</a:t>
+            </a:fld>
+            <a:endParaRPr lang="en-US"/>
+          </a:p>
+        </p:txBody>
+      </p:sp>
+    </p:spTree>
+    <p:extLst>
+      <p:ext uri="{BB962C8B-B14F-4D97-AF65-F5344CB8AC3E}">
+        <p14:creationId xmlns:p14="http://schemas.microsoft.com/office/powerpoint/2010/main" val="1706056250"/>
+      </p:ext>
+    </p:extLst>
+  </p:cSld>
+  <p:clrMapOvr>
+    <a:masterClrMapping/>
+  </p:clrMapOvr>
+</p:notes>
+</file>
+
+<file path=ppt/notesSlides/notesSlide27.xml><?xml version="1.0" encoding="utf-8"?>
+<p:notes xmlns:a="http://schemas.openxmlformats.org/drawingml/2006/main" xmlns:r="http://schemas.openxmlformats.org/officeDocument/2006/relationships" xmlns:p="http://schemas.openxmlformats.org/presentationml/2006/main">
+  <p:cSld>
+    <p:spTree>
+      <p:nvGrpSpPr>
+        <p:cNvPr id="1" name=""/>
+        <p:cNvGrpSpPr/>
+        <p:nvPr/>
+      </p:nvGrpSpPr>
+      <p:grpSpPr>
+        <a:xfrm>
+          <a:off x="0" y="0"/>
+          <a:ext cx="0" cy="0"/>
+          <a:chOff x="0" y="0"/>
+          <a:chExt cx="0" cy="0"/>
+        </a:xfrm>
+      </p:grpSpPr>
+      <p:sp>
+        <p:nvSpPr>
+          <p:cNvPr id="2" name="Slide Image Placeholder 1"/>
+          <p:cNvSpPr>
+            <a:spLocks noGrp="1" noRot="1" noChangeAspect="1"/>
+          </p:cNvSpPr>
+          <p:nvPr>
+            <p:ph type="sldImg"/>
+          </p:nvPr>
+        </p:nvSpPr>
+        <p:spPr/>
+      </p:sp>
+      <p:sp>
+        <p:nvSpPr>
+          <p:cNvPr id="3" name="Notes Placeholder 2"/>
+          <p:cNvSpPr>
+            <a:spLocks noGrp="1"/>
+          </p:cNvSpPr>
+          <p:nvPr>
+            <p:ph type="body" idx="1"/>
+          </p:nvPr>
+        </p:nvSpPr>
+        <p:spPr/>
+        <p:txBody>
+          <a:bodyPr/>
+          <a:lstStyle/>
+          <a:p>
+            <a:r>
+              <a:rPr lang="en-GB" dirty="0"/>
+              <a:t>Open the application in Code</a:t>
+            </a:r>
+          </a:p>
+          <a:p>
+            <a:r>
+              <a:rPr lang="en-GB" dirty="0"/>
+              <a:t>Show where we have configuration, and it is pulled from environment variables</a:t>
+            </a:r>
+          </a:p>
+          <a:p>
+            <a:r>
+              <a:rPr lang="en-GB" dirty="0"/>
+              <a:t>Show where we have routing etc. in code</a:t>
+            </a:r>
+          </a:p>
+          <a:p>
+            <a:endParaRPr lang="en-GB" dirty="0"/>
+          </a:p>
+          <a:p>
+            <a:r>
+              <a:rPr lang="en-GB" dirty="0"/>
+              <a:t>Edit the </a:t>
+            </a:r>
+            <a:r>
+              <a:rPr lang="en-GB" dirty="0" err="1"/>
+              <a:t>docker</a:t>
+            </a:r>
+            <a:r>
+              <a:rPr lang="en-GB" dirty="0"/>
+              <a:t>-compose</a:t>
+            </a:r>
+            <a:r>
+              <a:rPr lang="en-GB" baseline="0" dirty="0"/>
+              <a:t> file</a:t>
+            </a:r>
+            <a:r>
+              <a:rPr lang="en-GB" dirty="0"/>
+              <a:t> in</a:t>
+            </a:r>
+            <a:r>
+              <a:rPr lang="en-GB" baseline="0" dirty="0"/>
+              <a:t> Code</a:t>
+            </a:r>
+            <a:endParaRPr lang="en-GB" dirty="0"/>
+          </a:p>
+          <a:p>
+            <a:r>
+              <a:rPr lang="en-GB" dirty="0"/>
+              <a:t>Production and Development environment equivalency</a:t>
+            </a:r>
+          </a:p>
+          <a:p>
+            <a:r>
+              <a:rPr lang="en-GB" dirty="0"/>
+              <a:t>Build is done by a flag, we can build and then run</a:t>
+            </a:r>
+          </a:p>
+          <a:p>
+            <a:endParaRPr lang="en-GB" dirty="0"/>
+          </a:p>
+          <a:p>
+            <a:endParaRPr lang="en-GB" dirty="0"/>
+          </a:p>
+        </p:txBody>
+      </p:sp>
+      <p:sp>
+        <p:nvSpPr>
+          <p:cNvPr id="4" name="Slide Number Placeholder 3"/>
+          <p:cNvSpPr>
+            <a:spLocks noGrp="1"/>
+          </p:cNvSpPr>
+          <p:nvPr>
+            <p:ph type="sldNum" sz="quarter" idx="10"/>
+          </p:nvPr>
+        </p:nvSpPr>
+        <p:spPr/>
+        <p:txBody>
+          <a:bodyPr/>
+          <a:lstStyle/>
+          <a:p>
+            <a:fld id="{674204C3-38E2-2E4D-9531-4CEDD373D6EA}" type="slidenum">
+              <a:rPr lang="en-US" smtClean="0"/>
+              <a:t>49</a:t>
             </a:fld>
             <a:endParaRPr lang="en-US"/>
           </a:p>
@@ -3401,7 +3547,7 @@
           <a:p>
             <a:fld id="{F6F200F4-5159-45DE-9DCB-CE07168CEAC9}" type="slidenum">
               <a:rPr lang="en-GB" smtClean="0"/>
-              <a:t>19</a:t>
+              <a:t>20</a:t>
             </a:fld>
             <a:endParaRPr lang="en-GB"/>
           </a:p>
@@ -3485,7 +3631,7 @@
           <a:p>
             <a:fld id="{674204C3-38E2-2E4D-9531-4CEDD373D6EA}" type="slidenum">
               <a:rPr lang="en-US" smtClean="0"/>
-              <a:t>21</a:t>
+              <a:t>22</a:t>
             </a:fld>
             <a:endParaRPr lang="en-US"/>
           </a:p>
@@ -3611,7 +3757,7 @@
           <a:p>
             <a:fld id="{674204C3-38E2-2E4D-9531-4CEDD373D6EA}" type="slidenum">
               <a:rPr lang="en-US" smtClean="0"/>
-              <a:t>22</a:t>
+              <a:t>23</a:t>
             </a:fld>
             <a:endParaRPr lang="en-US"/>
           </a:p>
@@ -3675,65 +3821,82 @@
           <a:lstStyle/>
           <a:p>
             <a:r>
-              <a:rPr lang="en-GB" dirty="0"/>
-              <a:t>--</a:t>
-            </a:r>
-            <a:r>
-              <a:rPr lang="en-GB" baseline="0" dirty="0"/>
-              <a:t> Demo</a:t>
-            </a:r>
-            <a:endParaRPr lang="en-GB" dirty="0"/>
-          </a:p>
-          <a:p>
-            <a:r>
-              <a:rPr lang="en-GB" dirty="0"/>
-              <a:t>Run the containers</a:t>
-            </a:r>
-            <a:r>
-              <a:rPr lang="en-GB" baseline="0" dirty="0"/>
-              <a:t> using </a:t>
-            </a:r>
-            <a:r>
-              <a:rPr lang="en-GB" baseline="0" dirty="0" err="1"/>
-              <a:t>docker</a:t>
-            </a:r>
-            <a:r>
-              <a:rPr lang="en-GB" baseline="0" dirty="0"/>
-              <a:t>-compose</a:t>
-            </a:r>
-            <a:endParaRPr lang="en-GB" dirty="0"/>
-          </a:p>
-          <a:p>
-            <a:r>
-              <a:rPr lang="en-GB" dirty="0"/>
-              <a:t>Show hitting the website</a:t>
-            </a:r>
-          </a:p>
-          <a:p>
-            <a:endParaRPr lang="en-GB" dirty="0"/>
-          </a:p>
-          <a:p>
-            <a:r>
-              <a:rPr lang="en-GB" dirty="0"/>
-              <a:t>--Walkthrough</a:t>
-            </a:r>
-          </a:p>
-          <a:p>
-            <a:r>
-              <a:rPr lang="en-GB" dirty="0"/>
-              <a:t>Navigate to the </a:t>
-            </a:r>
-            <a:r>
-              <a:rPr lang="en-GB" dirty="0" err="1"/>
-              <a:t>startup</a:t>
-            </a:r>
-            <a:r>
-              <a:rPr lang="en-GB" dirty="0"/>
-              <a:t> and show we use kestrel to self-host</a:t>
-            </a:r>
-          </a:p>
-          <a:p>
-            <a:endParaRPr lang="en-GB" dirty="0"/>
+              <a:rPr lang="en-US" dirty="0" smtClean="0"/>
+              <a:t>When a client browser initiates an HTTP request for a resource on the Web server, </a:t>
+            </a:r>
+            <a:r>
+              <a:rPr lang="en-US" dirty="0" err="1" smtClean="0"/>
+              <a:t>HTTP.sys</a:t>
+            </a:r>
+            <a:r>
+              <a:rPr lang="en-US" dirty="0" smtClean="0"/>
+              <a:t> intercepts the request. </a:t>
+            </a:r>
+          </a:p>
+          <a:p>
+            <a:r>
+              <a:rPr lang="en-US" dirty="0" err="1" smtClean="0"/>
+              <a:t>HTTP.sys</a:t>
+            </a:r>
+            <a:r>
+              <a:rPr lang="en-US" dirty="0" smtClean="0"/>
+              <a:t> contacts WAS to obtain information from the configuration store. </a:t>
+            </a:r>
+          </a:p>
+          <a:p>
+            <a:r>
+              <a:rPr lang="en-US" dirty="0" smtClean="0"/>
+              <a:t>WAS requests configuration information from the configuration store, </a:t>
+            </a:r>
+            <a:r>
+              <a:rPr lang="en-US" dirty="0" err="1" smtClean="0"/>
+              <a:t>applicationHost.config</a:t>
+            </a:r>
+            <a:r>
+              <a:rPr lang="en-US" dirty="0" smtClean="0"/>
+              <a:t>. </a:t>
+            </a:r>
+          </a:p>
+          <a:p>
+            <a:r>
+              <a:rPr lang="en-US" dirty="0" smtClean="0"/>
+              <a:t>The WWW Service receives configuration information, such as application pool and site configuration. </a:t>
+            </a:r>
+          </a:p>
+          <a:p>
+            <a:r>
+              <a:rPr lang="en-US" dirty="0" smtClean="0"/>
+              <a:t>The WWW Service uses the configuration information to configure </a:t>
+            </a:r>
+            <a:r>
+              <a:rPr lang="en-US" dirty="0" err="1" smtClean="0"/>
+              <a:t>HTTP.sys</a:t>
+            </a:r>
+            <a:r>
+              <a:rPr lang="en-US" dirty="0" smtClean="0"/>
+              <a:t>. </a:t>
+            </a:r>
+          </a:p>
+          <a:p>
+            <a:r>
+              <a:rPr lang="en-US" dirty="0" smtClean="0"/>
+              <a:t>WAS starts a worker process for the application pool to which the request was made. </a:t>
+            </a:r>
+          </a:p>
+          <a:p>
+            <a:r>
+              <a:rPr lang="en-US" dirty="0" smtClean="0"/>
+              <a:t>The worker process processes the request and returns a response to </a:t>
+            </a:r>
+            <a:r>
+              <a:rPr lang="en-US" dirty="0" err="1" smtClean="0"/>
+              <a:t>HTTP.sys</a:t>
+            </a:r>
+            <a:r>
+              <a:rPr lang="en-US" dirty="0" smtClean="0"/>
+              <a:t>. The client receives a response.</a:t>
+            </a:r>
+            <a:endParaRPr lang="en-US" dirty="0"/>
           </a:p>
         </p:txBody>
       </p:sp>
@@ -3754,7 +3917,7 @@
           <a:p>
             <a:fld id="{674204C3-38E2-2E4D-9531-4CEDD373D6EA}" type="slidenum">
               <a:rPr lang="en-US" smtClean="0"/>
-              <a:t>23</a:t>
+              <a:t>24</a:t>
             </a:fld>
             <a:endParaRPr lang="en-US"/>
           </a:p>
@@ -3763,7 +3926,7 @@
     </p:spTree>
     <p:extLst>
       <p:ext uri="{BB962C8B-B14F-4D97-AF65-F5344CB8AC3E}">
-        <p14:creationId xmlns:p14="http://schemas.microsoft.com/office/powerpoint/2010/main" val="3232355577"/>
+        <p14:creationId xmlns:p14="http://schemas.microsoft.com/office/powerpoint/2010/main" val="123429917"/>
       </p:ext>
     </p:extLst>
   </p:cSld>
@@ -3817,6 +3980,48 @@
           <a:bodyPr/>
           <a:lstStyle/>
           <a:p>
+            <a:r>
+              <a:rPr lang="en-US" dirty="0"/>
+              <a:t>There is a problem</a:t>
+            </a:r>
+            <a:r>
+              <a:rPr lang="en-US" baseline="0" dirty="0"/>
+              <a:t> with hosting in IIS when we think about modern elastic scenarios. </a:t>
+            </a:r>
+          </a:p>
+          <a:p>
+            <a:endParaRPr lang="en-US" baseline="0" dirty="0"/>
+          </a:p>
+          <a:p>
+            <a:r>
+              <a:rPr lang="en-US" baseline="0" dirty="0"/>
+              <a:t>I want to be able to spin up a reverse proxy and have that route traffic to two or more apps for HA and scaling needs. The apps themselves don’t need to provide a lot of the functionality of a web server i.e. serving static files, https negotiation etc. They just need to expose a port so that requests can be routed to them. I can do this easily with something like </a:t>
+            </a:r>
+            <a:r>
+              <a:rPr lang="en-US" baseline="0" dirty="0" err="1"/>
+              <a:t>Nginx</a:t>
+            </a:r>
+            <a:r>
+              <a:rPr lang="en-US" baseline="0" dirty="0"/>
+              <a:t> or </a:t>
+            </a:r>
+            <a:r>
+              <a:rPr lang="en-US" baseline="0" dirty="0" err="1"/>
+              <a:t>HAProxy</a:t>
+            </a:r>
+            <a:r>
+              <a:rPr lang="en-US" baseline="0" dirty="0"/>
+              <a:t> talking to an app that exposes a port, using separate instances to deploy to.</a:t>
+            </a:r>
+          </a:p>
+          <a:p>
+            <a:endParaRPr lang="en-US" baseline="0" dirty="0"/>
+          </a:p>
+          <a:p>
+            <a:r>
+              <a:rPr lang="en-US" baseline="0" dirty="0"/>
+              <a:t>This all becomes a little harder with an application container like IIS, as each app would have to be deployed into an IIS web farm, with many apps deployed into the same container, separated by ports and using DNS for resolution. This doesn’t play well with PAAS scenarios or container scenarios as in the former case the provider should be doing this work for us, and in the latter case we want isolation of an app per container </a:t>
+            </a:r>
             <a:endParaRPr lang="en-US" dirty="0"/>
           </a:p>
         </p:txBody>
@@ -3838,7 +4043,7 @@
           <a:p>
             <a:fld id="{674204C3-38E2-2E4D-9531-4CEDD373D6EA}" type="slidenum">
               <a:rPr lang="en-US" smtClean="0"/>
-              <a:t>24</a:t>
+              <a:t>26</a:t>
             </a:fld>
             <a:endParaRPr lang="en-US"/>
           </a:p>
@@ -3847,7 +4052,7 @@
     </p:spTree>
     <p:extLst>
       <p:ext uri="{BB962C8B-B14F-4D97-AF65-F5344CB8AC3E}">
-        <p14:creationId xmlns:p14="http://schemas.microsoft.com/office/powerpoint/2010/main" val="532866464"/>
+        <p14:creationId xmlns:p14="http://schemas.microsoft.com/office/powerpoint/2010/main" val="862312472"/>
       </p:ext>
     </p:extLst>
   </p:cSld>
@@ -4057,7 +4262,7 @@
           <a:p>
             <a:fld id="{00A34CDF-A676-7441-9402-BD55B1C7932B}" type="datetimeFigureOut">
               <a:rPr lang="en-US" smtClean="0"/>
-              <a:t>10/27/17</a:t>
+              <a:t>10/28/17</a:t>
             </a:fld>
             <a:endParaRPr lang="en-US"/>
           </a:p>
@@ -4247,7 +4452,7 @@
           <a:p>
             <a:fld id="{00A34CDF-A676-7441-9402-BD55B1C7932B}" type="datetimeFigureOut">
               <a:rPr lang="en-US" smtClean="0"/>
-              <a:t>10/27/17</a:t>
+              <a:t>10/28/17</a:t>
             </a:fld>
             <a:endParaRPr lang="en-US"/>
           </a:p>
@@ -4427,7 +4632,7 @@
           <a:p>
             <a:fld id="{00A34CDF-A676-7441-9402-BD55B1C7932B}" type="datetimeFigureOut">
               <a:rPr lang="en-US" smtClean="0"/>
-              <a:t>10/27/17</a:t>
+              <a:t>10/28/17</a:t>
             </a:fld>
             <a:endParaRPr lang="en-US"/>
           </a:p>
@@ -4597,7 +4802,7 @@
           <a:p>
             <a:fld id="{00A34CDF-A676-7441-9402-BD55B1C7932B}" type="datetimeFigureOut">
               <a:rPr lang="en-US" smtClean="0"/>
-              <a:t>10/27/17</a:t>
+              <a:t>10/28/17</a:t>
             </a:fld>
             <a:endParaRPr lang="en-US"/>
           </a:p>
@@ -4853,7 +5058,7 @@
           <a:p>
             <a:fld id="{00A34CDF-A676-7441-9402-BD55B1C7932B}" type="datetimeFigureOut">
               <a:rPr lang="en-US" smtClean="0"/>
-              <a:t>10/27/17</a:t>
+              <a:t>10/28/17</a:t>
             </a:fld>
             <a:endParaRPr lang="en-US"/>
           </a:p>
@@ -5141,7 +5346,7 @@
           <a:p>
             <a:fld id="{00A34CDF-A676-7441-9402-BD55B1C7932B}" type="datetimeFigureOut">
               <a:rPr lang="en-US" smtClean="0"/>
-              <a:t>10/27/17</a:t>
+              <a:t>10/28/17</a:t>
             </a:fld>
             <a:endParaRPr lang="en-US"/>
           </a:p>
@@ -5579,7 +5784,7 @@
           <a:p>
             <a:fld id="{00A34CDF-A676-7441-9402-BD55B1C7932B}" type="datetimeFigureOut">
               <a:rPr lang="en-US" smtClean="0"/>
-              <a:t>10/27/17</a:t>
+              <a:t>10/28/17</a:t>
             </a:fld>
             <a:endParaRPr lang="en-US"/>
           </a:p>
@@ -5697,7 +5902,7 @@
           <a:p>
             <a:fld id="{00A34CDF-A676-7441-9402-BD55B1C7932B}" type="datetimeFigureOut">
               <a:rPr lang="en-US" smtClean="0"/>
-              <a:t>10/27/17</a:t>
+              <a:t>10/28/17</a:t>
             </a:fld>
             <a:endParaRPr lang="en-US"/>
           </a:p>
@@ -5792,7 +5997,7 @@
           <a:p>
             <a:fld id="{00A34CDF-A676-7441-9402-BD55B1C7932B}" type="datetimeFigureOut">
               <a:rPr lang="en-US" smtClean="0"/>
-              <a:t>10/27/17</a:t>
+              <a:t>10/28/17</a:t>
             </a:fld>
             <a:endParaRPr lang="en-US"/>
           </a:p>
@@ -6148,7 +6353,7 @@
           <a:p>
             <a:fld id="{00A34CDF-A676-7441-9402-BD55B1C7932B}" type="datetimeFigureOut">
               <a:rPr lang="en-US" smtClean="0"/>
-              <a:t>10/27/17</a:t>
+              <a:t>10/28/17</a:t>
             </a:fld>
             <a:endParaRPr lang="en-US"/>
           </a:p>
@@ -6464,7 +6669,7 @@
           <a:p>
             <a:fld id="{00A34CDF-A676-7441-9402-BD55B1C7932B}" type="datetimeFigureOut">
               <a:rPr lang="en-US" smtClean="0"/>
-              <a:t>10/27/17</a:t>
+              <a:t>10/28/17</a:t>
             </a:fld>
             <a:endParaRPr lang="en-US"/>
           </a:p>
@@ -6697,7 +6902,7 @@
           <a:p>
             <a:fld id="{00A34CDF-A676-7441-9402-BD55B1C7932B}" type="datetimeFigureOut">
               <a:rPr lang="en-US" smtClean="0"/>
-              <a:t>10/27/17</a:t>
+              <a:t>10/28/17</a:t>
             </a:fld>
             <a:endParaRPr lang="en-US"/>
           </a:p>
@@ -8494,54 +8699,34 @@
           <a:chExt cx="0" cy="0"/>
         </a:xfrm>
       </p:grpSpPr>
-      <p:sp>
-        <p:nvSpPr>
-          <p:cNvPr id="4" name="Title 3"/>
-          <p:cNvSpPr>
-            <a:spLocks noGrp="1"/>
-          </p:cNvSpPr>
-          <p:nvPr>
-            <p:ph type="title"/>
-          </p:nvPr>
-        </p:nvSpPr>
-        <p:spPr/>
-        <p:txBody>
-          <a:bodyPr/>
-          <a:lstStyle/>
-          <a:p>
-            <a:r>
-              <a:rPr lang="en-US" dirty="0"/>
-              <a:t>Origins</a:t>
-            </a:r>
-          </a:p>
-        </p:txBody>
-      </p:sp>
-      <p:sp>
-        <p:nvSpPr>
-          <p:cNvPr id="5" name="Text Placeholder 4"/>
-          <p:cNvSpPr>
-            <a:spLocks noGrp="1"/>
-          </p:cNvSpPr>
-          <p:nvPr>
-            <p:ph type="body" idx="1"/>
-          </p:nvPr>
-        </p:nvSpPr>
-        <p:spPr/>
-        <p:txBody>
-          <a:bodyPr/>
-          <a:lstStyle/>
-          <a:p>
-            <a:r>
-              <a:rPr lang="en-US" dirty="0"/>
-              <a:t>Credit where it is due</a:t>
-            </a:r>
-          </a:p>
-        </p:txBody>
-      </p:sp>
+      <p:pic>
+        <p:nvPicPr>
+          <p:cNvPr id="3" name="Picture 2"/>
+          <p:cNvPicPr>
+            <a:picLocks noChangeAspect="1"/>
+          </p:cNvPicPr>
+          <p:nvPr/>
+        </p:nvPicPr>
+        <p:blipFill>
+          <a:blip r:embed="rId2"/>
+          <a:stretch>
+            <a:fillRect/>
+          </a:stretch>
+        </p:blipFill>
+        <p:spPr>
+          <a:xfrm>
+            <a:off x="1649185" y="421111"/>
+            <a:ext cx="8899071" cy="5900471"/>
+          </a:xfrm>
+          <a:prstGeom prst="rect">
+            <a:avLst/>
+          </a:prstGeom>
+        </p:spPr>
+      </p:pic>
     </p:spTree>
     <p:extLst>
       <p:ext uri="{BB962C8B-B14F-4D97-AF65-F5344CB8AC3E}">
-        <p14:creationId xmlns:p14="http://schemas.microsoft.com/office/powerpoint/2010/main" val="987466557"/>
+        <p14:creationId xmlns:p14="http://schemas.microsoft.com/office/powerpoint/2010/main" val="1317913970"/>
       </p:ext>
     </p:extLst>
   </p:cSld>
@@ -8592,84 +8777,29 @@
           <a:p>
             <a:r>
               <a:rPr lang="en-US" dirty="0"/>
-              <a:t>The Twelve Factor App</a:t>
-            </a:r>
-          </a:p>
-        </p:txBody>
-      </p:sp>
-      <p:pic>
-        <p:nvPicPr>
-          <p:cNvPr id="7" name="Picture Placeholder 6"/>
-          <p:cNvPicPr>
-            <a:picLocks noGrp="1" noChangeAspect="1"/>
-          </p:cNvPicPr>
-          <p:nvPr>
-            <p:ph idx="1"/>
-          </p:nvPr>
-        </p:nvPicPr>
-        <p:blipFill>
-          <a:blip r:embed="rId2">
-            <a:extLst>
-              <a:ext uri="{28A0092B-C50C-407E-A947-70E740481C1C}">
-                <a14:useLocalDpi xmlns:a14="http://schemas.microsoft.com/office/drawing/2010/main" val="0"/>
-              </a:ext>
-            </a:extLst>
-          </a:blip>
-          <a:stretch>
-            <a:fillRect/>
-          </a:stretch>
-        </p:blipFill>
-        <p:spPr>
-          <a:xfrm>
-            <a:off x="762000" y="1331255"/>
-            <a:ext cx="6096000" cy="3433489"/>
-          </a:xfrm>
-        </p:spPr>
-      </p:pic>
-      <p:sp>
-        <p:nvSpPr>
-          <p:cNvPr id="6" name="Text Placeholder 5"/>
+              <a:t>Origins</a:t>
+            </a:r>
+          </a:p>
+        </p:txBody>
+      </p:sp>
+      <p:sp>
+        <p:nvSpPr>
+          <p:cNvPr id="5" name="Text Placeholder 4"/>
           <p:cNvSpPr>
             <a:spLocks noGrp="1"/>
           </p:cNvSpPr>
           <p:nvPr>
-            <p:ph type="body" sz="half" idx="2"/>
+            <p:ph type="body" idx="1"/>
           </p:nvPr>
         </p:nvSpPr>
         <p:spPr/>
         <p:txBody>
-          <a:bodyPr>
-            <a:normAutofit/>
-          </a:bodyPr>
+          <a:bodyPr/>
           <a:lstStyle/>
           <a:p>
             <a:r>
               <a:rPr lang="en-US" dirty="0"/>
-              <a:t>Created by contributors to the </a:t>
-            </a:r>
-            <a:r>
-              <a:rPr lang="en-US" dirty="0" err="1"/>
-              <a:t>Heroku</a:t>
-            </a:r>
-            <a:r>
-              <a:rPr lang="en-US" dirty="0"/>
-              <a:t> platform (particularly the co-founder Adam Wiggins): </a:t>
-            </a:r>
-          </a:p>
-          <a:p>
-            <a:r>
-              <a:rPr lang="en-US" dirty="0" err="1"/>
-              <a:t>Heroku</a:t>
-            </a:r>
-            <a:r>
-              <a:rPr lang="en-US" dirty="0"/>
-              <a:t> is a Polyglot PAAS platform</a:t>
-            </a:r>
-          </a:p>
-          <a:p>
-            <a:r>
-              <a:rPr lang="en-US" dirty="0"/>
-              <a:t>The team derived the guidelines from their experience of what made app successful on Heroku. </a:t>
+              <a:t>Credit where it is due</a:t>
             </a:r>
           </a:p>
         </p:txBody>
@@ -8677,7 +8807,7 @@
     </p:spTree>
     <p:extLst>
       <p:ext uri="{BB962C8B-B14F-4D97-AF65-F5344CB8AC3E}">
-        <p14:creationId xmlns:p14="http://schemas.microsoft.com/office/powerpoint/2010/main" val="770204"/>
+        <p14:creationId xmlns:p14="http://schemas.microsoft.com/office/powerpoint/2010/main" val="987466557"/>
       </p:ext>
     </p:extLst>
   </p:cSld>
@@ -8727,30 +8857,85 @@
           <a:lstStyle/>
           <a:p>
             <a:r>
-              <a:rPr lang="en-GB" dirty="0"/>
-              <a:t>The 12 Factors</a:t>
-            </a:r>
-          </a:p>
-        </p:txBody>
-      </p:sp>
-      <p:sp>
-        <p:nvSpPr>
-          <p:cNvPr id="5" name="Text Placeholder 4"/>
+              <a:rPr lang="en-US" dirty="0"/>
+              <a:t>The Twelve Factor App</a:t>
+            </a:r>
+          </a:p>
+        </p:txBody>
+      </p:sp>
+      <p:pic>
+        <p:nvPicPr>
+          <p:cNvPr id="7" name="Picture Placeholder 6"/>
+          <p:cNvPicPr>
+            <a:picLocks noGrp="1" noChangeAspect="1"/>
+          </p:cNvPicPr>
+          <p:nvPr>
+            <p:ph idx="1"/>
+          </p:nvPr>
+        </p:nvPicPr>
+        <p:blipFill>
+          <a:blip r:embed="rId2">
+            <a:extLst>
+              <a:ext uri="{28A0092B-C50C-407E-A947-70E740481C1C}">
+                <a14:useLocalDpi xmlns:a14="http://schemas.microsoft.com/office/drawing/2010/main" val="0"/>
+              </a:ext>
+            </a:extLst>
+          </a:blip>
+          <a:stretch>
+            <a:fillRect/>
+          </a:stretch>
+        </p:blipFill>
+        <p:spPr>
+          <a:xfrm>
+            <a:off x="762000" y="1331255"/>
+            <a:ext cx="6096000" cy="3433489"/>
+          </a:xfrm>
+        </p:spPr>
+      </p:pic>
+      <p:sp>
+        <p:nvSpPr>
+          <p:cNvPr id="6" name="Text Placeholder 5"/>
           <p:cNvSpPr>
             <a:spLocks noGrp="1"/>
           </p:cNvSpPr>
           <p:nvPr>
-            <p:ph type="body" idx="1"/>
+            <p:ph type="body" sz="half" idx="2"/>
           </p:nvPr>
         </p:nvSpPr>
         <p:spPr/>
         <p:txBody>
-          <a:bodyPr/>
+          <a:bodyPr>
+            <a:normAutofit/>
+          </a:bodyPr>
           <a:lstStyle/>
           <a:p>
             <a:r>
               <a:rPr lang="en-US" dirty="0"/>
-              <a:t>The factors that impact how we design applications for the cloud</a:t>
+              <a:t>Created by contributors to the </a:t>
+            </a:r>
+            <a:r>
+              <a:rPr lang="en-US" dirty="0" err="1"/>
+              <a:t>Heroku</a:t>
+            </a:r>
+            <a:r>
+              <a:rPr lang="en-US" dirty="0"/>
+              <a:t> platform (particularly the co-founder Adam Wiggins): </a:t>
+            </a:r>
+          </a:p>
+          <a:p>
+            <a:r>
+              <a:rPr lang="en-US" dirty="0" err="1"/>
+              <a:t>Heroku</a:t>
+            </a:r>
+            <a:r>
+              <a:rPr lang="en-US" dirty="0"/>
+              <a:t> is a Polyglot PAAS platform</a:t>
+            </a:r>
+          </a:p>
+          <a:p>
+            <a:r>
+              <a:rPr lang="en-US" dirty="0"/>
+              <a:t>The team derived the guidelines from their experience of what made app successful on Heroku. </a:t>
             </a:r>
           </a:p>
         </p:txBody>
@@ -8758,7 +8943,7 @@
     </p:spTree>
     <p:extLst>
       <p:ext uri="{BB962C8B-B14F-4D97-AF65-F5344CB8AC3E}">
-        <p14:creationId xmlns:p14="http://schemas.microsoft.com/office/powerpoint/2010/main" val="2191792702"/>
+        <p14:creationId xmlns:p14="http://schemas.microsoft.com/office/powerpoint/2010/main" val="770204"/>
       </p:ext>
     </p:extLst>
   </p:cSld>
@@ -8794,151 +8979,44 @@
       </p:grpSpPr>
       <p:sp>
         <p:nvSpPr>
-          <p:cNvPr id="2" name="TextBox 1"/>
-          <p:cNvSpPr txBox="1"/>
-          <p:nvPr/>
-        </p:nvSpPr>
-        <p:spPr>
-          <a:xfrm>
-            <a:off x="2452914" y="957943"/>
-            <a:ext cx="8171543" cy="4893647"/>
-          </a:xfrm>
-          <a:prstGeom prst="rect">
-            <a:avLst/>
-          </a:prstGeom>
-          <a:noFill/>
-        </p:spPr>
-        <p:txBody>
-          <a:bodyPr wrap="square" rtlCol="0">
-            <a:spAutoFit/>
-          </a:bodyPr>
-          <a:lstStyle/>
-          <a:p>
-            <a:pPr marL="457200" indent="-457200">
-              <a:buFont typeface="+mj-lt"/>
-              <a:buAutoNum type="arabicPeriod"/>
-            </a:pPr>
-            <a:r>
-              <a:rPr lang="en-US" sz="2400" dirty="0"/>
-              <a:t>One codebase tracked in revision control, many deploys</a:t>
-            </a:r>
-          </a:p>
-          <a:p>
-            <a:pPr marL="457200" indent="-457200">
-              <a:buFont typeface="+mj-lt"/>
-              <a:buAutoNum type="arabicPeriod"/>
-            </a:pPr>
-            <a:r>
-              <a:rPr lang="en-US" sz="2400" dirty="0"/>
-              <a:t>Explicitly declare and isolate dependencies</a:t>
-            </a:r>
-          </a:p>
-          <a:p>
-            <a:pPr marL="457200" indent="-457200">
-              <a:buFont typeface="+mj-lt"/>
-              <a:buAutoNum type="arabicPeriod"/>
-            </a:pPr>
-            <a:r>
-              <a:rPr lang="en-US" sz="2400" dirty="0"/>
-              <a:t>Store </a:t>
-            </a:r>
-            <a:r>
-              <a:rPr lang="en-US" sz="2400" dirty="0" err="1"/>
-              <a:t>config</a:t>
-            </a:r>
-            <a:r>
-              <a:rPr lang="en-US" sz="2400" dirty="0"/>
-              <a:t> in the environment</a:t>
-            </a:r>
-          </a:p>
-          <a:p>
-            <a:pPr marL="457200" indent="-457200">
-              <a:buFont typeface="+mj-lt"/>
-              <a:buAutoNum type="arabicPeriod"/>
-            </a:pPr>
-            <a:r>
-              <a:rPr lang="en-US" sz="2400" dirty="0"/>
-              <a:t>Treat backing services as attached resources</a:t>
-            </a:r>
-          </a:p>
-          <a:p>
-            <a:pPr marL="457200" indent="-457200">
-              <a:buFont typeface="+mj-lt"/>
-              <a:buAutoNum type="arabicPeriod"/>
-            </a:pPr>
-            <a:r>
-              <a:rPr lang="en-US" sz="2400" dirty="0"/>
-              <a:t>Strictly separate build and run stages</a:t>
-            </a:r>
-          </a:p>
-          <a:p>
-            <a:pPr marL="457200" indent="-457200">
-              <a:buFont typeface="+mj-lt"/>
-              <a:buAutoNum type="arabicPeriod"/>
-            </a:pPr>
-            <a:r>
-              <a:rPr lang="en-US" sz="2400" dirty="0"/>
-              <a:t>Execute the app as one or more stateless processes</a:t>
-            </a:r>
-          </a:p>
-          <a:p>
-            <a:pPr marL="457200" indent="-457200">
-              <a:buFont typeface="+mj-lt"/>
-              <a:buAutoNum type="arabicPeriod"/>
-            </a:pPr>
-            <a:r>
-              <a:rPr lang="en-US" sz="2400" dirty="0"/>
-              <a:t>Export services via port binding</a:t>
-            </a:r>
-          </a:p>
-          <a:p>
-            <a:pPr marL="457200" indent="-457200">
-              <a:buFont typeface="+mj-lt"/>
-              <a:buAutoNum type="arabicPeriod"/>
-            </a:pPr>
-            <a:r>
-              <a:rPr lang="en-US" sz="2400" dirty="0"/>
-              <a:t>Scale out via the process model</a:t>
-            </a:r>
-          </a:p>
-          <a:p>
-            <a:pPr marL="457200" indent="-457200">
-              <a:buFont typeface="+mj-lt"/>
-              <a:buAutoNum type="arabicPeriod"/>
-            </a:pPr>
-            <a:r>
-              <a:rPr lang="en-US" sz="2400" dirty="0"/>
-              <a:t>Maximize robustness with fast startup and graceful shutdown</a:t>
-            </a:r>
-          </a:p>
-          <a:p>
-            <a:pPr marL="457200" indent="-457200">
-              <a:buFont typeface="+mj-lt"/>
-              <a:buAutoNum type="arabicPeriod"/>
-            </a:pPr>
-            <a:r>
-              <a:rPr lang="en-US" sz="2400" dirty="0"/>
-              <a:t>Keep development, staging, and production as similar as possible</a:t>
-            </a:r>
-          </a:p>
-          <a:p>
-            <a:pPr marL="457200" indent="-457200">
-              <a:buFont typeface="+mj-lt"/>
-              <a:buAutoNum type="arabicPeriod"/>
-            </a:pPr>
-            <a:r>
-              <a:rPr lang="en-US" sz="2400" dirty="0"/>
-              <a:t>Treat logs as event streams</a:t>
-            </a:r>
-          </a:p>
-          <a:p>
-            <a:pPr marL="457200" indent="-457200">
-              <a:buFont typeface="+mj-lt"/>
-              <a:buAutoNum type="arabicPeriod"/>
-            </a:pPr>
-            <a:r>
-              <a:rPr lang="en-US" sz="2400" dirty="0"/>
-              <a:t>Run admin/management tasks as one-off processes</a:t>
+          <p:cNvPr id="4" name="Title 3"/>
+          <p:cNvSpPr>
+            <a:spLocks noGrp="1"/>
+          </p:cNvSpPr>
+          <p:nvPr>
+            <p:ph type="title"/>
+          </p:nvPr>
+        </p:nvSpPr>
+        <p:spPr/>
+        <p:txBody>
+          <a:bodyPr/>
+          <a:lstStyle/>
+          <a:p>
+            <a:r>
+              <a:rPr lang="en-GB" dirty="0"/>
+              <a:t>The 12 Factors</a:t>
+            </a:r>
+          </a:p>
+        </p:txBody>
+      </p:sp>
+      <p:sp>
+        <p:nvSpPr>
+          <p:cNvPr id="5" name="Text Placeholder 4"/>
+          <p:cNvSpPr>
+            <a:spLocks noGrp="1"/>
+          </p:cNvSpPr>
+          <p:nvPr>
+            <p:ph type="body" idx="1"/>
+          </p:nvPr>
+        </p:nvSpPr>
+        <p:spPr/>
+        <p:txBody>
+          <a:bodyPr/>
+          <a:lstStyle/>
+          <a:p>
+            <a:r>
+              <a:rPr lang="en-US" dirty="0"/>
+              <a:t>The factors that impact how we design applications for the cloud</a:t>
             </a:r>
           </a:p>
         </p:txBody>
@@ -8946,7 +9024,7 @@
     </p:spTree>
     <p:extLst>
       <p:ext uri="{BB962C8B-B14F-4D97-AF65-F5344CB8AC3E}">
-        <p14:creationId xmlns:p14="http://schemas.microsoft.com/office/powerpoint/2010/main" val="1246785517"/>
+        <p14:creationId xmlns:p14="http://schemas.microsoft.com/office/powerpoint/2010/main" val="2191792702"/>
       </p:ext>
     </p:extLst>
   </p:cSld>
@@ -9130,44 +9208,151 @@
       </p:grpSpPr>
       <p:sp>
         <p:nvSpPr>
-          <p:cNvPr id="4" name="Title 3"/>
-          <p:cNvSpPr>
-            <a:spLocks noGrp="1"/>
-          </p:cNvSpPr>
-          <p:nvPr>
-            <p:ph type="title"/>
-          </p:nvPr>
-        </p:nvSpPr>
-        <p:spPr/>
-        <p:txBody>
-          <a:bodyPr/>
-          <a:lstStyle/>
-          <a:p>
-            <a:r>
-              <a:rPr lang="en-GB" dirty="0"/>
-              <a:t>Design</a:t>
-            </a:r>
-          </a:p>
-        </p:txBody>
-      </p:sp>
-      <p:sp>
-        <p:nvSpPr>
-          <p:cNvPr id="5" name="Text Placeholder 4"/>
-          <p:cNvSpPr>
-            <a:spLocks noGrp="1"/>
-          </p:cNvSpPr>
-          <p:nvPr>
-            <p:ph type="body" idx="1"/>
-          </p:nvPr>
-        </p:nvSpPr>
-        <p:spPr/>
-        <p:txBody>
-          <a:bodyPr/>
-          <a:lstStyle/>
-          <a:p>
-            <a:r>
-              <a:rPr lang="en-US" dirty="0"/>
-              <a:t>The factors that impact how we design applications for the cloud</a:t>
+          <p:cNvPr id="2" name="TextBox 1"/>
+          <p:cNvSpPr txBox="1"/>
+          <p:nvPr/>
+        </p:nvSpPr>
+        <p:spPr>
+          <a:xfrm>
+            <a:off x="2452914" y="957943"/>
+            <a:ext cx="8171543" cy="4893647"/>
+          </a:xfrm>
+          <a:prstGeom prst="rect">
+            <a:avLst/>
+          </a:prstGeom>
+          <a:noFill/>
+        </p:spPr>
+        <p:txBody>
+          <a:bodyPr wrap="square" rtlCol="0">
+            <a:spAutoFit/>
+          </a:bodyPr>
+          <a:lstStyle/>
+          <a:p>
+            <a:pPr marL="457200" indent="-457200">
+              <a:buFont typeface="+mj-lt"/>
+              <a:buAutoNum type="arabicPeriod"/>
+            </a:pPr>
+            <a:r>
+              <a:rPr lang="en-US" sz="2400" dirty="0"/>
+              <a:t>One codebase tracked in revision control, many deploys</a:t>
+            </a:r>
+          </a:p>
+          <a:p>
+            <a:pPr marL="457200" indent="-457200">
+              <a:buFont typeface="+mj-lt"/>
+              <a:buAutoNum type="arabicPeriod"/>
+            </a:pPr>
+            <a:r>
+              <a:rPr lang="en-US" sz="2400" dirty="0"/>
+              <a:t>Explicitly declare and isolate dependencies</a:t>
+            </a:r>
+          </a:p>
+          <a:p>
+            <a:pPr marL="457200" indent="-457200">
+              <a:buFont typeface="+mj-lt"/>
+              <a:buAutoNum type="arabicPeriod"/>
+            </a:pPr>
+            <a:r>
+              <a:rPr lang="en-US" sz="2400" dirty="0"/>
+              <a:t>Store </a:t>
+            </a:r>
+            <a:r>
+              <a:rPr lang="en-US" sz="2400" dirty="0" err="1"/>
+              <a:t>config</a:t>
+            </a:r>
+            <a:r>
+              <a:rPr lang="en-US" sz="2400" dirty="0"/>
+              <a:t> in the environment</a:t>
+            </a:r>
+          </a:p>
+          <a:p>
+            <a:pPr marL="457200" indent="-457200">
+              <a:buFont typeface="+mj-lt"/>
+              <a:buAutoNum type="arabicPeriod"/>
+            </a:pPr>
+            <a:r>
+              <a:rPr lang="en-US" sz="2400" dirty="0"/>
+              <a:t>Treat backing services as attached resources</a:t>
+            </a:r>
+          </a:p>
+          <a:p>
+            <a:pPr marL="457200" indent="-457200">
+              <a:buFont typeface="+mj-lt"/>
+              <a:buAutoNum type="arabicPeriod"/>
+            </a:pPr>
+            <a:r>
+              <a:rPr lang="en-US" sz="2400" dirty="0"/>
+              <a:t>Strictly separate build and run stages</a:t>
+            </a:r>
+          </a:p>
+          <a:p>
+            <a:pPr marL="457200" indent="-457200">
+              <a:buFont typeface="+mj-lt"/>
+              <a:buAutoNum type="arabicPeriod"/>
+            </a:pPr>
+            <a:r>
+              <a:rPr lang="en-US" sz="2400" dirty="0"/>
+              <a:t>Execute the app as one or more stateless processes</a:t>
+            </a:r>
+          </a:p>
+          <a:p>
+            <a:pPr marL="457200" indent="-457200">
+              <a:buFont typeface="+mj-lt"/>
+              <a:buAutoNum type="arabicPeriod"/>
+            </a:pPr>
+            <a:r>
+              <a:rPr lang="en-US" sz="2400" dirty="0"/>
+              <a:t>Export services via port binding</a:t>
+            </a:r>
+          </a:p>
+          <a:p>
+            <a:pPr marL="457200" indent="-457200">
+              <a:buFont typeface="+mj-lt"/>
+              <a:buAutoNum type="arabicPeriod"/>
+            </a:pPr>
+            <a:r>
+              <a:rPr lang="en-US" sz="2400" dirty="0"/>
+              <a:t>Scale out via the process model</a:t>
+            </a:r>
+          </a:p>
+          <a:p>
+            <a:pPr marL="457200" indent="-457200">
+              <a:buFont typeface="+mj-lt"/>
+              <a:buAutoNum type="arabicPeriod"/>
+            </a:pPr>
+            <a:r>
+              <a:rPr lang="en-US" sz="2400" dirty="0"/>
+              <a:t>Maximize robustness with fast startup and graceful shutdown</a:t>
+            </a:r>
+          </a:p>
+          <a:p>
+            <a:pPr marL="457200" indent="-457200">
+              <a:buFont typeface="+mj-lt"/>
+              <a:buAutoNum type="arabicPeriod"/>
+            </a:pPr>
+            <a:r>
+              <a:rPr lang="en-US" sz="2400" dirty="0"/>
+              <a:t>Keep development, staging, and production as similar as possible</a:t>
+            </a:r>
+          </a:p>
+          <a:p>
+            <a:pPr marL="457200" indent="-457200">
+              <a:buFont typeface="+mj-lt"/>
+              <a:buAutoNum type="arabicPeriod"/>
+            </a:pPr>
+            <a:r>
+              <a:rPr lang="en-US" sz="2400" dirty="0"/>
+              <a:t>Treat logs as event streams</a:t>
+            </a:r>
+          </a:p>
+          <a:p>
+            <a:pPr marL="457200" indent="-457200">
+              <a:buFont typeface="+mj-lt"/>
+              <a:buAutoNum type="arabicPeriod"/>
+            </a:pPr>
+            <a:r>
+              <a:rPr lang="en-US" sz="2400" dirty="0"/>
+              <a:t>Run admin/management tasks as one-off processes</a:t>
             </a:r>
           </a:p>
         </p:txBody>
@@ -9175,7 +9360,7 @@
     </p:spTree>
     <p:extLst>
       <p:ext uri="{BB962C8B-B14F-4D97-AF65-F5344CB8AC3E}">
-        <p14:creationId xmlns:p14="http://schemas.microsoft.com/office/powerpoint/2010/main" val="883165194"/>
+        <p14:creationId xmlns:p14="http://schemas.microsoft.com/office/powerpoint/2010/main" val="1246785517"/>
       </p:ext>
     </p:extLst>
   </p:cSld>
@@ -9211,6 +9396,87 @@
       </p:grpSpPr>
       <p:sp>
         <p:nvSpPr>
+          <p:cNvPr id="4" name="Title 3"/>
+          <p:cNvSpPr>
+            <a:spLocks noGrp="1"/>
+          </p:cNvSpPr>
+          <p:nvPr>
+            <p:ph type="title"/>
+          </p:nvPr>
+        </p:nvSpPr>
+        <p:spPr/>
+        <p:txBody>
+          <a:bodyPr/>
+          <a:lstStyle/>
+          <a:p>
+            <a:r>
+              <a:rPr lang="en-GB" dirty="0"/>
+              <a:t>Design</a:t>
+            </a:r>
+          </a:p>
+        </p:txBody>
+      </p:sp>
+      <p:sp>
+        <p:nvSpPr>
+          <p:cNvPr id="5" name="Text Placeholder 4"/>
+          <p:cNvSpPr>
+            <a:spLocks noGrp="1"/>
+          </p:cNvSpPr>
+          <p:nvPr>
+            <p:ph type="body" idx="1"/>
+          </p:nvPr>
+        </p:nvSpPr>
+        <p:spPr/>
+        <p:txBody>
+          <a:bodyPr/>
+          <a:lstStyle/>
+          <a:p>
+            <a:r>
+              <a:rPr lang="en-US" dirty="0"/>
+              <a:t>The factors that impact how we design applications for the cloud</a:t>
+            </a:r>
+          </a:p>
+        </p:txBody>
+      </p:sp>
+    </p:spTree>
+    <p:extLst>
+      <p:ext uri="{BB962C8B-B14F-4D97-AF65-F5344CB8AC3E}">
+        <p14:creationId xmlns:p14="http://schemas.microsoft.com/office/powerpoint/2010/main" val="883165194"/>
+      </p:ext>
+    </p:extLst>
+  </p:cSld>
+  <p:clrMapOvr>
+    <a:masterClrMapping/>
+  </p:clrMapOvr>
+  <p:timing>
+    <p:tnLst>
+      <p:par>
+        <p:cTn id="1" dur="indefinite" restart="never" nodeType="tmRoot"/>
+      </p:par>
+    </p:tnLst>
+  </p:timing>
+</p:sld>
+</file>
+
+<file path=ppt/slides/slide22.xml><?xml version="1.0" encoding="utf-8"?>
+<p:sld xmlns:a="http://schemas.openxmlformats.org/drawingml/2006/main" xmlns:r="http://schemas.openxmlformats.org/officeDocument/2006/relationships" xmlns:p="http://schemas.openxmlformats.org/presentationml/2006/main">
+  <p:cSld>
+    <p:spTree>
+      <p:nvGrpSpPr>
+        <p:cNvPr id="1" name=""/>
+        <p:cNvGrpSpPr/>
+        <p:nvPr/>
+      </p:nvGrpSpPr>
+      <p:grpSpPr>
+        <a:xfrm>
+          <a:off x="0" y="0"/>
+          <a:ext cx="0" cy="0"/>
+          <a:chOff x="0" y="0"/>
+          <a:chExt cx="0" cy="0"/>
+        </a:xfrm>
+      </p:grpSpPr>
+      <p:sp>
+        <p:nvSpPr>
           <p:cNvPr id="6" name="TextBox 5"/>
           <p:cNvSpPr txBox="1"/>
           <p:nvPr/>
@@ -9259,7 +9525,7 @@
 </p:sld>
 </file>
 
-<file path=ppt/slides/slide22.xml><?xml version="1.0" encoding="utf-8"?>
+<file path=ppt/slides/slide23.xml><?xml version="1.0" encoding="utf-8"?>
 <p:sld xmlns:a="http://schemas.openxmlformats.org/drawingml/2006/main" xmlns:r="http://schemas.openxmlformats.org/officeDocument/2006/relationships" xmlns:p="http://schemas.openxmlformats.org/presentationml/2006/main">
   <p:cSld>
     <p:spTree>
@@ -9688,81 +9954,6 @@
 </p:sld>
 </file>
 
-<file path=ppt/slides/slide23.xml><?xml version="1.0" encoding="utf-8"?>
-<p:sld xmlns:a="http://schemas.openxmlformats.org/drawingml/2006/main" xmlns:r="http://schemas.openxmlformats.org/officeDocument/2006/relationships" xmlns:p="http://schemas.openxmlformats.org/presentationml/2006/main" show="0">
-  <p:cSld>
-    <p:spTree>
-      <p:nvGrpSpPr>
-        <p:cNvPr id="1" name=""/>
-        <p:cNvGrpSpPr/>
-        <p:nvPr/>
-      </p:nvGrpSpPr>
-      <p:grpSpPr>
-        <a:xfrm>
-          <a:off x="0" y="0"/>
-          <a:ext cx="0" cy="0"/>
-          <a:chOff x="0" y="0"/>
-          <a:chExt cx="0" cy="0"/>
-        </a:xfrm>
-      </p:grpSpPr>
-      <p:sp>
-        <p:nvSpPr>
-          <p:cNvPr id="2" name="TextBox 1"/>
-          <p:cNvSpPr txBox="1"/>
-          <p:nvPr/>
-        </p:nvSpPr>
-        <p:spPr>
-          <a:xfrm>
-            <a:off x="1565565" y="2417135"/>
-            <a:ext cx="9171708" cy="1200329"/>
-          </a:xfrm>
-          <a:prstGeom prst="rect">
-            <a:avLst/>
-          </a:prstGeom>
-          <a:noFill/>
-        </p:spPr>
-        <p:txBody>
-          <a:bodyPr wrap="square" rtlCol="0">
-            <a:spAutoFit/>
-          </a:bodyPr>
-          <a:lstStyle/>
-          <a:p>
-            <a:pPr algn="ctr"/>
-            <a:r>
-              <a:rPr lang="en-GB" sz="3600" dirty="0"/>
-              <a:t>First Demo: A vanilla ASP.NET Core App. Self-Hosted, it listens on a port</a:t>
-            </a:r>
-          </a:p>
-        </p:txBody>
-      </p:sp>
-    </p:spTree>
-    <p:extLst>
-      <p:ext uri="{BB962C8B-B14F-4D97-AF65-F5344CB8AC3E}">
-        <p14:creationId xmlns:p14="http://schemas.microsoft.com/office/powerpoint/2010/main" val="1553494185"/>
-      </p:ext>
-    </p:extLst>
-  </p:cSld>
-  <p:clrMapOvr>
-    <a:masterClrMapping/>
-  </p:clrMapOvr>
-  <mc:AlternateContent xmlns:mc="http://schemas.openxmlformats.org/markup-compatibility/2006">
-    <mc:Choice xmlns:p14="http://schemas.microsoft.com/office/powerpoint/2010/main" Requires="p14">
-      <p:transition spd="slow" p14:dur="2000"/>
-    </mc:Choice>
-    <mc:Fallback>
-      <p:transition spd="slow"/>
-    </mc:Fallback>
-  </mc:AlternateContent>
-  <p:timing>
-    <p:tnLst>
-      <p:par>
-        <p:cTn id="1" dur="indefinite" restart="never" nodeType="tmRoot"/>
-      </p:par>
-    </p:tnLst>
-  </p:timing>
-</p:sld>
-</file>
-
 <file path=ppt/slides/slide24.xml><?xml version="1.0" encoding="utf-8"?>
 <p:sld xmlns:a="http://schemas.openxmlformats.org/drawingml/2006/main" xmlns:r="http://schemas.openxmlformats.org/officeDocument/2006/relationships" xmlns:p="http://schemas.openxmlformats.org/presentationml/2006/main">
   <p:cSld>
@@ -9780,40 +9971,94 @@
           <a:chExt cx="0" cy="0"/>
         </a:xfrm>
       </p:grpSpPr>
-      <p:sp>
-        <p:nvSpPr>
-          <p:cNvPr id="6" name="TextBox 5"/>
-          <p:cNvSpPr txBox="1"/>
+      <p:pic>
+        <p:nvPicPr>
+          <p:cNvPr id="2" name="Picture 1"/>
+          <p:cNvPicPr>
+            <a:picLocks noChangeAspect="1"/>
+          </p:cNvPicPr>
           <p:nvPr/>
-        </p:nvSpPr>
+        </p:nvPicPr>
+        <p:blipFill>
+          <a:blip r:embed="rId3"/>
+          <a:stretch>
+            <a:fillRect/>
+          </a:stretch>
+        </p:blipFill>
         <p:spPr>
           <a:xfrm>
-            <a:off x="5200534" y="3105577"/>
-            <a:ext cx="1890549" cy="830997"/>
+            <a:off x="2939142" y="528945"/>
+            <a:ext cx="6580415" cy="5744639"/>
           </a:xfrm>
           <a:prstGeom prst="rect">
             <a:avLst/>
           </a:prstGeom>
-          <a:noFill/>
         </p:spPr>
-        <p:txBody>
-          <a:bodyPr wrap="square" rtlCol="0">
+      </p:pic>
+      <p:sp>
+        <p:nvSpPr>
+          <p:cNvPr id="3" name="Rectangle 2"/>
+          <p:cNvSpPr/>
+          <p:nvPr/>
+        </p:nvSpPr>
+        <p:spPr>
+          <a:xfrm>
+            <a:off x="1012371" y="6273584"/>
+            <a:ext cx="11005457" cy="369332"/>
+          </a:xfrm>
+          <a:prstGeom prst="rect">
+            <a:avLst/>
+          </a:prstGeom>
+        </p:spPr>
+        <p:txBody>
+          <a:bodyPr wrap="square">
             <a:spAutoFit/>
           </a:bodyPr>
           <a:lstStyle/>
           <a:p>
             <a:r>
-              <a:rPr lang="en-US" sz="4800" dirty="0" smtClean="0"/>
-              <a:t>Demo</a:t>
-            </a:r>
-            <a:endParaRPr lang="en-US" sz="4800" dirty="0"/>
+              <a:rPr lang="en-US" dirty="0"/>
+              <a:t>https://</a:t>
+            </a:r>
+            <a:r>
+              <a:rPr lang="en-US" dirty="0" err="1"/>
+              <a:t>docs.microsoft.com</a:t>
+            </a:r>
+            <a:r>
+              <a:rPr lang="en-US" dirty="0"/>
+              <a:t>/en-us/</a:t>
+            </a:r>
+            <a:r>
+              <a:rPr lang="en-US" dirty="0" err="1"/>
+              <a:t>iis</a:t>
+            </a:r>
+            <a:r>
+              <a:rPr lang="en-US" dirty="0"/>
+              <a:t>/get-started/introduction-to-</a:t>
+            </a:r>
+            <a:r>
+              <a:rPr lang="en-US" dirty="0" err="1"/>
+              <a:t>iis</a:t>
+            </a:r>
+            <a:r>
+              <a:rPr lang="en-US" dirty="0"/>
+              <a:t>/introduction-to-</a:t>
+            </a:r>
+            <a:r>
+              <a:rPr lang="en-US" dirty="0" err="1"/>
+              <a:t>iis</a:t>
+            </a:r>
+            <a:r>
+              <a:rPr lang="en-US" dirty="0"/>
+              <a:t>-architecture</a:t>
+            </a:r>
           </a:p>
         </p:txBody>
       </p:sp>
     </p:spTree>
     <p:extLst>
       <p:ext uri="{BB962C8B-B14F-4D97-AF65-F5344CB8AC3E}">
-        <p14:creationId xmlns:p14="http://schemas.microsoft.com/office/powerpoint/2010/main" val="1631822843"/>
+        <p14:creationId xmlns:p14="http://schemas.microsoft.com/office/powerpoint/2010/main" val="571695189"/>
       </p:ext>
     </p:extLst>
   </p:cSld>
@@ -9849,6 +10094,1472 @@
       </p:grpSpPr>
       <p:sp>
         <p:nvSpPr>
+          <p:cNvPr id="8" name="TextBox 7"/>
+          <p:cNvSpPr txBox="1"/>
+          <p:nvPr/>
+        </p:nvSpPr>
+        <p:spPr>
+          <a:xfrm>
+            <a:off x="7854044" y="2654155"/>
+            <a:ext cx="2400300" cy="369332"/>
+          </a:xfrm>
+          <a:prstGeom prst="rect">
+            <a:avLst/>
+          </a:prstGeom>
+          <a:solidFill>
+            <a:schemeClr val="bg1">
+              <a:lumMod val="75000"/>
+            </a:schemeClr>
+          </a:solidFill>
+          <a:ln>
+            <a:solidFill>
+              <a:schemeClr val="accent1">
+                <a:shade val="50000"/>
+              </a:schemeClr>
+            </a:solidFill>
+          </a:ln>
+        </p:spPr>
+        <p:txBody>
+          <a:bodyPr wrap="square" rtlCol="0">
+            <a:spAutoFit/>
+          </a:bodyPr>
+          <a:lstStyle/>
+          <a:p>
+            <a:pPr algn="ctr"/>
+            <a:r>
+              <a:rPr lang="en-US" smtClean="0"/>
+              <a:t>Container</a:t>
+            </a:r>
+            <a:endParaRPr lang="en-US" dirty="0"/>
+          </a:p>
+        </p:txBody>
+      </p:sp>
+      <p:sp>
+        <p:nvSpPr>
+          <p:cNvPr id="2" name="Rectangle 1"/>
+          <p:cNvSpPr/>
+          <p:nvPr/>
+        </p:nvSpPr>
+        <p:spPr>
+          <a:xfrm>
+            <a:off x="6270172" y="1600201"/>
+            <a:ext cx="4669971" cy="3902528"/>
+          </a:xfrm>
+          <a:prstGeom prst="rect">
+            <a:avLst/>
+          </a:prstGeom>
+          <a:noFill/>
+        </p:spPr>
+        <p:style>
+          <a:lnRef idx="2">
+            <a:schemeClr val="accent1">
+              <a:shade val="50000"/>
+            </a:schemeClr>
+          </a:lnRef>
+          <a:fillRef idx="1">
+            <a:schemeClr val="accent1"/>
+          </a:fillRef>
+          <a:effectRef idx="0">
+            <a:schemeClr val="accent1"/>
+          </a:effectRef>
+          <a:fontRef idx="minor">
+            <a:schemeClr val="lt1"/>
+          </a:fontRef>
+        </p:style>
+        <p:txBody>
+          <a:bodyPr rtlCol="0" anchor="ctr"/>
+          <a:lstStyle/>
+          <a:p>
+            <a:pPr algn="ctr"/>
+            <a:endParaRPr lang="en-US"/>
+          </a:p>
+        </p:txBody>
+      </p:sp>
+      <p:sp>
+        <p:nvSpPr>
+          <p:cNvPr id="3" name="TextBox 2"/>
+          <p:cNvSpPr txBox="1"/>
+          <p:nvPr/>
+        </p:nvSpPr>
+        <p:spPr>
+          <a:xfrm>
+            <a:off x="7396843" y="4155621"/>
+            <a:ext cx="1845128" cy="369332"/>
+          </a:xfrm>
+          <a:prstGeom prst="rect">
+            <a:avLst/>
+          </a:prstGeom>
+          <a:solidFill>
+            <a:schemeClr val="accent3"/>
+          </a:solidFill>
+          <a:ln>
+            <a:solidFill>
+              <a:schemeClr val="accent1">
+                <a:shade val="50000"/>
+              </a:schemeClr>
+            </a:solidFill>
+          </a:ln>
+        </p:spPr>
+        <p:txBody>
+          <a:bodyPr wrap="square" rtlCol="0">
+            <a:spAutoFit/>
+          </a:bodyPr>
+          <a:lstStyle/>
+          <a:p>
+            <a:pPr algn="ctr"/>
+            <a:r>
+              <a:rPr lang="en-US" dirty="0" err="1" smtClean="0">
+                <a:solidFill>
+                  <a:schemeClr val="bg1"/>
+                </a:solidFill>
+              </a:rPr>
+              <a:t>Docker</a:t>
+            </a:r>
+            <a:r>
+              <a:rPr lang="en-US" dirty="0" smtClean="0">
+                <a:solidFill>
+                  <a:schemeClr val="bg1"/>
+                </a:solidFill>
+              </a:rPr>
+              <a:t> Daemon</a:t>
+            </a:r>
+            <a:endParaRPr lang="en-US" dirty="0">
+              <a:solidFill>
+                <a:schemeClr val="bg1"/>
+              </a:solidFill>
+            </a:endParaRPr>
+          </a:p>
+        </p:txBody>
+      </p:sp>
+      <p:sp>
+        <p:nvSpPr>
+          <p:cNvPr id="4" name="TextBox 3"/>
+          <p:cNvSpPr txBox="1"/>
+          <p:nvPr/>
+        </p:nvSpPr>
+        <p:spPr>
+          <a:xfrm>
+            <a:off x="6368143" y="1061357"/>
+            <a:ext cx="2204357" cy="369332"/>
+          </a:xfrm>
+          <a:prstGeom prst="rect">
+            <a:avLst/>
+          </a:prstGeom>
+          <a:noFill/>
+        </p:spPr>
+        <p:txBody>
+          <a:bodyPr wrap="square" rtlCol="0">
+            <a:spAutoFit/>
+          </a:bodyPr>
+          <a:lstStyle/>
+          <a:p>
+            <a:r>
+              <a:rPr lang="en-US" dirty="0" err="1" smtClean="0"/>
+              <a:t>Docker</a:t>
+            </a:r>
+            <a:r>
+              <a:rPr lang="en-US" dirty="0" smtClean="0"/>
+              <a:t> Host</a:t>
+            </a:r>
+            <a:endParaRPr lang="en-US" dirty="0"/>
+          </a:p>
+        </p:txBody>
+      </p:sp>
+      <p:sp>
+        <p:nvSpPr>
+          <p:cNvPr id="5" name="TextBox 4"/>
+          <p:cNvSpPr txBox="1"/>
+          <p:nvPr/>
+        </p:nvSpPr>
+        <p:spPr>
+          <a:xfrm>
+            <a:off x="7707085" y="2773712"/>
+            <a:ext cx="2400300" cy="369332"/>
+          </a:xfrm>
+          <a:prstGeom prst="rect">
+            <a:avLst/>
+          </a:prstGeom>
+          <a:solidFill>
+            <a:schemeClr val="bg1">
+              <a:lumMod val="75000"/>
+            </a:schemeClr>
+          </a:solidFill>
+          <a:ln>
+            <a:solidFill>
+              <a:schemeClr val="accent1">
+                <a:shade val="50000"/>
+              </a:schemeClr>
+            </a:solidFill>
+          </a:ln>
+        </p:spPr>
+        <p:txBody>
+          <a:bodyPr wrap="square" rtlCol="0">
+            <a:spAutoFit/>
+          </a:bodyPr>
+          <a:lstStyle/>
+          <a:p>
+            <a:pPr algn="ctr"/>
+            <a:r>
+              <a:rPr lang="en-US" dirty="0" smtClean="0"/>
+              <a:t>Container</a:t>
+            </a:r>
+            <a:endParaRPr lang="en-US" dirty="0"/>
+          </a:p>
+        </p:txBody>
+      </p:sp>
+      <p:sp>
+        <p:nvSpPr>
+          <p:cNvPr id="6" name="TextBox 5"/>
+          <p:cNvSpPr txBox="1"/>
+          <p:nvPr/>
+        </p:nvSpPr>
+        <p:spPr>
+          <a:xfrm>
+            <a:off x="7511142" y="2908423"/>
+            <a:ext cx="2400300" cy="369332"/>
+          </a:xfrm>
+          <a:prstGeom prst="rect">
+            <a:avLst/>
+          </a:prstGeom>
+          <a:solidFill>
+            <a:schemeClr val="bg1">
+              <a:lumMod val="75000"/>
+            </a:schemeClr>
+          </a:solidFill>
+          <a:ln>
+            <a:solidFill>
+              <a:schemeClr val="accent1">
+                <a:shade val="50000"/>
+              </a:schemeClr>
+            </a:solidFill>
+          </a:ln>
+        </p:spPr>
+        <p:txBody>
+          <a:bodyPr wrap="square" rtlCol="0">
+            <a:spAutoFit/>
+          </a:bodyPr>
+          <a:lstStyle/>
+          <a:p>
+            <a:pPr algn="ctr"/>
+            <a:r>
+              <a:rPr lang="en-US" dirty="0" smtClean="0"/>
+              <a:t>Container</a:t>
+            </a:r>
+            <a:endParaRPr lang="en-US" dirty="0"/>
+          </a:p>
+        </p:txBody>
+      </p:sp>
+      <p:sp>
+        <p:nvSpPr>
+          <p:cNvPr id="7" name="TextBox 6"/>
+          <p:cNvSpPr txBox="1"/>
+          <p:nvPr/>
+        </p:nvSpPr>
+        <p:spPr>
+          <a:xfrm>
+            <a:off x="7470321" y="3008333"/>
+            <a:ext cx="2400300" cy="369332"/>
+          </a:xfrm>
+          <a:prstGeom prst="rect">
+            <a:avLst/>
+          </a:prstGeom>
+          <a:solidFill>
+            <a:schemeClr val="bg1">
+              <a:lumMod val="75000"/>
+            </a:schemeClr>
+          </a:solidFill>
+          <a:ln>
+            <a:solidFill>
+              <a:schemeClr val="accent1">
+                <a:shade val="50000"/>
+              </a:schemeClr>
+            </a:solidFill>
+          </a:ln>
+        </p:spPr>
+        <p:txBody>
+          <a:bodyPr wrap="square" rtlCol="0">
+            <a:spAutoFit/>
+          </a:bodyPr>
+          <a:lstStyle/>
+          <a:p>
+            <a:pPr algn="ctr"/>
+            <a:r>
+              <a:rPr lang="en-US" smtClean="0"/>
+              <a:t>Container</a:t>
+            </a:r>
+            <a:endParaRPr lang="en-US" dirty="0"/>
+          </a:p>
+        </p:txBody>
+      </p:sp>
+      <p:sp>
+        <p:nvSpPr>
+          <p:cNvPr id="9" name="Rounded Rectangle 8"/>
+          <p:cNvSpPr/>
+          <p:nvPr/>
+        </p:nvSpPr>
+        <p:spPr>
+          <a:xfrm>
+            <a:off x="906236" y="3974070"/>
+            <a:ext cx="2628900" cy="1698171"/>
+          </a:xfrm>
+          <a:prstGeom prst="roundRect">
+            <a:avLst/>
+          </a:prstGeom>
+          <a:solidFill>
+            <a:schemeClr val="bg2">
+              <a:lumMod val="75000"/>
+            </a:schemeClr>
+          </a:solidFill>
+        </p:spPr>
+        <p:style>
+          <a:lnRef idx="2">
+            <a:schemeClr val="accent1">
+              <a:shade val="50000"/>
+            </a:schemeClr>
+          </a:lnRef>
+          <a:fillRef idx="1">
+            <a:schemeClr val="accent1"/>
+          </a:fillRef>
+          <a:effectRef idx="0">
+            <a:schemeClr val="accent1"/>
+          </a:effectRef>
+          <a:fontRef idx="minor">
+            <a:schemeClr val="lt1"/>
+          </a:fontRef>
+        </p:style>
+        <p:txBody>
+          <a:bodyPr rtlCol="0" anchor="ctr"/>
+          <a:lstStyle/>
+          <a:p>
+            <a:pPr algn="ctr"/>
+            <a:endParaRPr lang="en-US"/>
+          </a:p>
+        </p:txBody>
+      </p:sp>
+      <p:sp>
+        <p:nvSpPr>
+          <p:cNvPr id="10" name="TextBox 9"/>
+          <p:cNvSpPr txBox="1"/>
+          <p:nvPr/>
+        </p:nvSpPr>
+        <p:spPr>
+          <a:xfrm>
+            <a:off x="1453243" y="4661807"/>
+            <a:ext cx="1534886" cy="369332"/>
+          </a:xfrm>
+          <a:prstGeom prst="rect">
+            <a:avLst/>
+          </a:prstGeom>
+          <a:noFill/>
+        </p:spPr>
+        <p:txBody>
+          <a:bodyPr wrap="square" rtlCol="0">
+            <a:spAutoFit/>
+          </a:bodyPr>
+          <a:lstStyle/>
+          <a:p>
+            <a:r>
+              <a:rPr lang="en-US" dirty="0" err="1" smtClean="0"/>
+              <a:t>Docker</a:t>
+            </a:r>
+            <a:r>
+              <a:rPr lang="en-US" dirty="0" smtClean="0"/>
+              <a:t> Client</a:t>
+            </a:r>
+            <a:endParaRPr lang="en-US" dirty="0"/>
+          </a:p>
+        </p:txBody>
+      </p:sp>
+      <p:cxnSp>
+        <p:nvCxnSpPr>
+          <p:cNvPr id="12" name="Straight Arrow Connector 11"/>
+          <p:cNvCxnSpPr>
+            <a:stCxn id="9" idx="3"/>
+            <a:endCxn id="3" idx="1"/>
+          </p:cNvCxnSpPr>
+          <p:nvPr/>
+        </p:nvCxnSpPr>
+        <p:spPr>
+          <a:xfrm flipV="1">
+            <a:off x="3535136" y="4340287"/>
+            <a:ext cx="3861707" cy="482869"/>
+          </a:xfrm>
+          <a:prstGeom prst="straightConnector1">
+            <a:avLst/>
+          </a:prstGeom>
+          <a:ln w="50800">
+            <a:tailEnd type="triangle"/>
+          </a:ln>
+        </p:spPr>
+        <p:style>
+          <a:lnRef idx="1">
+            <a:schemeClr val="accent1"/>
+          </a:lnRef>
+          <a:fillRef idx="0">
+            <a:schemeClr val="accent1"/>
+          </a:fillRef>
+          <a:effectRef idx="0">
+            <a:schemeClr val="accent1"/>
+          </a:effectRef>
+          <a:fontRef idx="minor">
+            <a:schemeClr val="tx1"/>
+          </a:fontRef>
+        </p:style>
+      </p:cxnSp>
+      <p:sp>
+        <p:nvSpPr>
+          <p:cNvPr id="13" name="TextBox 12"/>
+          <p:cNvSpPr txBox="1"/>
+          <p:nvPr/>
+        </p:nvSpPr>
+        <p:spPr>
+          <a:xfrm>
+            <a:off x="4371975" y="5031140"/>
+            <a:ext cx="1351190" cy="923330"/>
+          </a:xfrm>
+          <a:prstGeom prst="rect">
+            <a:avLst/>
+          </a:prstGeom>
+          <a:noFill/>
+        </p:spPr>
+        <p:txBody>
+          <a:bodyPr wrap="square" rtlCol="0">
+            <a:spAutoFit/>
+          </a:bodyPr>
+          <a:lstStyle/>
+          <a:p>
+            <a:r>
+              <a:rPr lang="en-US" dirty="0" err="1"/>
+              <a:t>d</a:t>
+            </a:r>
+            <a:r>
+              <a:rPr lang="en-US" dirty="0" err="1" smtClean="0"/>
+              <a:t>ocker</a:t>
+            </a:r>
+            <a:r>
+              <a:rPr lang="en-US" dirty="0" smtClean="0"/>
+              <a:t> run</a:t>
+            </a:r>
+          </a:p>
+          <a:p>
+            <a:r>
+              <a:rPr lang="en-US" dirty="0" err="1"/>
+              <a:t>d</a:t>
+            </a:r>
+            <a:r>
+              <a:rPr lang="en-US" dirty="0" err="1" smtClean="0"/>
+              <a:t>ocker</a:t>
+            </a:r>
+            <a:r>
+              <a:rPr lang="en-US" dirty="0" smtClean="0"/>
+              <a:t> exec</a:t>
+            </a:r>
+          </a:p>
+          <a:p>
+            <a:r>
+              <a:rPr lang="en-US" dirty="0" err="1" smtClean="0"/>
+              <a:t>ocker</a:t>
+            </a:r>
+            <a:r>
+              <a:rPr lang="en-US" dirty="0" smtClean="0"/>
+              <a:t> </a:t>
+            </a:r>
+            <a:r>
+              <a:rPr lang="en-US" dirty="0" err="1" smtClean="0"/>
+              <a:t>ps</a:t>
+            </a:r>
+            <a:endParaRPr lang="en-US" dirty="0"/>
+          </a:p>
+        </p:txBody>
+      </p:sp>
+      <p:sp>
+        <p:nvSpPr>
+          <p:cNvPr id="15" name="Rectangle 14"/>
+          <p:cNvSpPr/>
+          <p:nvPr/>
+        </p:nvSpPr>
+        <p:spPr>
+          <a:xfrm>
+            <a:off x="906236" y="816429"/>
+            <a:ext cx="3241221" cy="2376570"/>
+          </a:xfrm>
+          <a:prstGeom prst="rect">
+            <a:avLst/>
+          </a:prstGeom>
+        </p:spPr>
+        <p:style>
+          <a:lnRef idx="2">
+            <a:schemeClr val="accent1">
+              <a:shade val="50000"/>
+            </a:schemeClr>
+          </a:lnRef>
+          <a:fillRef idx="1">
+            <a:schemeClr val="accent1"/>
+          </a:fillRef>
+          <a:effectRef idx="0">
+            <a:schemeClr val="accent1"/>
+          </a:effectRef>
+          <a:fontRef idx="minor">
+            <a:schemeClr val="lt1"/>
+          </a:fontRef>
+        </p:style>
+        <p:txBody>
+          <a:bodyPr rtlCol="0" anchor="ctr"/>
+          <a:lstStyle/>
+          <a:p>
+            <a:pPr algn="ctr"/>
+            <a:r>
+              <a:rPr lang="en-US" dirty="0" err="1" smtClean="0"/>
+              <a:t>Docker</a:t>
+            </a:r>
+            <a:r>
+              <a:rPr lang="en-US" dirty="0" smtClean="0"/>
+              <a:t> Registry</a:t>
+            </a:r>
+            <a:endParaRPr lang="en-US" dirty="0"/>
+          </a:p>
+        </p:txBody>
+      </p:sp>
+      <p:sp>
+        <p:nvSpPr>
+          <p:cNvPr id="18" name="TextBox 17"/>
+          <p:cNvSpPr txBox="1"/>
+          <p:nvPr/>
+        </p:nvSpPr>
+        <p:spPr>
+          <a:xfrm>
+            <a:off x="1489983" y="1061357"/>
+            <a:ext cx="2400300" cy="369332"/>
+          </a:xfrm>
+          <a:prstGeom prst="rect">
+            <a:avLst/>
+          </a:prstGeom>
+          <a:solidFill>
+            <a:schemeClr val="bg1">
+              <a:lumMod val="75000"/>
+            </a:schemeClr>
+          </a:solidFill>
+          <a:ln>
+            <a:solidFill>
+              <a:schemeClr val="accent1">
+                <a:shade val="50000"/>
+              </a:schemeClr>
+            </a:solidFill>
+          </a:ln>
+        </p:spPr>
+        <p:txBody>
+          <a:bodyPr wrap="square" rtlCol="0">
+            <a:spAutoFit/>
+          </a:bodyPr>
+          <a:lstStyle/>
+          <a:p>
+            <a:pPr algn="ctr"/>
+            <a:r>
+              <a:rPr lang="en-US" smtClean="0"/>
+              <a:t>Image</a:t>
+            </a:r>
+            <a:endParaRPr lang="en-US" dirty="0"/>
+          </a:p>
+        </p:txBody>
+      </p:sp>
+      <p:sp>
+        <p:nvSpPr>
+          <p:cNvPr id="17" name="TextBox 16"/>
+          <p:cNvSpPr txBox="1"/>
+          <p:nvPr/>
+        </p:nvSpPr>
+        <p:spPr>
+          <a:xfrm>
+            <a:off x="1383848" y="1246023"/>
+            <a:ext cx="2400300" cy="369332"/>
+          </a:xfrm>
+          <a:prstGeom prst="rect">
+            <a:avLst/>
+          </a:prstGeom>
+          <a:solidFill>
+            <a:schemeClr val="bg1">
+              <a:lumMod val="75000"/>
+            </a:schemeClr>
+          </a:solidFill>
+          <a:ln>
+            <a:solidFill>
+              <a:schemeClr val="accent1">
+                <a:shade val="50000"/>
+              </a:schemeClr>
+            </a:solidFill>
+          </a:ln>
+        </p:spPr>
+        <p:txBody>
+          <a:bodyPr wrap="square" rtlCol="0">
+            <a:spAutoFit/>
+          </a:bodyPr>
+          <a:lstStyle/>
+          <a:p>
+            <a:pPr algn="ctr"/>
+            <a:r>
+              <a:rPr lang="en-US" smtClean="0"/>
+              <a:t>Image</a:t>
+            </a:r>
+            <a:endParaRPr lang="en-US" dirty="0"/>
+          </a:p>
+        </p:txBody>
+      </p:sp>
+      <p:sp>
+        <p:nvSpPr>
+          <p:cNvPr id="16" name="TextBox 15"/>
+          <p:cNvSpPr txBox="1"/>
+          <p:nvPr/>
+        </p:nvSpPr>
+        <p:spPr>
+          <a:xfrm>
+            <a:off x="1253220" y="1415535"/>
+            <a:ext cx="2400300" cy="369332"/>
+          </a:xfrm>
+          <a:prstGeom prst="rect">
+            <a:avLst/>
+          </a:prstGeom>
+          <a:solidFill>
+            <a:schemeClr val="bg1">
+              <a:lumMod val="75000"/>
+            </a:schemeClr>
+          </a:solidFill>
+          <a:ln>
+            <a:solidFill>
+              <a:schemeClr val="accent1">
+                <a:shade val="50000"/>
+              </a:schemeClr>
+            </a:solidFill>
+          </a:ln>
+        </p:spPr>
+        <p:txBody>
+          <a:bodyPr wrap="square" rtlCol="0">
+            <a:spAutoFit/>
+          </a:bodyPr>
+          <a:lstStyle/>
+          <a:p>
+            <a:pPr algn="ctr"/>
+            <a:r>
+              <a:rPr lang="en-US" dirty="0" smtClean="0"/>
+              <a:t>Image</a:t>
+            </a:r>
+            <a:endParaRPr lang="en-US" dirty="0"/>
+          </a:p>
+        </p:txBody>
+      </p:sp>
+      <p:cxnSp>
+        <p:nvCxnSpPr>
+          <p:cNvPr id="20" name="Straight Arrow Connector 19"/>
+          <p:cNvCxnSpPr/>
+          <p:nvPr/>
+        </p:nvCxnSpPr>
+        <p:spPr>
+          <a:xfrm flipH="1" flipV="1">
+            <a:off x="3653520" y="1784867"/>
+            <a:ext cx="3743323" cy="2370754"/>
+          </a:xfrm>
+          <a:prstGeom prst="straightConnector1">
+            <a:avLst/>
+          </a:prstGeom>
+          <a:ln w="50800">
+            <a:tailEnd type="triangle"/>
+          </a:ln>
+        </p:spPr>
+        <p:style>
+          <a:lnRef idx="1">
+            <a:schemeClr val="accent1"/>
+          </a:lnRef>
+          <a:fillRef idx="0">
+            <a:schemeClr val="accent1"/>
+          </a:fillRef>
+          <a:effectRef idx="0">
+            <a:schemeClr val="accent1"/>
+          </a:effectRef>
+          <a:fontRef idx="minor">
+            <a:schemeClr val="tx1"/>
+          </a:fontRef>
+        </p:style>
+      </p:cxnSp>
+      <p:pic>
+        <p:nvPicPr>
+          <p:cNvPr id="21" name="Picture 20"/>
+          <p:cNvPicPr>
+            <a:picLocks noChangeAspect="1"/>
+          </p:cNvPicPr>
+          <p:nvPr/>
+        </p:nvPicPr>
+        <p:blipFill>
+          <a:blip r:embed="rId2"/>
+          <a:stretch>
+            <a:fillRect/>
+          </a:stretch>
+        </p:blipFill>
+        <p:spPr>
+          <a:xfrm>
+            <a:off x="9912284" y="252061"/>
+            <a:ext cx="1182139" cy="993962"/>
+          </a:xfrm>
+          <a:prstGeom prst="rect">
+            <a:avLst/>
+          </a:prstGeom>
+        </p:spPr>
+      </p:pic>
+      <p:sp>
+        <p:nvSpPr>
+          <p:cNvPr id="24" name="Folded Corner 23"/>
+          <p:cNvSpPr/>
+          <p:nvPr/>
+        </p:nvSpPr>
+        <p:spPr>
+          <a:xfrm>
+            <a:off x="2808514" y="5856907"/>
+            <a:ext cx="1081769" cy="837807"/>
+          </a:xfrm>
+          <a:prstGeom prst="foldedCorner">
+            <a:avLst/>
+          </a:prstGeom>
+          <a:noFill/>
+        </p:spPr>
+        <p:style>
+          <a:lnRef idx="2">
+            <a:schemeClr val="accent1">
+              <a:shade val="50000"/>
+            </a:schemeClr>
+          </a:lnRef>
+          <a:fillRef idx="1">
+            <a:schemeClr val="accent1"/>
+          </a:fillRef>
+          <a:effectRef idx="0">
+            <a:schemeClr val="accent1"/>
+          </a:effectRef>
+          <a:fontRef idx="minor">
+            <a:schemeClr val="lt1"/>
+          </a:fontRef>
+        </p:style>
+        <p:txBody>
+          <a:bodyPr rtlCol="0" anchor="ctr"/>
+          <a:lstStyle/>
+          <a:p>
+            <a:pPr algn="ctr"/>
+            <a:endParaRPr lang="en-US"/>
+          </a:p>
+        </p:txBody>
+      </p:sp>
+      <p:cxnSp>
+        <p:nvCxnSpPr>
+          <p:cNvPr id="25" name="Straight Arrow Connector 24"/>
+          <p:cNvCxnSpPr>
+            <a:stCxn id="9" idx="2"/>
+            <a:endCxn id="24" idx="1"/>
+          </p:cNvCxnSpPr>
+          <p:nvPr/>
+        </p:nvCxnSpPr>
+        <p:spPr>
+          <a:xfrm>
+            <a:off x="2220686" y="5672241"/>
+            <a:ext cx="587828" cy="603570"/>
+          </a:xfrm>
+          <a:prstGeom prst="straightConnector1">
+            <a:avLst/>
+          </a:prstGeom>
+          <a:ln w="50800">
+            <a:tailEnd type="triangle"/>
+          </a:ln>
+        </p:spPr>
+        <p:style>
+          <a:lnRef idx="1">
+            <a:schemeClr val="accent1"/>
+          </a:lnRef>
+          <a:fillRef idx="0">
+            <a:schemeClr val="accent1"/>
+          </a:fillRef>
+          <a:effectRef idx="0">
+            <a:schemeClr val="accent1"/>
+          </a:effectRef>
+          <a:fontRef idx="minor">
+            <a:schemeClr val="tx1"/>
+          </a:fontRef>
+        </p:style>
+      </p:cxnSp>
+      <p:sp>
+        <p:nvSpPr>
+          <p:cNvPr id="28" name="TextBox 27"/>
+          <p:cNvSpPr txBox="1"/>
+          <p:nvPr/>
+        </p:nvSpPr>
+        <p:spPr>
+          <a:xfrm>
+            <a:off x="2906487" y="6145535"/>
+            <a:ext cx="1024617" cy="307777"/>
+          </a:xfrm>
+          <a:prstGeom prst="rect">
+            <a:avLst/>
+          </a:prstGeom>
+          <a:noFill/>
+        </p:spPr>
+        <p:txBody>
+          <a:bodyPr wrap="square" rtlCol="0">
+            <a:spAutoFit/>
+          </a:bodyPr>
+          <a:lstStyle/>
+          <a:p>
+            <a:r>
+              <a:rPr lang="en-US" sz="1400" dirty="0" err="1" smtClean="0"/>
+              <a:t>Dockerfile</a:t>
+            </a:r>
+            <a:endParaRPr lang="en-US" sz="1400" dirty="0"/>
+          </a:p>
+        </p:txBody>
+      </p:sp>
+    </p:spTree>
+    <p:extLst>
+      <p:ext uri="{BB962C8B-B14F-4D97-AF65-F5344CB8AC3E}">
+        <p14:creationId xmlns:p14="http://schemas.microsoft.com/office/powerpoint/2010/main" val="1402627621"/>
+      </p:ext>
+    </p:extLst>
+  </p:cSld>
+  <p:clrMapOvr>
+    <a:masterClrMapping/>
+  </p:clrMapOvr>
+  <p:timing>
+    <p:tnLst>
+      <p:par>
+        <p:cTn id="1" dur="indefinite" restart="never" nodeType="tmRoot"/>
+      </p:par>
+    </p:tnLst>
+  </p:timing>
+</p:sld>
+</file>
+
+<file path=ppt/slides/slide26.xml><?xml version="1.0" encoding="utf-8"?>
+<p:sld xmlns:a="http://schemas.openxmlformats.org/drawingml/2006/main" xmlns:r="http://schemas.openxmlformats.org/officeDocument/2006/relationships" xmlns:p="http://schemas.openxmlformats.org/presentationml/2006/main">
+  <p:cSld>
+    <p:spTree>
+      <p:nvGrpSpPr>
+        <p:cNvPr id="1" name=""/>
+        <p:cNvGrpSpPr/>
+        <p:nvPr/>
+      </p:nvGrpSpPr>
+      <p:grpSpPr>
+        <a:xfrm>
+          <a:off x="0" y="0"/>
+          <a:ext cx="0" cy="0"/>
+          <a:chOff x="0" y="0"/>
+          <a:chExt cx="0" cy="0"/>
+        </a:xfrm>
+      </p:grpSpPr>
+      <p:sp>
+        <p:nvSpPr>
+          <p:cNvPr id="2" name="TextBox 1"/>
+          <p:cNvSpPr txBox="1"/>
+          <p:nvPr/>
+        </p:nvSpPr>
+        <p:spPr>
+          <a:xfrm>
+            <a:off x="1116417" y="700210"/>
+            <a:ext cx="9962707" cy="861774"/>
+          </a:xfrm>
+          <a:prstGeom prst="rect">
+            <a:avLst/>
+          </a:prstGeom>
+          <a:noFill/>
+        </p:spPr>
+        <p:txBody>
+          <a:bodyPr wrap="square" rtlCol="0">
+            <a:spAutoFit/>
+          </a:bodyPr>
+          <a:lstStyle/>
+          <a:p>
+            <a:pPr algn="ctr"/>
+            <a:r>
+              <a:rPr lang="en-US" sz="3200" b="1" dirty="0" smtClean="0"/>
+              <a:t>“</a:t>
+            </a:r>
+            <a:r>
+              <a:rPr lang="en-US" sz="3200" dirty="0"/>
+              <a:t>Treat backing services as attached </a:t>
+            </a:r>
+            <a:r>
+              <a:rPr lang="en-US" sz="3200" dirty="0" smtClean="0"/>
+              <a:t>resources</a:t>
+            </a:r>
+            <a:r>
+              <a:rPr lang="en-US" sz="3200" b="1" dirty="0" smtClean="0"/>
+              <a:t>”</a:t>
+            </a:r>
+            <a:endParaRPr lang="en-US" sz="3200" b="1" dirty="0"/>
+          </a:p>
+          <a:p>
+            <a:endParaRPr lang="en-US" dirty="0"/>
+          </a:p>
+        </p:txBody>
+      </p:sp>
+      <p:sp>
+        <p:nvSpPr>
+          <p:cNvPr id="3" name="TextBox 2"/>
+          <p:cNvSpPr txBox="1"/>
+          <p:nvPr/>
+        </p:nvSpPr>
+        <p:spPr>
+          <a:xfrm>
+            <a:off x="618931" y="1677400"/>
+            <a:ext cx="10957681" cy="461665"/>
+          </a:xfrm>
+          <a:prstGeom prst="rect">
+            <a:avLst/>
+          </a:prstGeom>
+          <a:noFill/>
+        </p:spPr>
+        <p:txBody>
+          <a:bodyPr wrap="square" rtlCol="0">
+            <a:spAutoFit/>
+          </a:bodyPr>
+          <a:lstStyle/>
+          <a:p>
+            <a:r>
+              <a:rPr lang="en-US" sz="2400" dirty="0"/>
+              <a:t>Your </a:t>
+            </a:r>
+            <a:r>
+              <a:rPr lang="en-US" sz="2400" dirty="0" smtClean="0"/>
+              <a:t>‘backing services’ are all the components and services your app needs to talk to</a:t>
+            </a:r>
+            <a:endParaRPr lang="en-US" sz="2400" dirty="0"/>
+          </a:p>
+        </p:txBody>
+      </p:sp>
+      <p:sp>
+        <p:nvSpPr>
+          <p:cNvPr id="4" name="TextBox 3"/>
+          <p:cNvSpPr txBox="1"/>
+          <p:nvPr/>
+        </p:nvSpPr>
+        <p:spPr>
+          <a:xfrm>
+            <a:off x="1765001" y="2475272"/>
+            <a:ext cx="7962608" cy="1569660"/>
+          </a:xfrm>
+          <a:prstGeom prst="rect">
+            <a:avLst/>
+          </a:prstGeom>
+          <a:noFill/>
+        </p:spPr>
+        <p:txBody>
+          <a:bodyPr wrap="square" rtlCol="0">
+            <a:spAutoFit/>
+          </a:bodyPr>
+          <a:lstStyle/>
+          <a:p>
+            <a:pPr algn="ctr"/>
+            <a:r>
+              <a:rPr lang="en-US" sz="2400" dirty="0" smtClean="0"/>
+              <a:t>A database to store data</a:t>
+            </a:r>
+          </a:p>
+          <a:p>
+            <a:pPr algn="ctr"/>
+            <a:r>
+              <a:rPr lang="en-US" sz="2400" dirty="0" smtClean="0"/>
+              <a:t>A message queue to communicate over etc.</a:t>
+            </a:r>
+          </a:p>
+          <a:p>
+            <a:pPr algn="ctr"/>
+            <a:r>
+              <a:rPr lang="en-US" sz="2400" dirty="0" smtClean="0"/>
+              <a:t>But also your file system</a:t>
+            </a:r>
+          </a:p>
+          <a:p>
+            <a:pPr algn="ctr"/>
+            <a:r>
+              <a:rPr lang="en-US" sz="2400" dirty="0" smtClean="0"/>
+              <a:t>And the cache</a:t>
+            </a:r>
+          </a:p>
+        </p:txBody>
+      </p:sp>
+      <p:sp>
+        <p:nvSpPr>
+          <p:cNvPr id="5" name="TextBox 4"/>
+          <p:cNvSpPr txBox="1"/>
+          <p:nvPr/>
+        </p:nvSpPr>
+        <p:spPr>
+          <a:xfrm>
+            <a:off x="744279" y="4275764"/>
+            <a:ext cx="10558129" cy="1107996"/>
+          </a:xfrm>
+          <a:prstGeom prst="rect">
+            <a:avLst/>
+          </a:prstGeom>
+          <a:noFill/>
+        </p:spPr>
+        <p:txBody>
+          <a:bodyPr wrap="square" rtlCol="0">
+            <a:spAutoFit/>
+          </a:bodyPr>
+          <a:lstStyle/>
+          <a:p>
+            <a:pPr algn="ctr"/>
+            <a:r>
+              <a:rPr lang="en-US" sz="2400" dirty="0" smtClean="0"/>
+              <a:t>In cloud, containers, or </a:t>
+            </a:r>
+            <a:r>
+              <a:rPr lang="en-US" sz="2400" dirty="0" err="1" smtClean="0"/>
+              <a:t>serverless</a:t>
+            </a:r>
+            <a:r>
+              <a:rPr lang="en-US" sz="2400" dirty="0" smtClean="0"/>
+              <a:t> environments your host is ephemeral.</a:t>
+            </a:r>
+          </a:p>
+          <a:p>
+            <a:pPr algn="ctr"/>
+            <a:r>
+              <a:rPr lang="en-US" sz="2400" dirty="0" smtClean="0"/>
+              <a:t>You cannot rely on its existence across requests</a:t>
+            </a:r>
+            <a:endParaRPr lang="en-US" sz="2400" dirty="0"/>
+          </a:p>
+          <a:p>
+            <a:pPr algn="ctr"/>
+            <a:endParaRPr lang="en-US" dirty="0"/>
+          </a:p>
+        </p:txBody>
+      </p:sp>
+      <p:sp>
+        <p:nvSpPr>
+          <p:cNvPr id="6" name="TextBox 5"/>
+          <p:cNvSpPr txBox="1"/>
+          <p:nvPr/>
+        </p:nvSpPr>
+        <p:spPr>
+          <a:xfrm>
+            <a:off x="2007022" y="5614592"/>
+            <a:ext cx="7875181" cy="1107996"/>
+          </a:xfrm>
+          <a:prstGeom prst="rect">
+            <a:avLst/>
+          </a:prstGeom>
+          <a:noFill/>
+        </p:spPr>
+        <p:txBody>
+          <a:bodyPr wrap="square" rtlCol="0">
+            <a:spAutoFit/>
+          </a:bodyPr>
+          <a:lstStyle/>
+          <a:p>
+            <a:pPr algn="ctr"/>
+            <a:r>
+              <a:rPr lang="en-US" sz="2400" dirty="0" smtClean="0"/>
+              <a:t>Always assume that you need to ‘provision’ </a:t>
+            </a:r>
+            <a:r>
+              <a:rPr lang="en-US" sz="2400" i="1" dirty="0" smtClean="0"/>
+              <a:t>any</a:t>
+            </a:r>
+            <a:r>
+              <a:rPr lang="en-US" sz="2400" dirty="0" smtClean="0"/>
+              <a:t> storage that you want to use</a:t>
+            </a:r>
+            <a:endParaRPr lang="en-US" sz="2400" dirty="0"/>
+          </a:p>
+          <a:p>
+            <a:endParaRPr lang="en-US" dirty="0"/>
+          </a:p>
+        </p:txBody>
+      </p:sp>
+    </p:spTree>
+    <p:extLst>
+      <p:ext uri="{BB962C8B-B14F-4D97-AF65-F5344CB8AC3E}">
+        <p14:creationId xmlns:p14="http://schemas.microsoft.com/office/powerpoint/2010/main" val="909668495"/>
+      </p:ext>
+    </p:extLst>
+  </p:cSld>
+  <p:clrMapOvr>
+    <a:masterClrMapping/>
+  </p:clrMapOvr>
+  <p:timing>
+    <p:tnLst>
+      <p:par>
+        <p:cTn id="1" dur="indefinite" restart="never" nodeType="tmRoot">
+          <p:childTnLst>
+            <p:seq concurrent="1" nextAc="seek">
+              <p:cTn id="2" dur="indefinite" nodeType="mainSeq">
+                <p:childTnLst>
+                  <p:par>
+                    <p:cTn id="3" fill="hold">
+                      <p:stCondLst>
+                        <p:cond delay="indefinite"/>
+                      </p:stCondLst>
+                      <p:childTnLst>
+                        <p:par>
+                          <p:cTn id="4" fill="hold">
+                            <p:stCondLst>
+                              <p:cond delay="0"/>
+                            </p:stCondLst>
+                            <p:childTnLst>
+                              <p:par>
+                                <p:cTn id="5" presetID="1" presetClass="entr" presetSubtype="0" fill="hold" grpId="0" nodeType="clickEffect">
+                                  <p:stCondLst>
+                                    <p:cond delay="0"/>
+                                  </p:stCondLst>
+                                  <p:childTnLst>
+                                    <p:set>
+                                      <p:cBhvr>
+                                        <p:cTn id="6" dur="1" fill="hold">
+                                          <p:stCondLst>
+                                            <p:cond delay="0"/>
+                                          </p:stCondLst>
+                                        </p:cTn>
+                                        <p:tgtEl>
+                                          <p:spTgt spid="3"/>
+                                        </p:tgtEl>
+                                        <p:attrNameLst>
+                                          <p:attrName>style.visibility</p:attrName>
+                                        </p:attrNameLst>
+                                      </p:cBhvr>
+                                      <p:to>
+                                        <p:strVal val="visible"/>
+                                      </p:to>
+                                    </p:set>
+                                  </p:childTnLst>
+                                </p:cTn>
+                              </p:par>
+                            </p:childTnLst>
+                          </p:cTn>
+                        </p:par>
+                      </p:childTnLst>
+                    </p:cTn>
+                  </p:par>
+                  <p:par>
+                    <p:cTn id="7" fill="hold">
+                      <p:stCondLst>
+                        <p:cond delay="indefinite"/>
+                      </p:stCondLst>
+                      <p:childTnLst>
+                        <p:par>
+                          <p:cTn id="8" fill="hold">
+                            <p:stCondLst>
+                              <p:cond delay="0"/>
+                            </p:stCondLst>
+                            <p:childTnLst>
+                              <p:par>
+                                <p:cTn id="9" presetID="1" presetClass="entr" presetSubtype="0" fill="hold" grpId="0" nodeType="clickEffect">
+                                  <p:stCondLst>
+                                    <p:cond delay="0"/>
+                                  </p:stCondLst>
+                                  <p:childTnLst>
+                                    <p:set>
+                                      <p:cBhvr>
+                                        <p:cTn id="10" dur="1" fill="hold">
+                                          <p:stCondLst>
+                                            <p:cond delay="0"/>
+                                          </p:stCondLst>
+                                        </p:cTn>
+                                        <p:tgtEl>
+                                          <p:spTgt spid="4"/>
+                                        </p:tgtEl>
+                                        <p:attrNameLst>
+                                          <p:attrName>style.visibility</p:attrName>
+                                        </p:attrNameLst>
+                                      </p:cBhvr>
+                                      <p:to>
+                                        <p:strVal val="visible"/>
+                                      </p:to>
+                                    </p:set>
+                                  </p:childTnLst>
+                                </p:cTn>
+                              </p:par>
+                            </p:childTnLst>
+                          </p:cTn>
+                        </p:par>
+                      </p:childTnLst>
+                    </p:cTn>
+                  </p:par>
+                  <p:par>
+                    <p:cTn id="11" fill="hold">
+                      <p:stCondLst>
+                        <p:cond delay="indefinite"/>
+                      </p:stCondLst>
+                      <p:childTnLst>
+                        <p:par>
+                          <p:cTn id="12" fill="hold">
+                            <p:stCondLst>
+                              <p:cond delay="0"/>
+                            </p:stCondLst>
+                            <p:childTnLst>
+                              <p:par>
+                                <p:cTn id="13" presetID="1" presetClass="entr" presetSubtype="0" fill="hold" grpId="0" nodeType="clickEffect">
+                                  <p:stCondLst>
+                                    <p:cond delay="0"/>
+                                  </p:stCondLst>
+                                  <p:childTnLst>
+                                    <p:set>
+                                      <p:cBhvr>
+                                        <p:cTn id="14" dur="1" fill="hold">
+                                          <p:stCondLst>
+                                            <p:cond delay="0"/>
+                                          </p:stCondLst>
+                                        </p:cTn>
+                                        <p:tgtEl>
+                                          <p:spTgt spid="5"/>
+                                        </p:tgtEl>
+                                        <p:attrNameLst>
+                                          <p:attrName>style.visibility</p:attrName>
+                                        </p:attrNameLst>
+                                      </p:cBhvr>
+                                      <p:to>
+                                        <p:strVal val="visible"/>
+                                      </p:to>
+                                    </p:set>
+                                  </p:childTnLst>
+                                </p:cTn>
+                              </p:par>
+                            </p:childTnLst>
+                          </p:cTn>
+                        </p:par>
+                      </p:childTnLst>
+                    </p:cTn>
+                  </p:par>
+                  <p:par>
+                    <p:cTn id="15" fill="hold">
+                      <p:stCondLst>
+                        <p:cond delay="indefinite"/>
+                      </p:stCondLst>
+                      <p:childTnLst>
+                        <p:par>
+                          <p:cTn id="16" fill="hold">
+                            <p:stCondLst>
+                              <p:cond delay="0"/>
+                            </p:stCondLst>
+                            <p:childTnLst>
+                              <p:par>
+                                <p:cTn id="17" presetID="1" presetClass="entr" presetSubtype="0" fill="hold" grpId="0" nodeType="clickEffect">
+                                  <p:stCondLst>
+                                    <p:cond delay="0"/>
+                                  </p:stCondLst>
+                                  <p:childTnLst>
+                                    <p:set>
+                                      <p:cBhvr>
+                                        <p:cTn id="18" dur="1" fill="hold">
+                                          <p:stCondLst>
+                                            <p:cond delay="0"/>
+                                          </p:stCondLst>
+                                        </p:cTn>
+                                        <p:tgtEl>
+                                          <p:spTgt spid="6"/>
+                                        </p:tgtEl>
+                                        <p:attrNameLst>
+                                          <p:attrName>style.visibility</p:attrName>
+                                        </p:attrNameLst>
+                                      </p:cBhvr>
+                                      <p:to>
+                                        <p:strVal val="visible"/>
+                                      </p:to>
+                                    </p:set>
+                                  </p:childTnLst>
+                                </p:cTn>
+                              </p:par>
+                            </p:childTnLst>
+                          </p:cTn>
+                        </p:par>
+                      </p:childTnLst>
+                    </p:cTn>
+                  </p:par>
+                </p:childTnLst>
+              </p:cTn>
+              <p:prevCondLst>
+                <p:cond evt="onPrev" delay="0">
+                  <p:tgtEl>
+                    <p:sldTgt/>
+                  </p:tgtEl>
+                </p:cond>
+              </p:prevCondLst>
+              <p:nextCondLst>
+                <p:cond evt="onNext" delay="0">
+                  <p:tgtEl>
+                    <p:sldTgt/>
+                  </p:tgtEl>
+                </p:cond>
+              </p:nextCondLst>
+            </p:seq>
+          </p:childTnLst>
+        </p:cTn>
+      </p:par>
+    </p:tnLst>
+    <p:bldLst>
+      <p:bldP spid="3" grpId="0"/>
+      <p:bldP spid="4" grpId="0"/>
+      <p:bldP spid="5" grpId="0"/>
+      <p:bldP spid="6" grpId="0"/>
+    </p:bldLst>
+  </p:timing>
+</p:sld>
+</file>
+
+<file path=ppt/slides/slide27.xml><?xml version="1.0" encoding="utf-8"?>
+<p:sld xmlns:a="http://schemas.openxmlformats.org/drawingml/2006/main" xmlns:r="http://schemas.openxmlformats.org/officeDocument/2006/relationships" xmlns:p="http://schemas.openxmlformats.org/presentationml/2006/main" show="0">
+  <p:cSld>
+    <p:spTree>
+      <p:nvGrpSpPr>
+        <p:cNvPr id="1" name=""/>
+        <p:cNvGrpSpPr/>
+        <p:nvPr/>
+      </p:nvGrpSpPr>
+      <p:grpSpPr>
+        <a:xfrm>
+          <a:off x="0" y="0"/>
+          <a:ext cx="0" cy="0"/>
+          <a:chOff x="0" y="0"/>
+          <a:chExt cx="0" cy="0"/>
+        </a:xfrm>
+      </p:grpSpPr>
+      <p:sp>
+        <p:nvSpPr>
+          <p:cNvPr id="2" name="TextBox 1"/>
+          <p:cNvSpPr txBox="1"/>
+          <p:nvPr/>
+        </p:nvSpPr>
+        <p:spPr>
+          <a:xfrm>
+            <a:off x="1565565" y="2417135"/>
+            <a:ext cx="9171708" cy="1200329"/>
+          </a:xfrm>
+          <a:prstGeom prst="rect">
+            <a:avLst/>
+          </a:prstGeom>
+          <a:noFill/>
+        </p:spPr>
+        <p:txBody>
+          <a:bodyPr wrap="square" rtlCol="0">
+            <a:spAutoFit/>
+          </a:bodyPr>
+          <a:lstStyle/>
+          <a:p>
+            <a:pPr algn="ctr"/>
+            <a:r>
+              <a:rPr lang="en-GB" sz="3600" dirty="0"/>
+              <a:t>First Demo: A vanilla ASP.NET Core App. Self-Hosted, it listens on a port</a:t>
+            </a:r>
+          </a:p>
+        </p:txBody>
+      </p:sp>
+    </p:spTree>
+    <p:extLst>
+      <p:ext uri="{BB962C8B-B14F-4D97-AF65-F5344CB8AC3E}">
+        <p14:creationId xmlns:p14="http://schemas.microsoft.com/office/powerpoint/2010/main" val="1553494185"/>
+      </p:ext>
+    </p:extLst>
+  </p:cSld>
+  <p:clrMapOvr>
+    <a:masterClrMapping/>
+  </p:clrMapOvr>
+  <mc:AlternateContent xmlns:mc="http://schemas.openxmlformats.org/markup-compatibility/2006">
+    <mc:Choice xmlns:p14="http://schemas.microsoft.com/office/powerpoint/2010/main" Requires="p14">
+      <p:transition spd="slow" p14:dur="2000"/>
+    </mc:Choice>
+    <mc:Fallback>
+      <p:transition spd="slow"/>
+    </mc:Fallback>
+  </mc:AlternateContent>
+  <p:timing>
+    <p:tnLst>
+      <p:par>
+        <p:cTn id="1" dur="indefinite" restart="never" nodeType="tmRoot"/>
+      </p:par>
+    </p:tnLst>
+  </p:timing>
+</p:sld>
+</file>
+
+<file path=ppt/slides/slide28.xml><?xml version="1.0" encoding="utf-8"?>
+<p:sld xmlns:a="http://schemas.openxmlformats.org/drawingml/2006/main" xmlns:r="http://schemas.openxmlformats.org/officeDocument/2006/relationships" xmlns:p="http://schemas.openxmlformats.org/presentationml/2006/main">
+  <p:cSld>
+    <p:spTree>
+      <p:nvGrpSpPr>
+        <p:cNvPr id="1" name=""/>
+        <p:cNvGrpSpPr/>
+        <p:nvPr/>
+      </p:nvGrpSpPr>
+      <p:grpSpPr>
+        <a:xfrm>
+          <a:off x="0" y="0"/>
+          <a:ext cx="0" cy="0"/>
+          <a:chOff x="0" y="0"/>
+          <a:chExt cx="0" cy="0"/>
+        </a:xfrm>
+      </p:grpSpPr>
+      <p:sp>
+        <p:nvSpPr>
+          <p:cNvPr id="6" name="TextBox 5"/>
+          <p:cNvSpPr txBox="1"/>
+          <p:nvPr/>
+        </p:nvSpPr>
+        <p:spPr>
+          <a:xfrm>
+            <a:off x="5200534" y="3105577"/>
+            <a:ext cx="1890549" cy="830997"/>
+          </a:xfrm>
+          <a:prstGeom prst="rect">
+            <a:avLst/>
+          </a:prstGeom>
+          <a:noFill/>
+        </p:spPr>
+        <p:txBody>
+          <a:bodyPr wrap="square" rtlCol="0">
+            <a:spAutoFit/>
+          </a:bodyPr>
+          <a:lstStyle/>
+          <a:p>
+            <a:r>
+              <a:rPr lang="en-US" sz="4800" dirty="0" smtClean="0"/>
+              <a:t>Demo</a:t>
+            </a:r>
+            <a:endParaRPr lang="en-US" sz="4800" dirty="0"/>
+          </a:p>
+        </p:txBody>
+      </p:sp>
+    </p:spTree>
+    <p:extLst>
+      <p:ext uri="{BB962C8B-B14F-4D97-AF65-F5344CB8AC3E}">
+        <p14:creationId xmlns:p14="http://schemas.microsoft.com/office/powerpoint/2010/main" val="1631822843"/>
+      </p:ext>
+    </p:extLst>
+  </p:cSld>
+  <p:clrMapOvr>
+    <a:masterClrMapping/>
+  </p:clrMapOvr>
+  <p:timing>
+    <p:tnLst>
+      <p:par>
+        <p:cTn id="1" dur="indefinite" restart="never" nodeType="tmRoot"/>
+      </p:par>
+    </p:tnLst>
+  </p:timing>
+</p:sld>
+</file>
+
+<file path=ppt/slides/slide29.xml><?xml version="1.0" encoding="utf-8"?>
+<p:sld xmlns:a="http://schemas.openxmlformats.org/drawingml/2006/main" xmlns:r="http://schemas.openxmlformats.org/officeDocument/2006/relationships" xmlns:p="http://schemas.openxmlformats.org/presentationml/2006/main">
+  <p:cSld>
+    <p:spTree>
+      <p:nvGrpSpPr>
+        <p:cNvPr id="1" name=""/>
+        <p:cNvGrpSpPr/>
+        <p:nvPr/>
+      </p:nvGrpSpPr>
+      <p:grpSpPr>
+        <a:xfrm>
+          <a:off x="0" y="0"/>
+          <a:ext cx="0" cy="0"/>
+          <a:chOff x="0" y="0"/>
+          <a:chExt cx="0" cy="0"/>
+        </a:xfrm>
+      </p:grpSpPr>
+      <p:sp>
+        <p:nvSpPr>
           <p:cNvPr id="6" name="TextBox 5"/>
           <p:cNvSpPr txBox="1"/>
           <p:nvPr/>
@@ -9901,7 +11612,243 @@
 </p:sld>
 </file>
 
-<file path=ppt/slides/slide26.xml><?xml version="1.0" encoding="utf-8"?>
+<file path=ppt/slides/slide3.xml><?xml version="1.0" encoding="utf-8"?>
+<p:sld xmlns:a="http://schemas.openxmlformats.org/drawingml/2006/main" xmlns:r="http://schemas.openxmlformats.org/officeDocument/2006/relationships" xmlns:p="http://schemas.openxmlformats.org/presentationml/2006/main">
+  <p:cSld>
+    <p:spTree>
+      <p:nvGrpSpPr>
+        <p:cNvPr id="1" name=""/>
+        <p:cNvGrpSpPr/>
+        <p:nvPr/>
+      </p:nvGrpSpPr>
+      <p:grpSpPr>
+        <a:xfrm>
+          <a:off x="0" y="0"/>
+          <a:ext cx="0" cy="0"/>
+          <a:chOff x="0" y="0"/>
+          <a:chExt cx="0" cy="0"/>
+        </a:xfrm>
+      </p:grpSpPr>
+      <p:sp>
+        <p:nvSpPr>
+          <p:cNvPr id="4" name="Content Placeholder 2"/>
+          <p:cNvSpPr txBox="1">
+            <a:spLocks/>
+          </p:cNvSpPr>
+          <p:nvPr/>
+        </p:nvSpPr>
+        <p:spPr>
+          <a:xfrm>
+            <a:off x="2470697" y="3518802"/>
+            <a:ext cx="7502762" cy="824598"/>
+          </a:xfrm>
+          <a:prstGeom prst="rect">
+            <a:avLst/>
+          </a:prstGeom>
+        </p:spPr>
+        <p:txBody>
+          <a:bodyPr vert="horz" lIns="91440" tIns="45720" rIns="91440" bIns="45720" rtlCol="0">
+            <a:normAutofit/>
+          </a:bodyPr>
+          <a:lstStyle>
+            <a:lvl1pPr marL="342900" indent="-342900" algn="l" defTabSz="457200" rtl="0" eaLnBrk="1" latinLnBrk="0" hangingPunct="1">
+              <a:spcBef>
+                <a:spcPct val="20000"/>
+              </a:spcBef>
+              <a:buFont typeface="Arial"/>
+              <a:buChar char="•"/>
+              <a:defRPr sz="3200" kern="1200">
+                <a:solidFill>
+                  <a:schemeClr val="tx1"/>
+                </a:solidFill>
+                <a:latin typeface="+mn-lt"/>
+                <a:ea typeface="+mn-ea"/>
+                <a:cs typeface="+mn-cs"/>
+              </a:defRPr>
+            </a:lvl1pPr>
+            <a:lvl2pPr marL="742950" indent="-285750" algn="l" defTabSz="457200" rtl="0" eaLnBrk="1" latinLnBrk="0" hangingPunct="1">
+              <a:spcBef>
+                <a:spcPct val="20000"/>
+              </a:spcBef>
+              <a:buFont typeface="Arial"/>
+              <a:buChar char="–"/>
+              <a:defRPr sz="2800" kern="1200">
+                <a:solidFill>
+                  <a:schemeClr val="tx1"/>
+                </a:solidFill>
+                <a:latin typeface="+mn-lt"/>
+                <a:ea typeface="+mn-ea"/>
+                <a:cs typeface="+mn-cs"/>
+              </a:defRPr>
+            </a:lvl2pPr>
+            <a:lvl3pPr marL="1143000" indent="-228600" algn="l" defTabSz="457200" rtl="0" eaLnBrk="1" latinLnBrk="0" hangingPunct="1">
+              <a:spcBef>
+                <a:spcPct val="20000"/>
+              </a:spcBef>
+              <a:buFont typeface="Arial"/>
+              <a:buChar char="•"/>
+              <a:defRPr sz="2400" kern="1200">
+                <a:solidFill>
+                  <a:schemeClr val="tx1"/>
+                </a:solidFill>
+                <a:latin typeface="+mn-lt"/>
+                <a:ea typeface="+mn-ea"/>
+                <a:cs typeface="+mn-cs"/>
+              </a:defRPr>
+            </a:lvl3pPr>
+            <a:lvl4pPr marL="1600200" indent="-228600" algn="l" defTabSz="457200" rtl="0" eaLnBrk="1" latinLnBrk="0" hangingPunct="1">
+              <a:spcBef>
+                <a:spcPct val="20000"/>
+              </a:spcBef>
+              <a:buFont typeface="Arial"/>
+              <a:buChar char="–"/>
+              <a:defRPr sz="2000" kern="1200">
+                <a:solidFill>
+                  <a:schemeClr val="tx1"/>
+                </a:solidFill>
+                <a:latin typeface="+mn-lt"/>
+                <a:ea typeface="+mn-ea"/>
+                <a:cs typeface="+mn-cs"/>
+              </a:defRPr>
+            </a:lvl4pPr>
+            <a:lvl5pPr marL="2057400" indent="-228600" algn="l" defTabSz="457200" rtl="0" eaLnBrk="1" latinLnBrk="0" hangingPunct="1">
+              <a:spcBef>
+                <a:spcPct val="20000"/>
+              </a:spcBef>
+              <a:buFont typeface="Arial"/>
+              <a:buChar char="»"/>
+              <a:defRPr sz="2000" kern="1200">
+                <a:solidFill>
+                  <a:schemeClr val="tx1"/>
+                </a:solidFill>
+                <a:latin typeface="+mn-lt"/>
+                <a:ea typeface="+mn-ea"/>
+                <a:cs typeface="+mn-cs"/>
+              </a:defRPr>
+            </a:lvl5pPr>
+            <a:lvl6pPr marL="2514600" indent="-228600" algn="l" defTabSz="457200" rtl="0" eaLnBrk="1" latinLnBrk="0" hangingPunct="1">
+              <a:spcBef>
+                <a:spcPct val="20000"/>
+              </a:spcBef>
+              <a:buFont typeface="Arial"/>
+              <a:buChar char="•"/>
+              <a:defRPr sz="2000" kern="1200">
+                <a:solidFill>
+                  <a:schemeClr val="tx1"/>
+                </a:solidFill>
+                <a:latin typeface="+mn-lt"/>
+                <a:ea typeface="+mn-ea"/>
+                <a:cs typeface="+mn-cs"/>
+              </a:defRPr>
+            </a:lvl6pPr>
+            <a:lvl7pPr marL="2971800" indent="-228600" algn="l" defTabSz="457200" rtl="0" eaLnBrk="1" latinLnBrk="0" hangingPunct="1">
+              <a:spcBef>
+                <a:spcPct val="20000"/>
+              </a:spcBef>
+              <a:buFont typeface="Arial"/>
+              <a:buChar char="•"/>
+              <a:defRPr sz="2000" kern="1200">
+                <a:solidFill>
+                  <a:schemeClr val="tx1"/>
+                </a:solidFill>
+                <a:latin typeface="+mn-lt"/>
+                <a:ea typeface="+mn-ea"/>
+                <a:cs typeface="+mn-cs"/>
+              </a:defRPr>
+            </a:lvl7pPr>
+            <a:lvl8pPr marL="3429000" indent="-228600" algn="l" defTabSz="457200" rtl="0" eaLnBrk="1" latinLnBrk="0" hangingPunct="1">
+              <a:spcBef>
+                <a:spcPct val="20000"/>
+              </a:spcBef>
+              <a:buFont typeface="Arial"/>
+              <a:buChar char="•"/>
+              <a:defRPr sz="2000" kern="1200">
+                <a:solidFill>
+                  <a:schemeClr val="tx1"/>
+                </a:solidFill>
+                <a:latin typeface="+mn-lt"/>
+                <a:ea typeface="+mn-ea"/>
+                <a:cs typeface="+mn-cs"/>
+              </a:defRPr>
+            </a:lvl8pPr>
+            <a:lvl9pPr marL="3886200" indent="-228600" algn="l" defTabSz="457200" rtl="0" eaLnBrk="1" latinLnBrk="0" hangingPunct="1">
+              <a:spcBef>
+                <a:spcPct val="20000"/>
+              </a:spcBef>
+              <a:buFont typeface="Arial"/>
+              <a:buChar char="•"/>
+              <a:defRPr sz="2000" kern="1200">
+                <a:solidFill>
+                  <a:schemeClr val="tx1"/>
+                </a:solidFill>
+                <a:latin typeface="+mn-lt"/>
+                <a:ea typeface="+mn-ea"/>
+                <a:cs typeface="+mn-cs"/>
+              </a:defRPr>
+            </a:lvl9pPr>
+          </a:lstStyle>
+          <a:p>
+            <a:pPr marL="0" indent="0">
+              <a:buNone/>
+            </a:pPr>
+            <a:r>
+              <a:rPr lang="en-US" dirty="0"/>
+              <a:t>Intelligent collaboration for the Enterprise</a:t>
+            </a:r>
+          </a:p>
+        </p:txBody>
+      </p:sp>
+      <p:pic>
+        <p:nvPicPr>
+          <p:cNvPr id="5" name="Picture 4" descr="huddle-logo-300dpi-1000px.jpg"/>
+          <p:cNvPicPr>
+            <a:picLocks noChangeAspect="1"/>
+          </p:cNvPicPr>
+          <p:nvPr/>
+        </p:nvPicPr>
+        <p:blipFill>
+          <a:blip r:embed="rId3" cstate="print">
+            <a:extLst>
+              <a:ext uri="{28A0092B-C50C-407E-A947-70E740481C1C}">
+                <a14:useLocalDpi xmlns:a14="http://schemas.microsoft.com/office/drawing/2010/main" val="0"/>
+              </a:ext>
+            </a:extLst>
+          </a:blip>
+          <a:stretch>
+            <a:fillRect/>
+          </a:stretch>
+        </p:blipFill>
+        <p:spPr>
+          <a:xfrm>
+            <a:off x="4399777" y="698445"/>
+            <a:ext cx="3048000" cy="1347216"/>
+          </a:xfrm>
+          <a:prstGeom prst="rect">
+            <a:avLst/>
+          </a:prstGeom>
+        </p:spPr>
+      </p:pic>
+    </p:spTree>
+    <p:extLst>
+      <p:ext uri="{BB962C8B-B14F-4D97-AF65-F5344CB8AC3E}">
+        <p14:creationId xmlns:p14="http://schemas.microsoft.com/office/powerpoint/2010/main" val="1236087574"/>
+      </p:ext>
+    </p:extLst>
+  </p:cSld>
+  <p:clrMapOvr>
+    <a:masterClrMapping/>
+  </p:clrMapOvr>
+  <p:timing>
+    <p:tnLst>
+      <p:par>
+        <p:cTn id="1" dur="indefinite" restart="never" nodeType="tmRoot"/>
+      </p:par>
+    </p:tnLst>
+  </p:timing>
+</p:sld>
+</file>
+
+<file path=ppt/slides/slide30.xml><?xml version="1.0" encoding="utf-8"?>
 <p:sld xmlns:a="http://schemas.openxmlformats.org/drawingml/2006/main" xmlns:r="http://schemas.openxmlformats.org/officeDocument/2006/relationships" xmlns:p="http://schemas.openxmlformats.org/presentationml/2006/main">
   <p:cSld>
     <p:spTree>
@@ -10237,7 +12184,7 @@
 </p:sld>
 </file>
 
-<file path=ppt/slides/slide27.xml><?xml version="1.0" encoding="utf-8"?>
+<file path=ppt/slides/slide31.xml><?xml version="1.0" encoding="utf-8"?>
 <p:sld xmlns:a="http://schemas.openxmlformats.org/drawingml/2006/main" xmlns:r="http://schemas.openxmlformats.org/officeDocument/2006/relationships" xmlns:p="http://schemas.openxmlformats.org/presentationml/2006/main">
   <p:cSld>
     <p:spTree>
@@ -10444,7 +12391,6 @@
               <a:rPr lang="en-US" sz="2400" dirty="0"/>
               <a:t>background tasks by a worker process</a:t>
             </a:r>
-            <a:endParaRPr lang="en-US" sz="2400" dirty="0"/>
           </a:p>
         </p:txBody>
       </p:sp>
@@ -10681,7 +12627,7 @@
 </p:sld>
 </file>
 
-<file path=ppt/slides/slide28.xml><?xml version="1.0" encoding="utf-8"?>
+<file path=ppt/slides/slide32.xml><?xml version="1.0" encoding="utf-8"?>
 <p:sld xmlns:a="http://schemas.openxmlformats.org/drawingml/2006/main" xmlns:r="http://schemas.openxmlformats.org/officeDocument/2006/relationships" xmlns:p="http://schemas.openxmlformats.org/presentationml/2006/main">
   <p:cSld>
     <p:spTree>
@@ -10795,7 +12741,7 @@
 </p:sld>
 </file>
 
-<file path=ppt/slides/slide29.xml><?xml version="1.0" encoding="utf-8"?>
+<file path=ppt/slides/slide33.xml><?xml version="1.0" encoding="utf-8"?>
 <p:sld xmlns:a="http://schemas.openxmlformats.org/drawingml/2006/main" xmlns:r="http://schemas.openxmlformats.org/officeDocument/2006/relationships" xmlns:p="http://schemas.openxmlformats.org/presentationml/2006/main">
   <p:cSld>
     <p:spTree>
@@ -11250,243 +13196,7 @@
 </p:sld>
 </file>
 
-<file path=ppt/slides/slide3.xml><?xml version="1.0" encoding="utf-8"?>
-<p:sld xmlns:a="http://schemas.openxmlformats.org/drawingml/2006/main" xmlns:r="http://schemas.openxmlformats.org/officeDocument/2006/relationships" xmlns:p="http://schemas.openxmlformats.org/presentationml/2006/main">
-  <p:cSld>
-    <p:spTree>
-      <p:nvGrpSpPr>
-        <p:cNvPr id="1" name=""/>
-        <p:cNvGrpSpPr/>
-        <p:nvPr/>
-      </p:nvGrpSpPr>
-      <p:grpSpPr>
-        <a:xfrm>
-          <a:off x="0" y="0"/>
-          <a:ext cx="0" cy="0"/>
-          <a:chOff x="0" y="0"/>
-          <a:chExt cx="0" cy="0"/>
-        </a:xfrm>
-      </p:grpSpPr>
-      <p:sp>
-        <p:nvSpPr>
-          <p:cNvPr id="4" name="Content Placeholder 2"/>
-          <p:cNvSpPr txBox="1">
-            <a:spLocks/>
-          </p:cNvSpPr>
-          <p:nvPr/>
-        </p:nvSpPr>
-        <p:spPr>
-          <a:xfrm>
-            <a:off x="2470697" y="3518802"/>
-            <a:ext cx="7502762" cy="824598"/>
-          </a:xfrm>
-          <a:prstGeom prst="rect">
-            <a:avLst/>
-          </a:prstGeom>
-        </p:spPr>
-        <p:txBody>
-          <a:bodyPr vert="horz" lIns="91440" tIns="45720" rIns="91440" bIns="45720" rtlCol="0">
-            <a:normAutofit/>
-          </a:bodyPr>
-          <a:lstStyle>
-            <a:lvl1pPr marL="342900" indent="-342900" algn="l" defTabSz="457200" rtl="0" eaLnBrk="1" latinLnBrk="0" hangingPunct="1">
-              <a:spcBef>
-                <a:spcPct val="20000"/>
-              </a:spcBef>
-              <a:buFont typeface="Arial"/>
-              <a:buChar char="•"/>
-              <a:defRPr sz="3200" kern="1200">
-                <a:solidFill>
-                  <a:schemeClr val="tx1"/>
-                </a:solidFill>
-                <a:latin typeface="+mn-lt"/>
-                <a:ea typeface="+mn-ea"/>
-                <a:cs typeface="+mn-cs"/>
-              </a:defRPr>
-            </a:lvl1pPr>
-            <a:lvl2pPr marL="742950" indent="-285750" algn="l" defTabSz="457200" rtl="0" eaLnBrk="1" latinLnBrk="0" hangingPunct="1">
-              <a:spcBef>
-                <a:spcPct val="20000"/>
-              </a:spcBef>
-              <a:buFont typeface="Arial"/>
-              <a:buChar char="–"/>
-              <a:defRPr sz="2800" kern="1200">
-                <a:solidFill>
-                  <a:schemeClr val="tx1"/>
-                </a:solidFill>
-                <a:latin typeface="+mn-lt"/>
-                <a:ea typeface="+mn-ea"/>
-                <a:cs typeface="+mn-cs"/>
-              </a:defRPr>
-            </a:lvl2pPr>
-            <a:lvl3pPr marL="1143000" indent="-228600" algn="l" defTabSz="457200" rtl="0" eaLnBrk="1" latinLnBrk="0" hangingPunct="1">
-              <a:spcBef>
-                <a:spcPct val="20000"/>
-              </a:spcBef>
-              <a:buFont typeface="Arial"/>
-              <a:buChar char="•"/>
-              <a:defRPr sz="2400" kern="1200">
-                <a:solidFill>
-                  <a:schemeClr val="tx1"/>
-                </a:solidFill>
-                <a:latin typeface="+mn-lt"/>
-                <a:ea typeface="+mn-ea"/>
-                <a:cs typeface="+mn-cs"/>
-              </a:defRPr>
-            </a:lvl3pPr>
-            <a:lvl4pPr marL="1600200" indent="-228600" algn="l" defTabSz="457200" rtl="0" eaLnBrk="1" latinLnBrk="0" hangingPunct="1">
-              <a:spcBef>
-                <a:spcPct val="20000"/>
-              </a:spcBef>
-              <a:buFont typeface="Arial"/>
-              <a:buChar char="–"/>
-              <a:defRPr sz="2000" kern="1200">
-                <a:solidFill>
-                  <a:schemeClr val="tx1"/>
-                </a:solidFill>
-                <a:latin typeface="+mn-lt"/>
-                <a:ea typeface="+mn-ea"/>
-                <a:cs typeface="+mn-cs"/>
-              </a:defRPr>
-            </a:lvl4pPr>
-            <a:lvl5pPr marL="2057400" indent="-228600" algn="l" defTabSz="457200" rtl="0" eaLnBrk="1" latinLnBrk="0" hangingPunct="1">
-              <a:spcBef>
-                <a:spcPct val="20000"/>
-              </a:spcBef>
-              <a:buFont typeface="Arial"/>
-              <a:buChar char="»"/>
-              <a:defRPr sz="2000" kern="1200">
-                <a:solidFill>
-                  <a:schemeClr val="tx1"/>
-                </a:solidFill>
-                <a:latin typeface="+mn-lt"/>
-                <a:ea typeface="+mn-ea"/>
-                <a:cs typeface="+mn-cs"/>
-              </a:defRPr>
-            </a:lvl5pPr>
-            <a:lvl6pPr marL="2514600" indent="-228600" algn="l" defTabSz="457200" rtl="0" eaLnBrk="1" latinLnBrk="0" hangingPunct="1">
-              <a:spcBef>
-                <a:spcPct val="20000"/>
-              </a:spcBef>
-              <a:buFont typeface="Arial"/>
-              <a:buChar char="•"/>
-              <a:defRPr sz="2000" kern="1200">
-                <a:solidFill>
-                  <a:schemeClr val="tx1"/>
-                </a:solidFill>
-                <a:latin typeface="+mn-lt"/>
-                <a:ea typeface="+mn-ea"/>
-                <a:cs typeface="+mn-cs"/>
-              </a:defRPr>
-            </a:lvl6pPr>
-            <a:lvl7pPr marL="2971800" indent="-228600" algn="l" defTabSz="457200" rtl="0" eaLnBrk="1" latinLnBrk="0" hangingPunct="1">
-              <a:spcBef>
-                <a:spcPct val="20000"/>
-              </a:spcBef>
-              <a:buFont typeface="Arial"/>
-              <a:buChar char="•"/>
-              <a:defRPr sz="2000" kern="1200">
-                <a:solidFill>
-                  <a:schemeClr val="tx1"/>
-                </a:solidFill>
-                <a:latin typeface="+mn-lt"/>
-                <a:ea typeface="+mn-ea"/>
-                <a:cs typeface="+mn-cs"/>
-              </a:defRPr>
-            </a:lvl7pPr>
-            <a:lvl8pPr marL="3429000" indent="-228600" algn="l" defTabSz="457200" rtl="0" eaLnBrk="1" latinLnBrk="0" hangingPunct="1">
-              <a:spcBef>
-                <a:spcPct val="20000"/>
-              </a:spcBef>
-              <a:buFont typeface="Arial"/>
-              <a:buChar char="•"/>
-              <a:defRPr sz="2000" kern="1200">
-                <a:solidFill>
-                  <a:schemeClr val="tx1"/>
-                </a:solidFill>
-                <a:latin typeface="+mn-lt"/>
-                <a:ea typeface="+mn-ea"/>
-                <a:cs typeface="+mn-cs"/>
-              </a:defRPr>
-            </a:lvl8pPr>
-            <a:lvl9pPr marL="3886200" indent="-228600" algn="l" defTabSz="457200" rtl="0" eaLnBrk="1" latinLnBrk="0" hangingPunct="1">
-              <a:spcBef>
-                <a:spcPct val="20000"/>
-              </a:spcBef>
-              <a:buFont typeface="Arial"/>
-              <a:buChar char="•"/>
-              <a:defRPr sz="2000" kern="1200">
-                <a:solidFill>
-                  <a:schemeClr val="tx1"/>
-                </a:solidFill>
-                <a:latin typeface="+mn-lt"/>
-                <a:ea typeface="+mn-ea"/>
-                <a:cs typeface="+mn-cs"/>
-              </a:defRPr>
-            </a:lvl9pPr>
-          </a:lstStyle>
-          <a:p>
-            <a:pPr marL="0" indent="0">
-              <a:buNone/>
-            </a:pPr>
-            <a:r>
-              <a:rPr lang="en-US" dirty="0"/>
-              <a:t>Intelligent collaboration for the Enterprise</a:t>
-            </a:r>
-          </a:p>
-        </p:txBody>
-      </p:sp>
-      <p:pic>
-        <p:nvPicPr>
-          <p:cNvPr id="5" name="Picture 4" descr="huddle-logo-300dpi-1000px.jpg"/>
-          <p:cNvPicPr>
-            <a:picLocks noChangeAspect="1"/>
-          </p:cNvPicPr>
-          <p:nvPr/>
-        </p:nvPicPr>
-        <p:blipFill>
-          <a:blip r:embed="rId3" cstate="print">
-            <a:extLst>
-              <a:ext uri="{28A0092B-C50C-407E-A947-70E740481C1C}">
-                <a14:useLocalDpi xmlns:a14="http://schemas.microsoft.com/office/drawing/2010/main" val="0"/>
-              </a:ext>
-            </a:extLst>
-          </a:blip>
-          <a:stretch>
-            <a:fillRect/>
-          </a:stretch>
-        </p:blipFill>
-        <p:spPr>
-          <a:xfrm>
-            <a:off x="4399777" y="698445"/>
-            <a:ext cx="3048000" cy="1347216"/>
-          </a:xfrm>
-          <a:prstGeom prst="rect">
-            <a:avLst/>
-          </a:prstGeom>
-        </p:spPr>
-      </p:pic>
-    </p:spTree>
-    <p:extLst>
-      <p:ext uri="{BB962C8B-B14F-4D97-AF65-F5344CB8AC3E}">
-        <p14:creationId xmlns:p14="http://schemas.microsoft.com/office/powerpoint/2010/main" val="1236087574"/>
-      </p:ext>
-    </p:extLst>
-  </p:cSld>
-  <p:clrMapOvr>
-    <a:masterClrMapping/>
-  </p:clrMapOvr>
-  <p:timing>
-    <p:tnLst>
-      <p:par>
-        <p:cTn id="1" dur="indefinite" restart="never" nodeType="tmRoot"/>
-      </p:par>
-    </p:tnLst>
-  </p:timing>
-</p:sld>
-</file>
-
-<file path=ppt/slides/slide30.xml><?xml version="1.0" encoding="utf-8"?>
+<file path=ppt/slides/slide34.xml><?xml version="1.0" encoding="utf-8"?>
 <p:sld xmlns:a="http://schemas.openxmlformats.org/drawingml/2006/main" xmlns:r="http://schemas.openxmlformats.org/officeDocument/2006/relationships" xmlns:p="http://schemas.openxmlformats.org/presentationml/2006/main" show="0">
   <p:cSld>
     <p:spTree>
@@ -11561,7 +13271,7 @@
 </p:sld>
 </file>
 
-<file path=ppt/slides/slide31.xml><?xml version="1.0" encoding="utf-8"?>
+<file path=ppt/slides/slide35.xml><?xml version="1.0" encoding="utf-8"?>
 <p:sld xmlns:a="http://schemas.openxmlformats.org/drawingml/2006/main" xmlns:r="http://schemas.openxmlformats.org/officeDocument/2006/relationships" xmlns:p="http://schemas.openxmlformats.org/presentationml/2006/main">
   <p:cSld>
     <p:spTree>
@@ -11628,7 +13338,7 @@
 </p:sld>
 </file>
 
-<file path=ppt/slides/slide32.xml><?xml version="1.0" encoding="utf-8"?>
+<file path=ppt/slides/slide36.xml><?xml version="1.0" encoding="utf-8"?>
 <p:sld xmlns:a="http://schemas.openxmlformats.org/drawingml/2006/main" xmlns:r="http://schemas.openxmlformats.org/officeDocument/2006/relationships" xmlns:p="http://schemas.openxmlformats.org/presentationml/2006/main">
   <p:cSld>
     <p:spTree>
@@ -11957,7 +13667,7 @@
 </p:sld>
 </file>
 
-<file path=ppt/slides/slide33.xml><?xml version="1.0" encoding="utf-8"?>
+<file path=ppt/slides/slide37.xml><?xml version="1.0" encoding="utf-8"?>
 <p:sld xmlns:a="http://schemas.openxmlformats.org/drawingml/2006/main" xmlns:r="http://schemas.openxmlformats.org/officeDocument/2006/relationships" xmlns:p="http://schemas.openxmlformats.org/presentationml/2006/main">
   <p:cSld>
     <p:spTree>
@@ -12356,7 +14066,7 @@
 </p:sld>
 </file>
 
-<file path=ppt/slides/slide34.xml><?xml version="1.0" encoding="utf-8"?>
+<file path=ppt/slides/slide38.xml><?xml version="1.0" encoding="utf-8"?>
 <p:sld xmlns:a="http://schemas.openxmlformats.org/drawingml/2006/main" xmlns:r="http://schemas.openxmlformats.org/officeDocument/2006/relationships" xmlns:p="http://schemas.openxmlformats.org/presentationml/2006/main">
   <p:cSld>
     <p:spTree>
@@ -12470,7 +14180,7 @@
 </p:sld>
 </file>
 
-<file path=ppt/slides/slide35.xml><?xml version="1.0" encoding="utf-8"?>
+<file path=ppt/slides/slide39.xml><?xml version="1.0" encoding="utf-8"?>
 <p:sld xmlns:a="http://schemas.openxmlformats.org/drawingml/2006/main" xmlns:r="http://schemas.openxmlformats.org/officeDocument/2006/relationships" xmlns:p="http://schemas.openxmlformats.org/presentationml/2006/main" show="0">
   <p:cSld>
     <p:spTree>
@@ -12545,7 +14255,138 @@
 </p:sld>
 </file>
 
-<file path=ppt/slides/slide36.xml><?xml version="1.0" encoding="utf-8"?>
+<file path=ppt/slides/slide4.xml><?xml version="1.0" encoding="utf-8"?>
+<p:sld xmlns:a="http://schemas.openxmlformats.org/drawingml/2006/main" xmlns:r="http://schemas.openxmlformats.org/officeDocument/2006/relationships" xmlns:p="http://schemas.openxmlformats.org/presentationml/2006/main">
+  <p:cSld>
+    <p:spTree>
+      <p:nvGrpSpPr>
+        <p:cNvPr id="1" name=""/>
+        <p:cNvGrpSpPr/>
+        <p:nvPr/>
+      </p:nvGrpSpPr>
+      <p:grpSpPr>
+        <a:xfrm>
+          <a:off x="0" y="0"/>
+          <a:ext cx="0" cy="0"/>
+          <a:chOff x="0" y="0"/>
+          <a:chExt cx="0" cy="0"/>
+        </a:xfrm>
+      </p:grpSpPr>
+      <p:sp>
+        <p:nvSpPr>
+          <p:cNvPr id="2" name="Title 1"/>
+          <p:cNvSpPr>
+            <a:spLocks noGrp="1"/>
+          </p:cNvSpPr>
+          <p:nvPr>
+            <p:ph type="title"/>
+          </p:nvPr>
+        </p:nvSpPr>
+        <p:spPr/>
+        <p:txBody>
+          <a:bodyPr/>
+          <a:lstStyle/>
+          <a:p>
+            <a:r>
+              <a:rPr lang="en-US" dirty="0"/>
+              <a:t>Agenda</a:t>
+            </a:r>
+          </a:p>
+        </p:txBody>
+      </p:sp>
+      <p:sp>
+        <p:nvSpPr>
+          <p:cNvPr id="3" name="Content Placeholder 2"/>
+          <p:cNvSpPr>
+            <a:spLocks noGrp="1"/>
+          </p:cNvSpPr>
+          <p:nvPr>
+            <p:ph idx="1"/>
+          </p:nvPr>
+        </p:nvSpPr>
+        <p:spPr>
+          <a:xfrm>
+            <a:off x="838201" y="2157731"/>
+            <a:ext cx="4454236" cy="3248457"/>
+          </a:xfrm>
+        </p:spPr>
+        <p:txBody>
+          <a:bodyPr>
+            <a:normAutofit/>
+          </a:bodyPr>
+          <a:lstStyle/>
+          <a:p>
+            <a:pPr lvl="1"/>
+            <a:r>
+              <a:rPr lang="en-US" dirty="0"/>
+              <a:t>Context</a:t>
+            </a:r>
+          </a:p>
+          <a:p>
+            <a:pPr lvl="1"/>
+            <a:r>
+              <a:rPr lang="en-US" dirty="0"/>
+              <a:t>Origins</a:t>
+            </a:r>
+          </a:p>
+          <a:p>
+            <a:pPr lvl="1"/>
+            <a:r>
+              <a:rPr lang="en-US" dirty="0"/>
+              <a:t>Goals</a:t>
+            </a:r>
+          </a:p>
+          <a:p>
+            <a:pPr lvl="1"/>
+            <a:r>
+              <a:rPr lang="en-US" dirty="0"/>
+              <a:t>The 12 Factors</a:t>
+            </a:r>
+          </a:p>
+          <a:p>
+            <a:pPr lvl="1"/>
+            <a:r>
+              <a:rPr lang="en-US" dirty="0"/>
+              <a:t>Design</a:t>
+            </a:r>
+          </a:p>
+          <a:p>
+            <a:pPr lvl="1"/>
+            <a:r>
+              <a:rPr lang="en-US" dirty="0"/>
+              <a:t>Build and Release</a:t>
+            </a:r>
+          </a:p>
+          <a:p>
+            <a:pPr lvl="1"/>
+            <a:r>
+              <a:rPr lang="en-US" dirty="0"/>
+              <a:t>Manage</a:t>
+            </a:r>
+          </a:p>
+        </p:txBody>
+      </p:sp>
+    </p:spTree>
+    <p:extLst>
+      <p:ext uri="{BB962C8B-B14F-4D97-AF65-F5344CB8AC3E}">
+        <p14:creationId xmlns:p14="http://schemas.microsoft.com/office/powerpoint/2010/main" val="934611351"/>
+      </p:ext>
+    </p:extLst>
+  </p:cSld>
+  <p:clrMapOvr>
+    <a:masterClrMapping/>
+  </p:clrMapOvr>
+  <p:timing>
+    <p:tnLst>
+      <p:par>
+        <p:cTn id="1" dur="indefinite" restart="never" nodeType="tmRoot"/>
+      </p:par>
+    </p:tnLst>
+  </p:timing>
+</p:sld>
+</file>
+
+<file path=ppt/slides/slide40.xml><?xml version="1.0" encoding="utf-8"?>
 <p:sld xmlns:a="http://schemas.openxmlformats.org/drawingml/2006/main" xmlns:r="http://schemas.openxmlformats.org/officeDocument/2006/relationships" xmlns:p="http://schemas.openxmlformats.org/presentationml/2006/main">
   <p:cSld>
     <p:spTree>
@@ -12612,7 +14453,7 @@
 </p:sld>
 </file>
 
-<file path=ppt/slides/slide37.xml><?xml version="1.0" encoding="utf-8"?>
+<file path=ppt/slides/slide41.xml><?xml version="1.0" encoding="utf-8"?>
 <p:sld xmlns:a="http://schemas.openxmlformats.org/drawingml/2006/main" xmlns:r="http://schemas.openxmlformats.org/officeDocument/2006/relationships" xmlns:p="http://schemas.openxmlformats.org/presentationml/2006/main">
   <p:cSld>
     <p:spTree>
@@ -12693,7 +14534,7 @@
 </p:sld>
 </file>
 
-<file path=ppt/slides/slide38.xml><?xml version="1.0" encoding="utf-8"?>
+<file path=ppt/slides/slide42.xml><?xml version="1.0" encoding="utf-8"?>
 <p:sld xmlns:a="http://schemas.openxmlformats.org/drawingml/2006/main" xmlns:r="http://schemas.openxmlformats.org/officeDocument/2006/relationships" xmlns:p="http://schemas.openxmlformats.org/presentationml/2006/main">
   <p:cSld>
     <p:spTree>
@@ -13103,805 +14944,6 @@
 </p:sld>
 </file>
 
-<file path=ppt/slides/slide39.xml><?xml version="1.0" encoding="utf-8"?>
-<p:sld xmlns:a="http://schemas.openxmlformats.org/drawingml/2006/main" xmlns:r="http://schemas.openxmlformats.org/officeDocument/2006/relationships" xmlns:p="http://schemas.openxmlformats.org/presentationml/2006/main">
-  <p:cSld>
-    <p:spTree>
-      <p:nvGrpSpPr>
-        <p:cNvPr id="1" name=""/>
-        <p:cNvGrpSpPr/>
-        <p:nvPr/>
-      </p:nvGrpSpPr>
-      <p:grpSpPr>
-        <a:xfrm>
-          <a:off x="0" y="0"/>
-          <a:ext cx="0" cy="0"/>
-          <a:chOff x="0" y="0"/>
-          <a:chExt cx="0" cy="0"/>
-        </a:xfrm>
-      </p:grpSpPr>
-      <p:sp>
-        <p:nvSpPr>
-          <p:cNvPr id="2" name="TextBox 1"/>
-          <p:cNvSpPr txBox="1"/>
-          <p:nvPr/>
-        </p:nvSpPr>
-        <p:spPr>
-          <a:xfrm>
-            <a:off x="2197395" y="2934586"/>
-            <a:ext cx="7868094" cy="769441"/>
-          </a:xfrm>
-          <a:prstGeom prst="rect">
-            <a:avLst/>
-          </a:prstGeom>
-          <a:noFill/>
-        </p:spPr>
-        <p:txBody>
-          <a:bodyPr wrap="square" rtlCol="0">
-            <a:spAutoFit/>
-          </a:bodyPr>
-          <a:lstStyle/>
-          <a:p>
-            <a:r>
-              <a:rPr lang="en-GB" sz="4400" dirty="0"/>
-              <a:t>Demo Prep 1: Pulling the Code</a:t>
-            </a:r>
-          </a:p>
-        </p:txBody>
-      </p:sp>
-    </p:spTree>
-    <p:extLst>
-      <p:ext uri="{BB962C8B-B14F-4D97-AF65-F5344CB8AC3E}">
-        <p14:creationId xmlns:p14="http://schemas.microsoft.com/office/powerpoint/2010/main" val="3217226393"/>
-      </p:ext>
-    </p:extLst>
-  </p:cSld>
-  <p:clrMapOvr>
-    <a:masterClrMapping/>
-  </p:clrMapOvr>
-  <p:timing>
-    <p:tnLst>
-      <p:par>
-        <p:cTn id="1" dur="indefinite" restart="never" nodeType="tmRoot"/>
-      </p:par>
-    </p:tnLst>
-  </p:timing>
-</p:sld>
-</file>
-
-<file path=ppt/slides/slide4.xml><?xml version="1.0" encoding="utf-8"?>
-<p:sld xmlns:a="http://schemas.openxmlformats.org/drawingml/2006/main" xmlns:r="http://schemas.openxmlformats.org/officeDocument/2006/relationships" xmlns:p="http://schemas.openxmlformats.org/presentationml/2006/main">
-  <p:cSld>
-    <p:spTree>
-      <p:nvGrpSpPr>
-        <p:cNvPr id="1" name=""/>
-        <p:cNvGrpSpPr/>
-        <p:nvPr/>
-      </p:nvGrpSpPr>
-      <p:grpSpPr>
-        <a:xfrm>
-          <a:off x="0" y="0"/>
-          <a:ext cx="0" cy="0"/>
-          <a:chOff x="0" y="0"/>
-          <a:chExt cx="0" cy="0"/>
-        </a:xfrm>
-      </p:grpSpPr>
-      <p:sp>
-        <p:nvSpPr>
-          <p:cNvPr id="2" name="Title 1"/>
-          <p:cNvSpPr>
-            <a:spLocks noGrp="1"/>
-          </p:cNvSpPr>
-          <p:nvPr>
-            <p:ph type="title"/>
-          </p:nvPr>
-        </p:nvSpPr>
-        <p:spPr/>
-        <p:txBody>
-          <a:bodyPr/>
-          <a:lstStyle/>
-          <a:p>
-            <a:r>
-              <a:rPr lang="en-US" dirty="0"/>
-              <a:t>Agenda</a:t>
-            </a:r>
-          </a:p>
-        </p:txBody>
-      </p:sp>
-      <p:sp>
-        <p:nvSpPr>
-          <p:cNvPr id="3" name="Content Placeholder 2"/>
-          <p:cNvSpPr>
-            <a:spLocks noGrp="1"/>
-          </p:cNvSpPr>
-          <p:nvPr>
-            <p:ph idx="1"/>
-          </p:nvPr>
-        </p:nvSpPr>
-        <p:spPr>
-          <a:xfrm>
-            <a:off x="838201" y="2157731"/>
-            <a:ext cx="4454236" cy="3248457"/>
-          </a:xfrm>
-        </p:spPr>
-        <p:txBody>
-          <a:bodyPr>
-            <a:normAutofit/>
-          </a:bodyPr>
-          <a:lstStyle/>
-          <a:p>
-            <a:pPr lvl="1"/>
-            <a:r>
-              <a:rPr lang="en-US" dirty="0"/>
-              <a:t>Context</a:t>
-            </a:r>
-          </a:p>
-          <a:p>
-            <a:pPr lvl="1"/>
-            <a:r>
-              <a:rPr lang="en-US" dirty="0"/>
-              <a:t>Origins</a:t>
-            </a:r>
-          </a:p>
-          <a:p>
-            <a:pPr lvl="1"/>
-            <a:r>
-              <a:rPr lang="en-US" dirty="0"/>
-              <a:t>Goals</a:t>
-            </a:r>
-          </a:p>
-          <a:p>
-            <a:pPr lvl="1"/>
-            <a:r>
-              <a:rPr lang="en-US" dirty="0"/>
-              <a:t>The 12 Factors</a:t>
-            </a:r>
-          </a:p>
-          <a:p>
-            <a:pPr lvl="1"/>
-            <a:r>
-              <a:rPr lang="en-US" dirty="0"/>
-              <a:t>Design</a:t>
-            </a:r>
-          </a:p>
-          <a:p>
-            <a:pPr lvl="1"/>
-            <a:r>
-              <a:rPr lang="en-US" dirty="0"/>
-              <a:t>Build and Release</a:t>
-            </a:r>
-          </a:p>
-          <a:p>
-            <a:pPr lvl="1"/>
-            <a:r>
-              <a:rPr lang="en-US" dirty="0"/>
-              <a:t>Manage</a:t>
-            </a:r>
-          </a:p>
-        </p:txBody>
-      </p:sp>
-    </p:spTree>
-    <p:extLst>
-      <p:ext uri="{BB962C8B-B14F-4D97-AF65-F5344CB8AC3E}">
-        <p14:creationId xmlns:p14="http://schemas.microsoft.com/office/powerpoint/2010/main" val="934611351"/>
-      </p:ext>
-    </p:extLst>
-  </p:cSld>
-  <p:clrMapOvr>
-    <a:masterClrMapping/>
-  </p:clrMapOvr>
-  <p:timing>
-    <p:tnLst>
-      <p:par>
-        <p:cTn id="1" dur="indefinite" restart="never" nodeType="tmRoot"/>
-      </p:par>
-    </p:tnLst>
-  </p:timing>
-</p:sld>
-</file>
-
-<file path=ppt/slides/slide40.xml><?xml version="1.0" encoding="utf-8"?>
-<p:sld xmlns:a="http://schemas.openxmlformats.org/drawingml/2006/main" xmlns:r="http://schemas.openxmlformats.org/officeDocument/2006/relationships" xmlns:p="http://schemas.openxmlformats.org/presentationml/2006/main">
-  <p:cSld>
-    <p:spTree>
-      <p:nvGrpSpPr>
-        <p:cNvPr id="1" name=""/>
-        <p:cNvGrpSpPr/>
-        <p:nvPr/>
-      </p:nvGrpSpPr>
-      <p:grpSpPr>
-        <a:xfrm>
-          <a:off x="0" y="0"/>
-          <a:ext cx="0" cy="0"/>
-          <a:chOff x="0" y="0"/>
-          <a:chExt cx="0" cy="0"/>
-        </a:xfrm>
-      </p:grpSpPr>
-      <p:sp>
-        <p:nvSpPr>
-          <p:cNvPr id="2" name="TextBox 1"/>
-          <p:cNvSpPr txBox="1"/>
-          <p:nvPr/>
-        </p:nvSpPr>
-        <p:spPr>
-          <a:xfrm>
-            <a:off x="636814" y="3019643"/>
-            <a:ext cx="10842172" cy="830997"/>
-          </a:xfrm>
-          <a:prstGeom prst="rect">
-            <a:avLst/>
-          </a:prstGeom>
-          <a:noFill/>
-        </p:spPr>
-        <p:txBody>
-          <a:bodyPr wrap="square" rtlCol="0">
-            <a:spAutoFit/>
-          </a:bodyPr>
-          <a:lstStyle/>
-          <a:p>
-            <a:pPr algn="ctr"/>
-            <a:r>
-              <a:rPr lang="en-US" sz="4800" dirty="0"/>
-              <a:t>Dependencies</a:t>
-            </a:r>
-          </a:p>
-        </p:txBody>
-      </p:sp>
-    </p:spTree>
-    <p:extLst>
-      <p:ext uri="{BB962C8B-B14F-4D97-AF65-F5344CB8AC3E}">
-        <p14:creationId xmlns:p14="http://schemas.microsoft.com/office/powerpoint/2010/main" val="347921420"/>
-      </p:ext>
-    </p:extLst>
-  </p:cSld>
-  <p:clrMapOvr>
-    <a:masterClrMapping/>
-  </p:clrMapOvr>
-  <p:timing>
-    <p:tnLst>
-      <p:par>
-        <p:cTn id="1" dur="indefinite" restart="never" nodeType="tmRoot"/>
-      </p:par>
-    </p:tnLst>
-  </p:timing>
-</p:sld>
-</file>
-
-<file path=ppt/slides/slide41.xml><?xml version="1.0" encoding="utf-8"?>
-<p:sld xmlns:a="http://schemas.openxmlformats.org/drawingml/2006/main" xmlns:r="http://schemas.openxmlformats.org/officeDocument/2006/relationships" xmlns:p="http://schemas.openxmlformats.org/presentationml/2006/main">
-  <p:cSld>
-    <p:spTree>
-      <p:nvGrpSpPr>
-        <p:cNvPr id="1" name=""/>
-        <p:cNvGrpSpPr/>
-        <p:nvPr/>
-      </p:nvGrpSpPr>
-      <p:grpSpPr>
-        <a:xfrm>
-          <a:off x="0" y="0"/>
-          <a:ext cx="0" cy="0"/>
-          <a:chOff x="0" y="0"/>
-          <a:chExt cx="0" cy="0"/>
-        </a:xfrm>
-      </p:grpSpPr>
-      <p:sp>
-        <p:nvSpPr>
-          <p:cNvPr id="2" name="TextBox 1"/>
-          <p:cNvSpPr txBox="1"/>
-          <p:nvPr/>
-        </p:nvSpPr>
-        <p:spPr>
-          <a:xfrm>
-            <a:off x="2209484" y="637099"/>
-            <a:ext cx="7999228" cy="861774"/>
-          </a:xfrm>
-          <a:prstGeom prst="rect">
-            <a:avLst/>
-          </a:prstGeom>
-          <a:noFill/>
-        </p:spPr>
-        <p:txBody>
-          <a:bodyPr wrap="square" rtlCol="0">
-            <a:spAutoFit/>
-          </a:bodyPr>
-          <a:lstStyle/>
-          <a:p>
-            <a:r>
-              <a:rPr lang="en-US" sz="3200" b="1" dirty="0"/>
-              <a:t>“Explicitly declare and isolate dependencies”</a:t>
-            </a:r>
-          </a:p>
-          <a:p>
-            <a:endParaRPr lang="en-US" dirty="0"/>
-          </a:p>
-        </p:txBody>
-      </p:sp>
-      <p:sp>
-        <p:nvSpPr>
-          <p:cNvPr id="3" name="TextBox 2"/>
-          <p:cNvSpPr txBox="1"/>
-          <p:nvPr/>
-        </p:nvSpPr>
-        <p:spPr>
-          <a:xfrm>
-            <a:off x="1391284" y="1695497"/>
-            <a:ext cx="10234976" cy="1200329"/>
-          </a:xfrm>
-          <a:prstGeom prst="rect">
-            <a:avLst/>
-          </a:prstGeom>
-          <a:noFill/>
-        </p:spPr>
-        <p:txBody>
-          <a:bodyPr wrap="square" rtlCol="0">
-            <a:spAutoFit/>
-          </a:bodyPr>
-          <a:lstStyle/>
-          <a:p>
-            <a:pPr algn="ctr"/>
-            <a:r>
-              <a:rPr lang="en-US" sz="2400" dirty="0"/>
-              <a:t>Requires the ecosystem to support a package manager</a:t>
-            </a:r>
-          </a:p>
-          <a:p>
-            <a:pPr algn="ctr"/>
-            <a:r>
-              <a:rPr lang="en-US" sz="2400" dirty="0"/>
-              <a:t>Requires the ability to isolate an app from other apps i.e. no shared dependencies</a:t>
-            </a:r>
-          </a:p>
-        </p:txBody>
-      </p:sp>
-      <p:sp>
-        <p:nvSpPr>
-          <p:cNvPr id="4" name="TextBox 3"/>
-          <p:cNvSpPr txBox="1"/>
-          <p:nvPr/>
-        </p:nvSpPr>
-        <p:spPr>
-          <a:xfrm>
-            <a:off x="1276984" y="5592185"/>
-            <a:ext cx="10234976" cy="461665"/>
-          </a:xfrm>
-          <a:prstGeom prst="rect">
-            <a:avLst/>
-          </a:prstGeom>
-          <a:noFill/>
-        </p:spPr>
-        <p:txBody>
-          <a:bodyPr wrap="square" rtlCol="0">
-            <a:spAutoFit/>
-          </a:bodyPr>
-          <a:lstStyle/>
-          <a:p>
-            <a:pPr algn="ctr"/>
-            <a:r>
-              <a:rPr lang="en-US" sz="2400" b="1" dirty="0" err="1"/>
-              <a:t>git</a:t>
-            </a:r>
-            <a:r>
-              <a:rPr lang="en-US" sz="2400" b="1" dirty="0"/>
-              <a:t> clone, </a:t>
-            </a:r>
-            <a:r>
-              <a:rPr lang="en-US" sz="2400" b="1" dirty="0" err="1"/>
-              <a:t>dotnet</a:t>
-            </a:r>
-            <a:r>
-              <a:rPr lang="en-US" sz="2400" dirty="0"/>
-              <a:t> </a:t>
-            </a:r>
-            <a:r>
-              <a:rPr lang="en-US" sz="2400" b="1" dirty="0"/>
-              <a:t>restore, </a:t>
-            </a:r>
-            <a:r>
-              <a:rPr lang="en-US" sz="2400" b="1" dirty="0" err="1"/>
-              <a:t>dotnet</a:t>
-            </a:r>
-            <a:r>
-              <a:rPr lang="en-US" sz="2400" b="1" dirty="0"/>
-              <a:t> build, </a:t>
-            </a:r>
-            <a:r>
-              <a:rPr lang="en-US" sz="2400" b="1" dirty="0" err="1"/>
-              <a:t>dotnet</a:t>
-            </a:r>
-            <a:r>
-              <a:rPr lang="en-US" sz="2400" b="1" dirty="0"/>
-              <a:t> run</a:t>
-            </a:r>
-            <a:r>
-              <a:rPr lang="en-US" sz="2400" dirty="0"/>
-              <a:t> is a good example of this</a:t>
-            </a:r>
-          </a:p>
-        </p:txBody>
-      </p:sp>
-      <p:sp>
-        <p:nvSpPr>
-          <p:cNvPr id="5" name="TextBox 4"/>
-          <p:cNvSpPr txBox="1"/>
-          <p:nvPr/>
-        </p:nvSpPr>
-        <p:spPr>
-          <a:xfrm>
-            <a:off x="1391284" y="3173796"/>
-            <a:ext cx="10234976" cy="830997"/>
-          </a:xfrm>
-          <a:prstGeom prst="rect">
-            <a:avLst/>
-          </a:prstGeom>
-          <a:noFill/>
-        </p:spPr>
-        <p:txBody>
-          <a:bodyPr wrap="square" rtlCol="0">
-            <a:spAutoFit/>
-          </a:bodyPr>
-          <a:lstStyle/>
-          <a:p>
-            <a:pPr algn="ctr"/>
-            <a:r>
-              <a:rPr lang="en-US" sz="2400" dirty="0"/>
-              <a:t>Examples include a </a:t>
-            </a:r>
-            <a:r>
-              <a:rPr lang="en-US" sz="2400" dirty="0" err="1"/>
-              <a:t>gemfile</a:t>
-            </a:r>
-            <a:r>
-              <a:rPr lang="en-US" sz="2400" dirty="0"/>
-              <a:t> or a requirements.txt file produced by Pip</a:t>
-            </a:r>
-          </a:p>
-          <a:p>
-            <a:pPr algn="ctr"/>
-            <a:r>
-              <a:rPr lang="en-US" sz="2400" dirty="0"/>
-              <a:t>Isolation includes something like Python’s </a:t>
-            </a:r>
-            <a:r>
-              <a:rPr lang="en-US" sz="2400" dirty="0" err="1"/>
-              <a:t>virtualenv</a:t>
-            </a:r>
-            <a:endParaRPr lang="en-US" sz="2400" dirty="0"/>
-          </a:p>
-        </p:txBody>
-      </p:sp>
-      <p:sp>
-        <p:nvSpPr>
-          <p:cNvPr id="6" name="TextBox 5"/>
-          <p:cNvSpPr txBox="1"/>
-          <p:nvPr/>
-        </p:nvSpPr>
-        <p:spPr>
-          <a:xfrm>
-            <a:off x="1091610" y="4431868"/>
-            <a:ext cx="10234976" cy="830997"/>
-          </a:xfrm>
-          <a:prstGeom prst="rect">
-            <a:avLst/>
-          </a:prstGeom>
-          <a:noFill/>
-        </p:spPr>
-        <p:txBody>
-          <a:bodyPr wrap="square" rtlCol="0">
-            <a:spAutoFit/>
-          </a:bodyPr>
-          <a:lstStyle/>
-          <a:p>
-            <a:pPr algn="ctr"/>
-            <a:r>
-              <a:rPr lang="en-US" sz="2400" dirty="0"/>
-              <a:t>We want to install the runtime and package manager only</a:t>
-            </a:r>
-          </a:p>
-          <a:p>
-            <a:pPr algn="ctr"/>
-            <a:r>
-              <a:rPr lang="en-US" sz="2400" b="1" dirty="0"/>
-              <a:t>clone, restore, build, run</a:t>
-            </a:r>
-          </a:p>
-        </p:txBody>
-      </p:sp>
-    </p:spTree>
-    <p:extLst>
-      <p:ext uri="{BB962C8B-B14F-4D97-AF65-F5344CB8AC3E}">
-        <p14:creationId xmlns:p14="http://schemas.microsoft.com/office/powerpoint/2010/main" val="2876731701"/>
-      </p:ext>
-    </p:extLst>
-  </p:cSld>
-  <p:clrMapOvr>
-    <a:masterClrMapping/>
-  </p:clrMapOvr>
-  <p:timing>
-    <p:tnLst>
-      <p:par>
-        <p:cTn id="1" dur="indefinite" restart="never" nodeType="tmRoot">
-          <p:childTnLst>
-            <p:seq concurrent="1" nextAc="seek">
-              <p:cTn id="2" dur="indefinite" nodeType="mainSeq">
-                <p:childTnLst>
-                  <p:par>
-                    <p:cTn id="3" fill="hold">
-                      <p:stCondLst>
-                        <p:cond delay="indefinite"/>
-                      </p:stCondLst>
-                      <p:childTnLst>
-                        <p:par>
-                          <p:cTn id="4" fill="hold">
-                            <p:stCondLst>
-                              <p:cond delay="0"/>
-                            </p:stCondLst>
-                            <p:childTnLst>
-                              <p:par>
-                                <p:cTn id="5" presetID="1" presetClass="entr" presetSubtype="0" fill="hold" grpId="0" nodeType="clickEffect">
-                                  <p:stCondLst>
-                                    <p:cond delay="0"/>
-                                  </p:stCondLst>
-                                  <p:childTnLst>
-                                    <p:set>
-                                      <p:cBhvr>
-                                        <p:cTn id="6" dur="1" fill="hold">
-                                          <p:stCondLst>
-                                            <p:cond delay="0"/>
-                                          </p:stCondLst>
-                                        </p:cTn>
-                                        <p:tgtEl>
-                                          <p:spTgt spid="3"/>
-                                        </p:tgtEl>
-                                        <p:attrNameLst>
-                                          <p:attrName>style.visibility</p:attrName>
-                                        </p:attrNameLst>
-                                      </p:cBhvr>
-                                      <p:to>
-                                        <p:strVal val="visible"/>
-                                      </p:to>
-                                    </p:set>
-                                  </p:childTnLst>
-                                </p:cTn>
-                              </p:par>
-                            </p:childTnLst>
-                          </p:cTn>
-                        </p:par>
-                      </p:childTnLst>
-                    </p:cTn>
-                  </p:par>
-                  <p:par>
-                    <p:cTn id="7" fill="hold">
-                      <p:stCondLst>
-                        <p:cond delay="indefinite"/>
-                      </p:stCondLst>
-                      <p:childTnLst>
-                        <p:par>
-                          <p:cTn id="8" fill="hold">
-                            <p:stCondLst>
-                              <p:cond delay="0"/>
-                            </p:stCondLst>
-                            <p:childTnLst>
-                              <p:par>
-                                <p:cTn id="9" presetID="1" presetClass="entr" presetSubtype="0" fill="hold" grpId="0" nodeType="clickEffect">
-                                  <p:stCondLst>
-                                    <p:cond delay="0"/>
-                                  </p:stCondLst>
-                                  <p:childTnLst>
-                                    <p:set>
-                                      <p:cBhvr>
-                                        <p:cTn id="10" dur="1" fill="hold">
-                                          <p:stCondLst>
-                                            <p:cond delay="0"/>
-                                          </p:stCondLst>
-                                        </p:cTn>
-                                        <p:tgtEl>
-                                          <p:spTgt spid="5"/>
-                                        </p:tgtEl>
-                                        <p:attrNameLst>
-                                          <p:attrName>style.visibility</p:attrName>
-                                        </p:attrNameLst>
-                                      </p:cBhvr>
-                                      <p:to>
-                                        <p:strVal val="visible"/>
-                                      </p:to>
-                                    </p:set>
-                                  </p:childTnLst>
-                                </p:cTn>
-                              </p:par>
-                            </p:childTnLst>
-                          </p:cTn>
-                        </p:par>
-                      </p:childTnLst>
-                    </p:cTn>
-                  </p:par>
-                  <p:par>
-                    <p:cTn id="11" fill="hold">
-                      <p:stCondLst>
-                        <p:cond delay="indefinite"/>
-                      </p:stCondLst>
-                      <p:childTnLst>
-                        <p:par>
-                          <p:cTn id="12" fill="hold">
-                            <p:stCondLst>
-                              <p:cond delay="0"/>
-                            </p:stCondLst>
-                            <p:childTnLst>
-                              <p:par>
-                                <p:cTn id="13" presetID="1" presetClass="entr" presetSubtype="0" fill="hold" grpId="0" nodeType="clickEffect">
-                                  <p:stCondLst>
-                                    <p:cond delay="0"/>
-                                  </p:stCondLst>
-                                  <p:childTnLst>
-                                    <p:set>
-                                      <p:cBhvr>
-                                        <p:cTn id="14" dur="1" fill="hold">
-                                          <p:stCondLst>
-                                            <p:cond delay="0"/>
-                                          </p:stCondLst>
-                                        </p:cTn>
-                                        <p:tgtEl>
-                                          <p:spTgt spid="6"/>
-                                        </p:tgtEl>
-                                        <p:attrNameLst>
-                                          <p:attrName>style.visibility</p:attrName>
-                                        </p:attrNameLst>
-                                      </p:cBhvr>
-                                      <p:to>
-                                        <p:strVal val="visible"/>
-                                      </p:to>
-                                    </p:set>
-                                  </p:childTnLst>
-                                </p:cTn>
-                              </p:par>
-                            </p:childTnLst>
-                          </p:cTn>
-                        </p:par>
-                      </p:childTnLst>
-                    </p:cTn>
-                  </p:par>
-                  <p:par>
-                    <p:cTn id="15" fill="hold">
-                      <p:stCondLst>
-                        <p:cond delay="indefinite"/>
-                      </p:stCondLst>
-                      <p:childTnLst>
-                        <p:par>
-                          <p:cTn id="16" fill="hold">
-                            <p:stCondLst>
-                              <p:cond delay="0"/>
-                            </p:stCondLst>
-                            <p:childTnLst>
-                              <p:par>
-                                <p:cTn id="17" presetID="1" presetClass="entr" presetSubtype="0" fill="hold" grpId="0" nodeType="clickEffect">
-                                  <p:stCondLst>
-                                    <p:cond delay="0"/>
-                                  </p:stCondLst>
-                                  <p:childTnLst>
-                                    <p:set>
-                                      <p:cBhvr>
-                                        <p:cTn id="18" dur="1" fill="hold">
-                                          <p:stCondLst>
-                                            <p:cond delay="0"/>
-                                          </p:stCondLst>
-                                        </p:cTn>
-                                        <p:tgtEl>
-                                          <p:spTgt spid="4"/>
-                                        </p:tgtEl>
-                                        <p:attrNameLst>
-                                          <p:attrName>style.visibility</p:attrName>
-                                        </p:attrNameLst>
-                                      </p:cBhvr>
-                                      <p:to>
-                                        <p:strVal val="visible"/>
-                                      </p:to>
-                                    </p:set>
-                                  </p:childTnLst>
-                                </p:cTn>
-                              </p:par>
-                            </p:childTnLst>
-                          </p:cTn>
-                        </p:par>
-                      </p:childTnLst>
-                    </p:cTn>
-                  </p:par>
-                </p:childTnLst>
-              </p:cTn>
-              <p:prevCondLst>
-                <p:cond evt="onPrev" delay="0">
-                  <p:tgtEl>
-                    <p:sldTgt/>
-                  </p:tgtEl>
-                </p:cond>
-              </p:prevCondLst>
-              <p:nextCondLst>
-                <p:cond evt="onNext" delay="0">
-                  <p:tgtEl>
-                    <p:sldTgt/>
-                  </p:tgtEl>
-                </p:cond>
-              </p:nextCondLst>
-            </p:seq>
-          </p:childTnLst>
-        </p:cTn>
-      </p:par>
-    </p:tnLst>
-    <p:bldLst>
-      <p:bldP spid="3" grpId="0"/>
-      <p:bldP spid="4" grpId="0"/>
-      <p:bldP spid="5" grpId="0"/>
-      <p:bldP spid="6" grpId="0"/>
-    </p:bldLst>
-  </p:timing>
-</p:sld>
-</file>
-
-<file path=ppt/slides/slide42.xml><?xml version="1.0" encoding="utf-8"?>
-<p:sld xmlns:a="http://schemas.openxmlformats.org/drawingml/2006/main" xmlns:r="http://schemas.openxmlformats.org/officeDocument/2006/relationships" xmlns:p="http://schemas.openxmlformats.org/presentationml/2006/main">
-  <p:cSld>
-    <p:spTree>
-      <p:nvGrpSpPr>
-        <p:cNvPr id="1" name=""/>
-        <p:cNvGrpSpPr/>
-        <p:nvPr/>
-      </p:nvGrpSpPr>
-      <p:grpSpPr>
-        <a:xfrm>
-          <a:off x="0" y="0"/>
-          <a:ext cx="0" cy="0"/>
-          <a:chOff x="0" y="0"/>
-          <a:chExt cx="0" cy="0"/>
-        </a:xfrm>
-      </p:grpSpPr>
-      <p:sp>
-        <p:nvSpPr>
-          <p:cNvPr id="2" name="TextBox 1"/>
-          <p:cNvSpPr txBox="1"/>
-          <p:nvPr/>
-        </p:nvSpPr>
-        <p:spPr>
-          <a:xfrm>
-            <a:off x="3140149" y="3083442"/>
-            <a:ext cx="5847907" cy="646331"/>
-          </a:xfrm>
-          <a:prstGeom prst="rect">
-            <a:avLst/>
-          </a:prstGeom>
-          <a:noFill/>
-        </p:spPr>
-        <p:txBody>
-          <a:bodyPr wrap="square" rtlCol="0">
-            <a:spAutoFit/>
-          </a:bodyPr>
-          <a:lstStyle/>
-          <a:p>
-            <a:pPr algn="ctr"/>
-            <a:r>
-              <a:rPr lang="en-GB" sz="3600" dirty="0"/>
-              <a:t>Demo</a:t>
-            </a:r>
-          </a:p>
-        </p:txBody>
-      </p:sp>
-    </p:spTree>
-    <p:extLst>
-      <p:ext uri="{BB962C8B-B14F-4D97-AF65-F5344CB8AC3E}">
-        <p14:creationId xmlns:p14="http://schemas.microsoft.com/office/powerpoint/2010/main" val="3913650747"/>
-      </p:ext>
-    </p:extLst>
-  </p:cSld>
-  <p:clrMapOvr>
-    <a:masterClrMapping/>
-  </p:clrMapOvr>
-  <p:timing>
-    <p:tnLst>
-      <p:par>
-        <p:cTn id="1" dur="indefinite" restart="never" nodeType="tmRoot"/>
-      </p:par>
-    </p:tnLst>
-  </p:timing>
-</p:sld>
-</file>
-
 <file path=ppt/slides/slide43.xml><?xml version="1.0" encoding="utf-8"?>
 <p:sld xmlns:a="http://schemas.openxmlformats.org/drawingml/2006/main" xmlns:r="http://schemas.openxmlformats.org/officeDocument/2006/relationships" xmlns:p="http://schemas.openxmlformats.org/presentationml/2006/main">
   <p:cSld>
@@ -13927,8 +14969,8 @@
         </p:nvSpPr>
         <p:spPr>
           <a:xfrm>
-            <a:off x="2209484" y="637099"/>
-            <a:ext cx="7999228" cy="861774"/>
+            <a:off x="2197395" y="2934586"/>
+            <a:ext cx="7868094" cy="769441"/>
           </a:xfrm>
           <a:prstGeom prst="rect">
             <a:avLst/>
@@ -13941,220 +14983,17 @@
           </a:bodyPr>
           <a:lstStyle/>
           <a:p>
-            <a:pPr algn="ctr"/>
-            <a:r>
-              <a:rPr lang="en-US" sz="3200" b="1" dirty="0"/>
-              <a:t>“Store </a:t>
-            </a:r>
-            <a:r>
-              <a:rPr lang="en-US" sz="3200" b="1" dirty="0" err="1"/>
-              <a:t>config</a:t>
-            </a:r>
-            <a:r>
-              <a:rPr lang="en-US" sz="3200" b="1" dirty="0"/>
-              <a:t> in the environment”</a:t>
-            </a:r>
-          </a:p>
-          <a:p>
-            <a:pPr algn="ctr"/>
-            <a:endParaRPr lang="en-US" dirty="0"/>
-          </a:p>
-        </p:txBody>
-      </p:sp>
-      <p:sp>
-        <p:nvSpPr>
-          <p:cNvPr id="3" name="TextBox 2"/>
-          <p:cNvSpPr txBox="1"/>
-          <p:nvPr/>
-        </p:nvSpPr>
-        <p:spPr>
-          <a:xfrm>
-            <a:off x="1547608" y="1445046"/>
-            <a:ext cx="10234976" cy="461665"/>
-          </a:xfrm>
-          <a:prstGeom prst="rect">
-            <a:avLst/>
-          </a:prstGeom>
-          <a:noFill/>
-        </p:spPr>
-        <p:txBody>
-          <a:bodyPr wrap="square" rtlCol="0">
-            <a:spAutoFit/>
-          </a:bodyPr>
-          <a:lstStyle/>
-          <a:p>
-            <a:pPr algn="ctr"/>
-            <a:r>
-              <a:rPr lang="en-US" sz="2400" dirty="0"/>
-              <a:t>In this case configuration means anything that varies between deploys</a:t>
-            </a:r>
-          </a:p>
-        </p:txBody>
-      </p:sp>
-      <p:sp>
-        <p:nvSpPr>
-          <p:cNvPr id="4" name="TextBox 3"/>
-          <p:cNvSpPr txBox="1"/>
-          <p:nvPr/>
-        </p:nvSpPr>
-        <p:spPr>
-          <a:xfrm>
-            <a:off x="1239661" y="4784189"/>
-            <a:ext cx="10234976" cy="1200329"/>
-          </a:xfrm>
-          <a:prstGeom prst="rect">
-            <a:avLst/>
-          </a:prstGeom>
-          <a:noFill/>
-        </p:spPr>
-        <p:txBody>
-          <a:bodyPr wrap="square" rtlCol="0">
-            <a:spAutoFit/>
-          </a:bodyPr>
-          <a:lstStyle/>
-          <a:p>
-            <a:pPr algn="ctr"/>
-            <a:r>
-              <a:rPr lang="en-US" sz="2400" dirty="0"/>
-              <a:t>Routing tables etc. are not considered configuration for this.</a:t>
-            </a:r>
-          </a:p>
-          <a:p>
-            <a:pPr algn="ctr"/>
-            <a:r>
-              <a:rPr lang="en-US" sz="2400" dirty="0"/>
-              <a:t>They can often be set in code</a:t>
-            </a:r>
-          </a:p>
-          <a:p>
-            <a:pPr algn="ctr"/>
-            <a:r>
-              <a:rPr lang="en-US" sz="2400" dirty="0"/>
-              <a:t>But even if you use </a:t>
-            </a:r>
-            <a:r>
-              <a:rPr lang="en-US" sz="2400" dirty="0" err="1"/>
-              <a:t>config</a:t>
-            </a:r>
-            <a:r>
-              <a:rPr lang="en-US" sz="2400" dirty="0"/>
-              <a:t>, it is not </a:t>
-            </a:r>
-            <a:r>
-              <a:rPr lang="en-US" sz="2400" dirty="0" err="1"/>
-              <a:t>config</a:t>
-            </a:r>
-            <a:r>
-              <a:rPr lang="en-US" sz="2400" dirty="0"/>
-              <a:t> between </a:t>
-            </a:r>
-            <a:r>
-              <a:rPr lang="en-US" sz="2400" dirty="0" err="1"/>
-              <a:t>enviroments</a:t>
-            </a:r>
-            <a:endParaRPr lang="en-US" sz="2400" dirty="0"/>
-          </a:p>
-        </p:txBody>
-      </p:sp>
-      <p:sp>
-        <p:nvSpPr>
-          <p:cNvPr id="5" name="TextBox 4"/>
-          <p:cNvSpPr txBox="1"/>
-          <p:nvPr/>
-        </p:nvSpPr>
-        <p:spPr>
-          <a:xfrm>
-            <a:off x="1547608" y="2263787"/>
-            <a:ext cx="10234976" cy="1200329"/>
-          </a:xfrm>
-          <a:prstGeom prst="rect">
-            <a:avLst/>
-          </a:prstGeom>
-          <a:noFill/>
-        </p:spPr>
-        <p:txBody>
-          <a:bodyPr wrap="square" rtlCol="0">
-            <a:spAutoFit/>
-          </a:bodyPr>
-          <a:lstStyle/>
-          <a:p>
-            <a:pPr algn="ctr"/>
-            <a:r>
-              <a:rPr lang="en-US" sz="2400" dirty="0"/>
-              <a:t>A 12-factor app requires strict separation between </a:t>
-            </a:r>
-            <a:r>
-              <a:rPr lang="en-US" sz="2400" dirty="0" err="1"/>
-              <a:t>config</a:t>
-            </a:r>
-            <a:r>
-              <a:rPr lang="en-US" sz="2400" dirty="0"/>
-              <a:t> and code. </a:t>
-            </a:r>
-          </a:p>
-          <a:p>
-            <a:pPr algn="ctr"/>
-            <a:r>
-              <a:rPr lang="en-US" sz="2400" dirty="0" err="1"/>
-              <a:t>Config</a:t>
-            </a:r>
-            <a:r>
-              <a:rPr lang="en-US" sz="2400" dirty="0"/>
-              <a:t> is not checked into the app’s repository.</a:t>
-            </a:r>
-          </a:p>
-          <a:p>
-            <a:pPr algn="ctr"/>
-            <a:r>
-              <a:rPr lang="en-US" sz="2400" dirty="0"/>
-              <a:t>It often contains secrets such as passwords, or topology dependent information</a:t>
-            </a:r>
-          </a:p>
-        </p:txBody>
-      </p:sp>
-      <p:sp>
-        <p:nvSpPr>
-          <p:cNvPr id="6" name="TextBox 5"/>
-          <p:cNvSpPr txBox="1"/>
-          <p:nvPr/>
-        </p:nvSpPr>
-        <p:spPr>
-          <a:xfrm>
-            <a:off x="1091610" y="3893320"/>
-            <a:ext cx="10234976" cy="461665"/>
-          </a:xfrm>
-          <a:prstGeom prst="rect">
-            <a:avLst/>
-          </a:prstGeom>
-          <a:noFill/>
-        </p:spPr>
-        <p:txBody>
-          <a:bodyPr wrap="square" rtlCol="0">
-            <a:spAutoFit/>
-          </a:bodyPr>
-          <a:lstStyle/>
-          <a:p>
-            <a:pPr algn="ctr"/>
-            <a:r>
-              <a:rPr lang="en-US" sz="2400" dirty="0"/>
-              <a:t>Because configuration varies by environment </a:t>
-            </a:r>
-            <a:r>
-              <a:rPr lang="mr-IN" sz="2400" dirty="0"/>
-              <a:t>–</a:t>
-            </a:r>
-            <a:r>
-              <a:rPr lang="en-US" sz="2400" dirty="0"/>
-              <a:t> store it in environment variables</a:t>
-            </a:r>
-            <a:endParaRPr lang="en-US" sz="2400" b="1" dirty="0"/>
+            <a:r>
+              <a:rPr lang="en-GB" sz="4400" dirty="0"/>
+              <a:t>Demo Prep 1: Pulling the Code</a:t>
+            </a:r>
           </a:p>
         </p:txBody>
       </p:sp>
     </p:spTree>
     <p:extLst>
       <p:ext uri="{BB962C8B-B14F-4D97-AF65-F5344CB8AC3E}">
-        <p14:creationId xmlns:p14="http://schemas.microsoft.com/office/powerpoint/2010/main" val="10000501"/>
+        <p14:creationId xmlns:p14="http://schemas.microsoft.com/office/powerpoint/2010/main" val="3217226393"/>
       </p:ext>
     </p:extLst>
   </p:cSld>
@@ -14164,218 +15003,9 @@
   <p:timing>
     <p:tnLst>
       <p:par>
-        <p:cTn id="1" dur="indefinite" restart="never" nodeType="tmRoot">
-          <p:childTnLst>
-            <p:seq concurrent="1" nextAc="seek">
-              <p:cTn id="2" dur="indefinite" nodeType="mainSeq">
-                <p:childTnLst>
-                  <p:par>
-                    <p:cTn id="3" fill="hold">
-                      <p:stCondLst>
-                        <p:cond delay="indefinite"/>
-                      </p:stCondLst>
-                      <p:childTnLst>
-                        <p:par>
-                          <p:cTn id="4" fill="hold">
-                            <p:stCondLst>
-                              <p:cond delay="0"/>
-                            </p:stCondLst>
-                            <p:childTnLst>
-                              <p:par>
-                                <p:cTn id="5" presetID="1" presetClass="entr" presetSubtype="0" fill="hold" grpId="0" nodeType="clickEffect">
-                                  <p:stCondLst>
-                                    <p:cond delay="0"/>
-                                  </p:stCondLst>
-                                  <p:childTnLst>
-                                    <p:set>
-                                      <p:cBhvr>
-                                        <p:cTn id="6" dur="1" fill="hold">
-                                          <p:stCondLst>
-                                            <p:cond delay="0"/>
-                                          </p:stCondLst>
-                                        </p:cTn>
-                                        <p:tgtEl>
-                                          <p:spTgt spid="3"/>
-                                        </p:tgtEl>
-                                        <p:attrNameLst>
-                                          <p:attrName>style.visibility</p:attrName>
-                                        </p:attrNameLst>
-                                      </p:cBhvr>
-                                      <p:to>
-                                        <p:strVal val="visible"/>
-                                      </p:to>
-                                    </p:set>
-                                  </p:childTnLst>
-                                </p:cTn>
-                              </p:par>
-                            </p:childTnLst>
-                          </p:cTn>
-                        </p:par>
-                      </p:childTnLst>
-                    </p:cTn>
-                  </p:par>
-                  <p:par>
-                    <p:cTn id="7" fill="hold">
-                      <p:stCondLst>
-                        <p:cond delay="indefinite"/>
-                      </p:stCondLst>
-                      <p:childTnLst>
-                        <p:par>
-                          <p:cTn id="8" fill="hold">
-                            <p:stCondLst>
-                              <p:cond delay="0"/>
-                            </p:stCondLst>
-                            <p:childTnLst>
-                              <p:par>
-                                <p:cTn id="9" presetID="1" presetClass="entr" presetSubtype="0" fill="hold" grpId="0" nodeType="clickEffect">
-                                  <p:stCondLst>
-                                    <p:cond delay="0"/>
-                                  </p:stCondLst>
-                                  <p:childTnLst>
-                                    <p:set>
-                                      <p:cBhvr>
-                                        <p:cTn id="10" dur="1" fill="hold">
-                                          <p:stCondLst>
-                                            <p:cond delay="0"/>
-                                          </p:stCondLst>
-                                        </p:cTn>
-                                        <p:tgtEl>
-                                          <p:spTgt spid="5"/>
-                                        </p:tgtEl>
-                                        <p:attrNameLst>
-                                          <p:attrName>style.visibility</p:attrName>
-                                        </p:attrNameLst>
-                                      </p:cBhvr>
-                                      <p:to>
-                                        <p:strVal val="visible"/>
-                                      </p:to>
-                                    </p:set>
-                                  </p:childTnLst>
-                                </p:cTn>
-                              </p:par>
-                            </p:childTnLst>
-                          </p:cTn>
-                        </p:par>
-                      </p:childTnLst>
-                    </p:cTn>
-                  </p:par>
-                  <p:par>
-                    <p:cTn id="11" fill="hold">
-                      <p:stCondLst>
-                        <p:cond delay="indefinite"/>
-                      </p:stCondLst>
-                      <p:childTnLst>
-                        <p:par>
-                          <p:cTn id="12" fill="hold">
-                            <p:stCondLst>
-                              <p:cond delay="0"/>
-                            </p:stCondLst>
-                            <p:childTnLst>
-                              <p:par>
-                                <p:cTn id="13" presetID="1" presetClass="entr" presetSubtype="0" fill="hold" grpId="0" nodeType="clickEffect">
-                                  <p:stCondLst>
-                                    <p:cond delay="0"/>
-                                  </p:stCondLst>
-                                  <p:childTnLst>
-                                    <p:set>
-                                      <p:cBhvr>
-                                        <p:cTn id="14" dur="1" fill="hold">
-                                          <p:stCondLst>
-                                            <p:cond delay="0"/>
-                                          </p:stCondLst>
-                                        </p:cTn>
-                                        <p:tgtEl>
-                                          <p:spTgt spid="6"/>
-                                        </p:tgtEl>
-                                        <p:attrNameLst>
-                                          <p:attrName>style.visibility</p:attrName>
-                                        </p:attrNameLst>
-                                      </p:cBhvr>
-                                      <p:to>
-                                        <p:strVal val="visible"/>
-                                      </p:to>
-                                    </p:set>
-                                  </p:childTnLst>
-                                </p:cTn>
-                              </p:par>
-                            </p:childTnLst>
-                          </p:cTn>
-                        </p:par>
-                      </p:childTnLst>
-                    </p:cTn>
-                  </p:par>
-                  <p:par>
-                    <p:cTn id="15" fill="hold">
-                      <p:stCondLst>
-                        <p:cond delay="indefinite"/>
-                      </p:stCondLst>
-                      <p:childTnLst>
-                        <p:par>
-                          <p:cTn id="16" fill="hold">
-                            <p:stCondLst>
-                              <p:cond delay="0"/>
-                            </p:stCondLst>
-                            <p:childTnLst>
-                              <p:par>
-                                <p:cTn id="17" presetID="1" presetClass="entr" presetSubtype="0" fill="hold" grpId="0" nodeType="clickEffect">
-                                  <p:stCondLst>
-                                    <p:cond delay="0"/>
-                                  </p:stCondLst>
-                                  <p:childTnLst>
-                                    <p:set>
-                                      <p:cBhvr>
-                                        <p:cTn id="18" dur="1" fill="hold">
-                                          <p:stCondLst>
-                                            <p:cond delay="0"/>
-                                          </p:stCondLst>
-                                        </p:cTn>
-                                        <p:tgtEl>
-                                          <p:spTgt spid="4"/>
-                                        </p:tgtEl>
-                                        <p:attrNameLst>
-                                          <p:attrName>style.visibility</p:attrName>
-                                        </p:attrNameLst>
-                                      </p:cBhvr>
-                                      <p:to>
-                                        <p:strVal val="visible"/>
-                                      </p:to>
-                                    </p:set>
-                                  </p:childTnLst>
-                                </p:cTn>
-                              </p:par>
-                            </p:childTnLst>
-                          </p:cTn>
-                        </p:par>
-                      </p:childTnLst>
-                    </p:cTn>
-                  </p:par>
-                </p:childTnLst>
-              </p:cTn>
-              <p:prevCondLst>
-                <p:cond evt="onPrev" delay="0">
-                  <p:tgtEl>
-                    <p:sldTgt/>
-                  </p:tgtEl>
-                </p:cond>
-              </p:prevCondLst>
-              <p:nextCondLst>
-                <p:cond evt="onNext" delay="0">
-                  <p:tgtEl>
-                    <p:sldTgt/>
-                  </p:tgtEl>
-                </p:cond>
-              </p:nextCondLst>
-            </p:seq>
-          </p:childTnLst>
-        </p:cTn>
+        <p:cTn id="1" dur="indefinite" restart="never" nodeType="tmRoot"/>
       </p:par>
     </p:tnLst>
-    <p:bldLst>
-      <p:bldP spid="3" grpId="0"/>
-      <p:bldP spid="4" grpId="0"/>
-      <p:bldP spid="5" grpId="0"/>
-      <p:bldP spid="6" grpId="0"/>
-    </p:bldLst>
   </p:timing>
 </p:sld>
 </file>
@@ -14399,14 +15029,14 @@
       </p:grpSpPr>
       <p:sp>
         <p:nvSpPr>
-          <p:cNvPr id="6" name="TextBox 5"/>
+          <p:cNvPr id="2" name="TextBox 1"/>
           <p:cNvSpPr txBox="1"/>
           <p:nvPr/>
         </p:nvSpPr>
         <p:spPr>
           <a:xfrm>
-            <a:off x="3589868" y="2802662"/>
-            <a:ext cx="5313914" cy="830997"/>
+            <a:off x="636814" y="3019643"/>
+            <a:ext cx="10842172" cy="830997"/>
           </a:xfrm>
           <a:prstGeom prst="rect">
             <a:avLst/>
@@ -14419,18 +15049,18 @@
           </a:bodyPr>
           <a:lstStyle/>
           <a:p>
-            <a:r>
-              <a:rPr lang="en-US" sz="4800"/>
-              <a:t>Build, Release, Run</a:t>
-            </a:r>
-            <a:endParaRPr lang="en-US" sz="4800" dirty="0"/>
+            <a:pPr algn="ctr"/>
+            <a:r>
+              <a:rPr lang="en-US" sz="4800" dirty="0"/>
+              <a:t>Dependencies</a:t>
+            </a:r>
           </a:p>
         </p:txBody>
       </p:sp>
     </p:spTree>
     <p:extLst>
       <p:ext uri="{BB962C8B-B14F-4D97-AF65-F5344CB8AC3E}">
-        <p14:creationId xmlns:p14="http://schemas.microsoft.com/office/powerpoint/2010/main" val="1681980845"/>
+        <p14:creationId xmlns:p14="http://schemas.microsoft.com/office/powerpoint/2010/main" val="347921420"/>
       </p:ext>
     </p:extLst>
   </p:cSld>
@@ -14472,8 +15102,8 @@
         </p:nvSpPr>
         <p:spPr>
           <a:xfrm>
-            <a:off x="2704517" y="610338"/>
-            <a:ext cx="7009161" cy="861774"/>
+            <a:off x="2209484" y="637099"/>
+            <a:ext cx="7999228" cy="861774"/>
           </a:xfrm>
           <a:prstGeom prst="rect">
             <a:avLst/>
@@ -14487,10 +15117,9 @@
           <a:lstStyle/>
           <a:p>
             <a:r>
-              <a:rPr lang="en-US" sz="3200" b="1"/>
-              <a:t>“Strictly separate build and run stages”</a:t>
-            </a:r>
-            <a:endParaRPr lang="en-US" sz="3200" b="1" dirty="0"/>
+              <a:rPr lang="en-US" sz="3200" b="1" dirty="0"/>
+              <a:t>“Explicitly declare and isolate dependencies”</a:t>
+            </a:r>
           </a:p>
           <a:p>
             <a:endParaRPr lang="en-US" dirty="0"/>
@@ -14505,7 +15134,110 @@
         </p:nvSpPr>
         <p:spPr>
           <a:xfrm>
-            <a:off x="1547608" y="1354886"/>
+            <a:off x="1391284" y="1695497"/>
+            <a:ext cx="10234976" cy="1200329"/>
+          </a:xfrm>
+          <a:prstGeom prst="rect">
+            <a:avLst/>
+          </a:prstGeom>
+          <a:noFill/>
+        </p:spPr>
+        <p:txBody>
+          <a:bodyPr wrap="square" rtlCol="0">
+            <a:spAutoFit/>
+          </a:bodyPr>
+          <a:lstStyle/>
+          <a:p>
+            <a:pPr algn="ctr"/>
+            <a:r>
+              <a:rPr lang="en-US" sz="2400" dirty="0"/>
+              <a:t>Requires the ecosystem to support a package manager</a:t>
+            </a:r>
+          </a:p>
+          <a:p>
+            <a:pPr algn="ctr"/>
+            <a:r>
+              <a:rPr lang="en-US" sz="2400" dirty="0"/>
+              <a:t>Requires the ability to isolate an app from other apps i.e. no shared dependencies</a:t>
+            </a:r>
+          </a:p>
+        </p:txBody>
+      </p:sp>
+      <p:sp>
+        <p:nvSpPr>
+          <p:cNvPr id="4" name="TextBox 3"/>
+          <p:cNvSpPr txBox="1"/>
+          <p:nvPr/>
+        </p:nvSpPr>
+        <p:spPr>
+          <a:xfrm>
+            <a:off x="1276984" y="5592185"/>
+            <a:ext cx="10234976" cy="461665"/>
+          </a:xfrm>
+          <a:prstGeom prst="rect">
+            <a:avLst/>
+          </a:prstGeom>
+          <a:noFill/>
+        </p:spPr>
+        <p:txBody>
+          <a:bodyPr wrap="square" rtlCol="0">
+            <a:spAutoFit/>
+          </a:bodyPr>
+          <a:lstStyle/>
+          <a:p>
+            <a:pPr algn="ctr"/>
+            <a:r>
+              <a:rPr lang="en-US" sz="2400" b="1" dirty="0" err="1"/>
+              <a:t>git</a:t>
+            </a:r>
+            <a:r>
+              <a:rPr lang="en-US" sz="2400" b="1" dirty="0"/>
+              <a:t> clone, </a:t>
+            </a:r>
+            <a:r>
+              <a:rPr lang="en-US" sz="2400" b="1" dirty="0" err="1"/>
+              <a:t>dotnet</a:t>
+            </a:r>
+            <a:r>
+              <a:rPr lang="en-US" sz="2400" dirty="0"/>
+              <a:t> </a:t>
+            </a:r>
+            <a:r>
+              <a:rPr lang="en-US" sz="2400" b="1" dirty="0"/>
+              <a:t>restore, </a:t>
+            </a:r>
+            <a:r>
+              <a:rPr lang="en-US" sz="2400" b="1" dirty="0" err="1"/>
+              <a:t>dotnet</a:t>
+            </a:r>
+            <a:r>
+              <a:rPr lang="en-US" sz="2400" b="1" dirty="0"/>
+              <a:t> build, </a:t>
+            </a:r>
+            <a:r>
+              <a:rPr lang="en-US" sz="2400" b="1" dirty="0" err="1"/>
+              <a:t>dotnet</a:t>
+            </a:r>
+            <a:r>
+              <a:rPr lang="en-US" sz="2400" b="1" dirty="0"/>
+              <a:t> run</a:t>
+            </a:r>
+            <a:r>
+              <a:rPr lang="en-US" sz="2400" dirty="0"/>
+              <a:t> is a good example of this</a:t>
+            </a:r>
+          </a:p>
+        </p:txBody>
+      </p:sp>
+      <p:sp>
+        <p:nvSpPr>
+          <p:cNvPr id="5" name="TextBox 4"/>
+          <p:cNvSpPr txBox="1"/>
+          <p:nvPr/>
+        </p:nvSpPr>
+        <p:spPr>
+          <a:xfrm>
+            <a:off x="1391284" y="3034915"/>
             <a:ext cx="10234976" cy="830997"/>
           </a:xfrm>
           <a:prstGeom prst="rect">
@@ -14522,32 +15254,41 @@
             <a:pPr algn="ctr"/>
             <a:r>
               <a:rPr lang="en-US" sz="2400" dirty="0"/>
-              <a:t>The build stage converts the repo into an executable unit: a </a:t>
-            </a:r>
-            <a:r>
-              <a:rPr lang="en-US" sz="2400" i="1" dirty="0"/>
-              <a:t>build</a:t>
+              <a:t>Examples include a </a:t>
+            </a:r>
+            <a:r>
+              <a:rPr lang="en-US" sz="2400" dirty="0" err="1"/>
+              <a:t>gemfile</a:t>
+            </a:r>
+            <a:r>
+              <a:rPr lang="en-US" sz="2400" dirty="0"/>
+              <a:t> or a requirements.txt file produced by Pip</a:t>
             </a:r>
           </a:p>
           <a:p>
             <a:pPr algn="ctr"/>
             <a:r>
               <a:rPr lang="en-US" sz="2400" dirty="0"/>
-              <a:t>It uses a commit to the repo and fetches dependencies to create an asset</a:t>
-            </a:r>
-          </a:p>
-        </p:txBody>
-      </p:sp>
-      <p:sp>
-        <p:nvSpPr>
-          <p:cNvPr id="4" name="TextBox 3"/>
+              <a:t>Isolation includes something like Python’s </a:t>
+            </a:r>
+            <a:r>
+              <a:rPr lang="en-US" sz="2400" dirty="0" err="1"/>
+              <a:t>virtualenv</a:t>
+            </a:r>
+            <a:endParaRPr lang="en-US" sz="2400" dirty="0"/>
+          </a:p>
+        </p:txBody>
+      </p:sp>
+      <p:sp>
+        <p:nvSpPr>
+          <p:cNvPr id="6" name="TextBox 5"/>
           <p:cNvSpPr txBox="1"/>
           <p:nvPr/>
         </p:nvSpPr>
         <p:spPr>
           <a:xfrm>
-            <a:off x="1179824" y="4825355"/>
-            <a:ext cx="10234976" cy="1200329"/>
+            <a:off x="1091610" y="4431868"/>
+            <a:ext cx="10234976" cy="830997"/>
           </a:xfrm>
           <a:prstGeom prst="rect">
             <a:avLst/>
@@ -14563,99 +15304,22 @@
             <a:pPr algn="ctr"/>
             <a:r>
               <a:rPr lang="en-US" sz="2400" dirty="0"/>
-              <a:t>All these stages should be separate.</a:t>
+              <a:t>We want to install the runtime and package manager only</a:t>
             </a:r>
           </a:p>
           <a:p>
             <a:pPr algn="ctr"/>
             <a:r>
-              <a:rPr lang="en-US" sz="2400" dirty="0"/>
-              <a:t>For example, no changes to deployed code, you have to alter the repo and build again </a:t>
-            </a:r>
-          </a:p>
-        </p:txBody>
-      </p:sp>
-      <p:sp>
-        <p:nvSpPr>
-          <p:cNvPr id="5" name="TextBox 4"/>
-          <p:cNvSpPr txBox="1"/>
-          <p:nvPr/>
-        </p:nvSpPr>
-        <p:spPr>
-          <a:xfrm>
-            <a:off x="1391284" y="2748662"/>
-            <a:ext cx="10234976" cy="461665"/>
-          </a:xfrm>
-          <a:prstGeom prst="rect">
-            <a:avLst/>
-          </a:prstGeom>
-          <a:noFill/>
-        </p:spPr>
-        <p:txBody>
-          <a:bodyPr wrap="square" rtlCol="0">
-            <a:spAutoFit/>
-          </a:bodyPr>
-          <a:lstStyle/>
-          <a:p>
-            <a:pPr algn="ctr"/>
-            <a:r>
-              <a:rPr lang="en-US" sz="2400" dirty="0"/>
-              <a:t>A release is a combination of a </a:t>
-            </a:r>
-            <a:r>
-              <a:rPr lang="en-US" sz="2400" i="1" dirty="0"/>
-              <a:t>build</a:t>
-            </a:r>
-            <a:r>
-              <a:rPr lang="en-US" sz="2400" dirty="0"/>
-              <a:t> and the </a:t>
-            </a:r>
-            <a:r>
-              <a:rPr lang="en-US" sz="2400" i="1" dirty="0" err="1"/>
-              <a:t>config</a:t>
-            </a:r>
-            <a:r>
-              <a:rPr lang="en-US" sz="2400" dirty="0"/>
-              <a:t> for a given environment </a:t>
-            </a:r>
-          </a:p>
-        </p:txBody>
-      </p:sp>
-      <p:sp>
-        <p:nvSpPr>
-          <p:cNvPr id="6" name="TextBox 5"/>
-          <p:cNvSpPr txBox="1"/>
-          <p:nvPr/>
-        </p:nvSpPr>
-        <p:spPr>
-          <a:xfrm>
-            <a:off x="1091609" y="3729237"/>
-            <a:ext cx="10234976" cy="461665"/>
-          </a:xfrm>
-          <a:prstGeom prst="rect">
-            <a:avLst/>
-          </a:prstGeom>
-          <a:noFill/>
-        </p:spPr>
-        <p:txBody>
-          <a:bodyPr wrap="square" rtlCol="0">
-            <a:spAutoFit/>
-          </a:bodyPr>
-          <a:lstStyle/>
-          <a:p>
-            <a:pPr algn="ctr"/>
-            <a:r>
-              <a:rPr lang="en-US" sz="2400" dirty="0"/>
-              <a:t>The run stage executes the app in a given environment</a:t>
-            </a:r>
-            <a:endParaRPr lang="en-US" sz="2400" b="1" dirty="0"/>
+              <a:rPr lang="en-US" sz="2400" b="1" dirty="0"/>
+              <a:t>clone, restore, build, run</a:t>
+            </a:r>
           </a:p>
         </p:txBody>
       </p:sp>
     </p:spTree>
     <p:extLst>
       <p:ext uri="{BB962C8B-B14F-4D97-AF65-F5344CB8AC3E}">
-        <p14:creationId xmlns:p14="http://schemas.microsoft.com/office/powerpoint/2010/main" val="482700767"/>
+        <p14:creationId xmlns:p14="http://schemas.microsoft.com/office/powerpoint/2010/main" val="2876731701"/>
       </p:ext>
     </p:extLst>
   </p:cSld>
@@ -14931,7 +15595,7 @@
     </p:spTree>
     <p:extLst>
       <p:ext uri="{BB962C8B-B14F-4D97-AF65-F5344CB8AC3E}">
-        <p14:creationId xmlns:p14="http://schemas.microsoft.com/office/powerpoint/2010/main" val="1985303365"/>
+        <p14:creationId xmlns:p14="http://schemas.microsoft.com/office/powerpoint/2010/main" val="3913650747"/>
       </p:ext>
     </p:extLst>
   </p:cSld>
@@ -14967,49 +15631,240 @@
       </p:grpSpPr>
       <p:sp>
         <p:nvSpPr>
-          <p:cNvPr id="2" name="Title 1"/>
-          <p:cNvSpPr>
-            <a:spLocks noGrp="1"/>
-          </p:cNvSpPr>
-          <p:nvPr>
-            <p:ph type="title"/>
-          </p:nvPr>
-        </p:nvSpPr>
-        <p:spPr/>
-        <p:txBody>
-          <a:bodyPr/>
-          <a:lstStyle/>
-          <a:p>
-            <a:r>
-              <a:rPr lang="en-US" dirty="0"/>
-              <a:t>Summary</a:t>
-            </a:r>
-          </a:p>
-        </p:txBody>
-      </p:sp>
-      <p:sp>
-        <p:nvSpPr>
-          <p:cNvPr id="3" name="Text Placeholder 2"/>
-          <p:cNvSpPr>
-            <a:spLocks noGrp="1"/>
-          </p:cNvSpPr>
-          <p:nvPr>
-            <p:ph type="body" idx="1"/>
-          </p:nvPr>
-        </p:nvSpPr>
-        <p:spPr/>
-        <p:txBody>
-          <a:bodyPr/>
-          <a:lstStyle/>
-          <a:p>
-            <a:endParaRPr lang="en-US"/>
+          <p:cNvPr id="2" name="TextBox 1"/>
+          <p:cNvSpPr txBox="1"/>
+          <p:nvPr/>
+        </p:nvSpPr>
+        <p:spPr>
+          <a:xfrm>
+            <a:off x="2209484" y="637099"/>
+            <a:ext cx="7999228" cy="861774"/>
+          </a:xfrm>
+          <a:prstGeom prst="rect">
+            <a:avLst/>
+          </a:prstGeom>
+          <a:noFill/>
+        </p:spPr>
+        <p:txBody>
+          <a:bodyPr wrap="square" rtlCol="0">
+            <a:spAutoFit/>
+          </a:bodyPr>
+          <a:lstStyle/>
+          <a:p>
+            <a:pPr algn="ctr"/>
+            <a:r>
+              <a:rPr lang="en-US" sz="3200" b="1" dirty="0"/>
+              <a:t>“Store </a:t>
+            </a:r>
+            <a:r>
+              <a:rPr lang="en-US" sz="3200" b="1" dirty="0" err="1"/>
+              <a:t>config</a:t>
+            </a:r>
+            <a:r>
+              <a:rPr lang="en-US" sz="3200" b="1" dirty="0"/>
+              <a:t> in the environment”</a:t>
+            </a:r>
+          </a:p>
+          <a:p>
+            <a:pPr algn="ctr"/>
+            <a:endParaRPr lang="en-US" dirty="0"/>
+          </a:p>
+        </p:txBody>
+      </p:sp>
+      <p:sp>
+        <p:nvSpPr>
+          <p:cNvPr id="3" name="TextBox 2"/>
+          <p:cNvSpPr txBox="1"/>
+          <p:nvPr/>
+        </p:nvSpPr>
+        <p:spPr>
+          <a:xfrm>
+            <a:off x="1547608" y="1445046"/>
+            <a:ext cx="10234976" cy="461665"/>
+          </a:xfrm>
+          <a:prstGeom prst="rect">
+            <a:avLst/>
+          </a:prstGeom>
+          <a:noFill/>
+        </p:spPr>
+        <p:txBody>
+          <a:bodyPr wrap="square" rtlCol="0">
+            <a:spAutoFit/>
+          </a:bodyPr>
+          <a:lstStyle/>
+          <a:p>
+            <a:pPr algn="ctr"/>
+            <a:r>
+              <a:rPr lang="en-US" sz="2400" dirty="0"/>
+              <a:t>In this case configuration means anything that varies between deploys</a:t>
+            </a:r>
+          </a:p>
+        </p:txBody>
+      </p:sp>
+      <p:sp>
+        <p:nvSpPr>
+          <p:cNvPr id="4" name="TextBox 3"/>
+          <p:cNvSpPr txBox="1"/>
+          <p:nvPr/>
+        </p:nvSpPr>
+        <p:spPr>
+          <a:xfrm>
+            <a:off x="1239661" y="4784189"/>
+            <a:ext cx="10234976" cy="1200329"/>
+          </a:xfrm>
+          <a:prstGeom prst="rect">
+            <a:avLst/>
+          </a:prstGeom>
+          <a:noFill/>
+        </p:spPr>
+        <p:txBody>
+          <a:bodyPr wrap="square" rtlCol="0">
+            <a:spAutoFit/>
+          </a:bodyPr>
+          <a:lstStyle/>
+          <a:p>
+            <a:pPr algn="ctr"/>
+            <a:r>
+              <a:rPr lang="en-US" sz="2400" dirty="0"/>
+              <a:t>Routing tables etc. are not considered configuration for this.</a:t>
+            </a:r>
+          </a:p>
+          <a:p>
+            <a:pPr algn="ctr"/>
+            <a:r>
+              <a:rPr lang="en-US" sz="2400" dirty="0"/>
+              <a:t>They can often be set in code</a:t>
+            </a:r>
+          </a:p>
+          <a:p>
+            <a:pPr algn="ctr"/>
+            <a:r>
+              <a:rPr lang="en-US" sz="2400" dirty="0"/>
+              <a:t>But even if you use </a:t>
+            </a:r>
+            <a:r>
+              <a:rPr lang="en-US" sz="2400" dirty="0" err="1"/>
+              <a:t>config</a:t>
+            </a:r>
+            <a:r>
+              <a:rPr lang="en-US" sz="2400" dirty="0"/>
+              <a:t>, it is not </a:t>
+            </a:r>
+            <a:r>
+              <a:rPr lang="en-US" sz="2400" dirty="0" err="1"/>
+              <a:t>config</a:t>
+            </a:r>
+            <a:r>
+              <a:rPr lang="en-US" sz="2400" dirty="0"/>
+              <a:t> between </a:t>
+            </a:r>
+            <a:r>
+              <a:rPr lang="en-US" sz="2400" dirty="0" err="1"/>
+              <a:t>enviroments</a:t>
+            </a:r>
+            <a:endParaRPr lang="en-US" sz="2400" dirty="0"/>
+          </a:p>
+        </p:txBody>
+      </p:sp>
+      <p:sp>
+        <p:nvSpPr>
+          <p:cNvPr id="5" name="TextBox 4"/>
+          <p:cNvSpPr txBox="1"/>
+          <p:nvPr/>
+        </p:nvSpPr>
+        <p:spPr>
+          <a:xfrm>
+            <a:off x="1547608" y="2263787"/>
+            <a:ext cx="10234976" cy="1200329"/>
+          </a:xfrm>
+          <a:prstGeom prst="rect">
+            <a:avLst/>
+          </a:prstGeom>
+          <a:noFill/>
+        </p:spPr>
+        <p:txBody>
+          <a:bodyPr wrap="square" rtlCol="0">
+            <a:spAutoFit/>
+          </a:bodyPr>
+          <a:lstStyle/>
+          <a:p>
+            <a:pPr algn="ctr"/>
+            <a:r>
+              <a:rPr lang="en-US" sz="2400" dirty="0"/>
+              <a:t>A 12-factor app requires strict separation between </a:t>
+            </a:r>
+            <a:r>
+              <a:rPr lang="en-US" sz="2400" dirty="0" err="1"/>
+              <a:t>config</a:t>
+            </a:r>
+            <a:r>
+              <a:rPr lang="en-US" sz="2400" dirty="0"/>
+              <a:t> and code. </a:t>
+            </a:r>
+          </a:p>
+          <a:p>
+            <a:pPr algn="ctr"/>
+            <a:r>
+              <a:rPr lang="en-US" sz="2400" dirty="0" err="1"/>
+              <a:t>Config</a:t>
+            </a:r>
+            <a:r>
+              <a:rPr lang="en-US" sz="2400" dirty="0"/>
+              <a:t> is not checked into the app’s repository.</a:t>
+            </a:r>
+          </a:p>
+          <a:p>
+            <a:pPr algn="ctr"/>
+            <a:r>
+              <a:rPr lang="en-US" sz="2400" dirty="0"/>
+              <a:t>It often contains secrets such as passwords, or topology dependent information</a:t>
+            </a:r>
+          </a:p>
+        </p:txBody>
+      </p:sp>
+      <p:sp>
+        <p:nvSpPr>
+          <p:cNvPr id="6" name="TextBox 5"/>
+          <p:cNvSpPr txBox="1"/>
+          <p:nvPr/>
+        </p:nvSpPr>
+        <p:spPr>
+          <a:xfrm>
+            <a:off x="1091610" y="3893320"/>
+            <a:ext cx="10234976" cy="461665"/>
+          </a:xfrm>
+          <a:prstGeom prst="rect">
+            <a:avLst/>
+          </a:prstGeom>
+          <a:noFill/>
+        </p:spPr>
+        <p:txBody>
+          <a:bodyPr wrap="square" rtlCol="0">
+            <a:spAutoFit/>
+          </a:bodyPr>
+          <a:lstStyle/>
+          <a:p>
+            <a:pPr algn="ctr"/>
+            <a:r>
+              <a:rPr lang="en-US" sz="2400" dirty="0"/>
+              <a:t>Because configuration varies by environment </a:t>
+            </a:r>
+            <a:r>
+              <a:rPr lang="mr-IN" sz="2400" dirty="0"/>
+              <a:t>–</a:t>
+            </a:r>
+            <a:r>
+              <a:rPr lang="en-US" sz="2400" dirty="0"/>
+              <a:t> store it in environment variables</a:t>
+            </a:r>
+            <a:endParaRPr lang="en-US" sz="2400" b="1" dirty="0"/>
           </a:p>
         </p:txBody>
       </p:sp>
     </p:spTree>
     <p:extLst>
       <p:ext uri="{BB962C8B-B14F-4D97-AF65-F5344CB8AC3E}">
-        <p14:creationId xmlns:p14="http://schemas.microsoft.com/office/powerpoint/2010/main" val="851747643"/>
+        <p14:creationId xmlns:p14="http://schemas.microsoft.com/office/powerpoint/2010/main" val="10000501"/>
       </p:ext>
     </p:extLst>
   </p:cSld>
@@ -15019,9 +15874,218 @@
   <p:timing>
     <p:tnLst>
       <p:par>
-        <p:cTn id="1" dur="indefinite" restart="never" nodeType="tmRoot"/>
+        <p:cTn id="1" dur="indefinite" restart="never" nodeType="tmRoot">
+          <p:childTnLst>
+            <p:seq concurrent="1" nextAc="seek">
+              <p:cTn id="2" dur="indefinite" nodeType="mainSeq">
+                <p:childTnLst>
+                  <p:par>
+                    <p:cTn id="3" fill="hold">
+                      <p:stCondLst>
+                        <p:cond delay="indefinite"/>
+                      </p:stCondLst>
+                      <p:childTnLst>
+                        <p:par>
+                          <p:cTn id="4" fill="hold">
+                            <p:stCondLst>
+                              <p:cond delay="0"/>
+                            </p:stCondLst>
+                            <p:childTnLst>
+                              <p:par>
+                                <p:cTn id="5" presetID="1" presetClass="entr" presetSubtype="0" fill="hold" grpId="0" nodeType="clickEffect">
+                                  <p:stCondLst>
+                                    <p:cond delay="0"/>
+                                  </p:stCondLst>
+                                  <p:childTnLst>
+                                    <p:set>
+                                      <p:cBhvr>
+                                        <p:cTn id="6" dur="1" fill="hold">
+                                          <p:stCondLst>
+                                            <p:cond delay="0"/>
+                                          </p:stCondLst>
+                                        </p:cTn>
+                                        <p:tgtEl>
+                                          <p:spTgt spid="3"/>
+                                        </p:tgtEl>
+                                        <p:attrNameLst>
+                                          <p:attrName>style.visibility</p:attrName>
+                                        </p:attrNameLst>
+                                      </p:cBhvr>
+                                      <p:to>
+                                        <p:strVal val="visible"/>
+                                      </p:to>
+                                    </p:set>
+                                  </p:childTnLst>
+                                </p:cTn>
+                              </p:par>
+                            </p:childTnLst>
+                          </p:cTn>
+                        </p:par>
+                      </p:childTnLst>
+                    </p:cTn>
+                  </p:par>
+                  <p:par>
+                    <p:cTn id="7" fill="hold">
+                      <p:stCondLst>
+                        <p:cond delay="indefinite"/>
+                      </p:stCondLst>
+                      <p:childTnLst>
+                        <p:par>
+                          <p:cTn id="8" fill="hold">
+                            <p:stCondLst>
+                              <p:cond delay="0"/>
+                            </p:stCondLst>
+                            <p:childTnLst>
+                              <p:par>
+                                <p:cTn id="9" presetID="1" presetClass="entr" presetSubtype="0" fill="hold" grpId="0" nodeType="clickEffect">
+                                  <p:stCondLst>
+                                    <p:cond delay="0"/>
+                                  </p:stCondLst>
+                                  <p:childTnLst>
+                                    <p:set>
+                                      <p:cBhvr>
+                                        <p:cTn id="10" dur="1" fill="hold">
+                                          <p:stCondLst>
+                                            <p:cond delay="0"/>
+                                          </p:stCondLst>
+                                        </p:cTn>
+                                        <p:tgtEl>
+                                          <p:spTgt spid="5"/>
+                                        </p:tgtEl>
+                                        <p:attrNameLst>
+                                          <p:attrName>style.visibility</p:attrName>
+                                        </p:attrNameLst>
+                                      </p:cBhvr>
+                                      <p:to>
+                                        <p:strVal val="visible"/>
+                                      </p:to>
+                                    </p:set>
+                                  </p:childTnLst>
+                                </p:cTn>
+                              </p:par>
+                            </p:childTnLst>
+                          </p:cTn>
+                        </p:par>
+                      </p:childTnLst>
+                    </p:cTn>
+                  </p:par>
+                  <p:par>
+                    <p:cTn id="11" fill="hold">
+                      <p:stCondLst>
+                        <p:cond delay="indefinite"/>
+                      </p:stCondLst>
+                      <p:childTnLst>
+                        <p:par>
+                          <p:cTn id="12" fill="hold">
+                            <p:stCondLst>
+                              <p:cond delay="0"/>
+                            </p:stCondLst>
+                            <p:childTnLst>
+                              <p:par>
+                                <p:cTn id="13" presetID="1" presetClass="entr" presetSubtype="0" fill="hold" grpId="0" nodeType="clickEffect">
+                                  <p:stCondLst>
+                                    <p:cond delay="0"/>
+                                  </p:stCondLst>
+                                  <p:childTnLst>
+                                    <p:set>
+                                      <p:cBhvr>
+                                        <p:cTn id="14" dur="1" fill="hold">
+                                          <p:stCondLst>
+                                            <p:cond delay="0"/>
+                                          </p:stCondLst>
+                                        </p:cTn>
+                                        <p:tgtEl>
+                                          <p:spTgt spid="6"/>
+                                        </p:tgtEl>
+                                        <p:attrNameLst>
+                                          <p:attrName>style.visibility</p:attrName>
+                                        </p:attrNameLst>
+                                      </p:cBhvr>
+                                      <p:to>
+                                        <p:strVal val="visible"/>
+                                      </p:to>
+                                    </p:set>
+                                  </p:childTnLst>
+                                </p:cTn>
+                              </p:par>
+                            </p:childTnLst>
+                          </p:cTn>
+                        </p:par>
+                      </p:childTnLst>
+                    </p:cTn>
+                  </p:par>
+                  <p:par>
+                    <p:cTn id="15" fill="hold">
+                      <p:stCondLst>
+                        <p:cond delay="indefinite"/>
+                      </p:stCondLst>
+                      <p:childTnLst>
+                        <p:par>
+                          <p:cTn id="16" fill="hold">
+                            <p:stCondLst>
+                              <p:cond delay="0"/>
+                            </p:stCondLst>
+                            <p:childTnLst>
+                              <p:par>
+                                <p:cTn id="17" presetID="1" presetClass="entr" presetSubtype="0" fill="hold" grpId="0" nodeType="clickEffect">
+                                  <p:stCondLst>
+                                    <p:cond delay="0"/>
+                                  </p:stCondLst>
+                                  <p:childTnLst>
+                                    <p:set>
+                                      <p:cBhvr>
+                                        <p:cTn id="18" dur="1" fill="hold">
+                                          <p:stCondLst>
+                                            <p:cond delay="0"/>
+                                          </p:stCondLst>
+                                        </p:cTn>
+                                        <p:tgtEl>
+                                          <p:spTgt spid="4"/>
+                                        </p:tgtEl>
+                                        <p:attrNameLst>
+                                          <p:attrName>style.visibility</p:attrName>
+                                        </p:attrNameLst>
+                                      </p:cBhvr>
+                                      <p:to>
+                                        <p:strVal val="visible"/>
+                                      </p:to>
+                                    </p:set>
+                                  </p:childTnLst>
+                                </p:cTn>
+                              </p:par>
+                            </p:childTnLst>
+                          </p:cTn>
+                        </p:par>
+                      </p:childTnLst>
+                    </p:cTn>
+                  </p:par>
+                </p:childTnLst>
+              </p:cTn>
+              <p:prevCondLst>
+                <p:cond evt="onPrev" delay="0">
+                  <p:tgtEl>
+                    <p:sldTgt/>
+                  </p:tgtEl>
+                </p:cond>
+              </p:prevCondLst>
+              <p:nextCondLst>
+                <p:cond evt="onNext" delay="0">
+                  <p:tgtEl>
+                    <p:sldTgt/>
+                  </p:tgtEl>
+                </p:cond>
+              </p:nextCondLst>
+            </p:seq>
+          </p:childTnLst>
+        </p:cTn>
       </p:par>
     </p:tnLst>
+    <p:bldLst>
+      <p:bldP spid="3" grpId="0"/>
+      <p:bldP spid="4" grpId="0"/>
+      <p:bldP spid="5" grpId="0"/>
+      <p:bldP spid="6" grpId="0"/>
+    </p:bldLst>
   </p:timing>
 </p:sld>
 </file>
@@ -15045,14 +16109,14 @@
       </p:grpSpPr>
       <p:sp>
         <p:nvSpPr>
-          <p:cNvPr id="4" name="TextBox 3"/>
+          <p:cNvPr id="2" name="TextBox 1"/>
           <p:cNvSpPr txBox="1"/>
           <p:nvPr/>
         </p:nvSpPr>
         <p:spPr>
           <a:xfrm>
-            <a:off x="3250018" y="1626781"/>
-            <a:ext cx="6400800" cy="4401205"/>
+            <a:off x="2704517" y="610338"/>
+            <a:ext cx="7009161" cy="861774"/>
           </a:xfrm>
           <a:prstGeom prst="rect">
             <a:avLst/>
@@ -15065,167 +16129,176 @@
           </a:bodyPr>
           <a:lstStyle/>
           <a:p>
-            <a:pPr marL="457200" indent="-457200">
-              <a:buFont typeface="+mj-lt"/>
-              <a:buAutoNum type="arabicPeriod"/>
-            </a:pPr>
-            <a:r>
-              <a:rPr lang="en-US" sz="2000" dirty="0"/>
-              <a:t>One codebase tracked in revision control, many deploys</a:t>
-            </a:r>
-          </a:p>
-          <a:p>
-            <a:pPr marL="457200" indent="-457200">
-              <a:buFont typeface="+mj-lt"/>
-              <a:buAutoNum type="arabicPeriod"/>
-            </a:pPr>
-            <a:r>
-              <a:rPr lang="en-US" sz="2000" dirty="0"/>
-              <a:t>Explicitly declare and isolate dependencies</a:t>
-            </a:r>
-          </a:p>
-          <a:p>
-            <a:pPr marL="457200" indent="-457200">
-              <a:buFont typeface="+mj-lt"/>
-              <a:buAutoNum type="arabicPeriod"/>
-            </a:pPr>
-            <a:r>
-              <a:rPr lang="en-US" sz="2000" dirty="0"/>
-              <a:t>Store </a:t>
-            </a:r>
-            <a:r>
-              <a:rPr lang="en-US" sz="2000" dirty="0" err="1"/>
-              <a:t>config</a:t>
-            </a:r>
-            <a:r>
-              <a:rPr lang="en-US" sz="2000" dirty="0"/>
-              <a:t> in the environment</a:t>
-            </a:r>
-          </a:p>
-          <a:p>
-            <a:pPr marL="457200" indent="-457200">
-              <a:buFont typeface="+mj-lt"/>
-              <a:buAutoNum type="arabicPeriod"/>
-            </a:pPr>
-            <a:r>
-              <a:rPr lang="en-US" sz="2000" dirty="0"/>
-              <a:t>Treat backing services as attached resources</a:t>
-            </a:r>
-          </a:p>
-          <a:p>
-            <a:pPr marL="457200" indent="-457200">
-              <a:buFont typeface="+mj-lt"/>
-              <a:buAutoNum type="arabicPeriod"/>
-            </a:pPr>
-            <a:r>
-              <a:rPr lang="en-US" sz="2000" dirty="0"/>
-              <a:t>Strictly separate build and run stages</a:t>
-            </a:r>
-          </a:p>
-          <a:p>
-            <a:pPr marL="457200" indent="-457200">
-              <a:buFont typeface="+mj-lt"/>
-              <a:buAutoNum type="arabicPeriod"/>
-            </a:pPr>
-            <a:r>
-              <a:rPr lang="en-US" sz="2000" dirty="0"/>
-              <a:t>Execute the app as one or more stateless processes</a:t>
-            </a:r>
-          </a:p>
-          <a:p>
-            <a:pPr marL="457200" indent="-457200">
-              <a:buFont typeface="+mj-lt"/>
-              <a:buAutoNum type="arabicPeriod"/>
-            </a:pPr>
-            <a:r>
-              <a:rPr lang="en-US" sz="2000" dirty="0"/>
-              <a:t>Export services via port binding</a:t>
-            </a:r>
-          </a:p>
-          <a:p>
-            <a:pPr marL="457200" indent="-457200">
-              <a:buFont typeface="+mj-lt"/>
-              <a:buAutoNum type="arabicPeriod"/>
-            </a:pPr>
-            <a:r>
-              <a:rPr lang="en-US" sz="2000" dirty="0"/>
-              <a:t>Scale out via the process model</a:t>
-            </a:r>
-          </a:p>
-          <a:p>
-            <a:pPr marL="457200" indent="-457200">
-              <a:buFont typeface="+mj-lt"/>
-              <a:buAutoNum type="arabicPeriod"/>
-            </a:pPr>
-            <a:r>
-              <a:rPr lang="en-US" sz="2000" dirty="0"/>
-              <a:t>Maximize robustness with fast startup and graceful shutdown</a:t>
-            </a:r>
-          </a:p>
-          <a:p>
-            <a:pPr marL="457200" indent="-457200">
-              <a:buFont typeface="+mj-lt"/>
-              <a:buAutoNum type="arabicPeriod"/>
-            </a:pPr>
-            <a:r>
-              <a:rPr lang="en-US" sz="2000" dirty="0"/>
-              <a:t>Keep development, staging, and production as similar as possible</a:t>
-            </a:r>
-          </a:p>
-          <a:p>
-            <a:pPr marL="457200" indent="-457200">
-              <a:buFont typeface="+mj-lt"/>
-              <a:buAutoNum type="arabicPeriod"/>
-            </a:pPr>
-            <a:r>
-              <a:rPr lang="en-US" sz="2000" dirty="0"/>
-              <a:t>Treat logs as event streams</a:t>
-            </a:r>
-          </a:p>
-          <a:p>
-            <a:pPr marL="457200" indent="-457200">
-              <a:buFont typeface="+mj-lt"/>
-              <a:buAutoNum type="arabicPeriod"/>
-            </a:pPr>
-            <a:r>
-              <a:rPr lang="en-US" sz="2000" dirty="0"/>
-              <a:t>Run admin/management tasks as one-off processes</a:t>
-            </a:r>
-          </a:p>
-        </p:txBody>
-      </p:sp>
-      <p:sp>
-        <p:nvSpPr>
-          <p:cNvPr id="2" name="Title 1"/>
-          <p:cNvSpPr>
-            <a:spLocks noGrp="1"/>
-          </p:cNvSpPr>
-          <p:nvPr>
-            <p:ph type="title"/>
-          </p:nvPr>
+            <a:r>
+              <a:rPr lang="en-US" sz="3200" b="1"/>
+              <a:t>“Strictly separate build and run stages”</a:t>
+            </a:r>
+            <a:endParaRPr lang="en-US" sz="3200" b="1" dirty="0"/>
+          </a:p>
+          <a:p>
+            <a:endParaRPr lang="en-US" dirty="0"/>
+          </a:p>
+        </p:txBody>
+      </p:sp>
+      <p:sp>
+        <p:nvSpPr>
+          <p:cNvPr id="3" name="TextBox 2"/>
+          <p:cNvSpPr txBox="1"/>
+          <p:nvPr/>
         </p:nvSpPr>
         <p:spPr>
           <a:xfrm>
-            <a:off x="3213247" y="276371"/>
-            <a:ext cx="6474341" cy="1325563"/>
+            <a:off x="1547608" y="1354886"/>
+            <a:ext cx="10234976" cy="830997"/>
           </a:xfrm>
+          <a:prstGeom prst="rect">
+            <a:avLst/>
+          </a:prstGeom>
+          <a:noFill/>
         </p:spPr>
         <p:txBody>
-          <a:bodyPr/>
+          <a:bodyPr wrap="square" rtlCol="0">
+            <a:spAutoFit/>
+          </a:bodyPr>
           <a:lstStyle/>
           <a:p>
             <a:pPr algn="ctr"/>
             <a:r>
-              <a:rPr lang="en-GB" dirty="0"/>
-              <a:t>Summary</a:t>
-            </a:r>
+              <a:rPr lang="en-US" sz="2400" dirty="0"/>
+              <a:t>The build stage converts the repo into an executable unit: a </a:t>
+            </a:r>
+            <a:r>
+              <a:rPr lang="en-US" sz="2400" i="1" dirty="0"/>
+              <a:t>build</a:t>
+            </a:r>
+          </a:p>
+          <a:p>
+            <a:pPr algn="ctr"/>
+            <a:r>
+              <a:rPr lang="en-US" sz="2400" dirty="0"/>
+              <a:t>It uses a commit to the repo and fetches dependencies to create an asset</a:t>
+            </a:r>
+          </a:p>
+        </p:txBody>
+      </p:sp>
+      <p:sp>
+        <p:nvSpPr>
+          <p:cNvPr id="4" name="TextBox 3"/>
+          <p:cNvSpPr txBox="1"/>
+          <p:nvPr/>
+        </p:nvSpPr>
+        <p:spPr>
+          <a:xfrm>
+            <a:off x="1179824" y="4825355"/>
+            <a:ext cx="10234976" cy="1200329"/>
+          </a:xfrm>
+          <a:prstGeom prst="rect">
+            <a:avLst/>
+          </a:prstGeom>
+          <a:noFill/>
+        </p:spPr>
+        <p:txBody>
+          <a:bodyPr wrap="square" rtlCol="0">
+            <a:spAutoFit/>
+          </a:bodyPr>
+          <a:lstStyle/>
+          <a:p>
+            <a:pPr algn="ctr"/>
+            <a:r>
+              <a:rPr lang="en-US" sz="2400" dirty="0"/>
+              <a:t>All these stages should be separate.</a:t>
+            </a:r>
+          </a:p>
+          <a:p>
+            <a:pPr algn="ctr"/>
+            <a:r>
+              <a:rPr lang="en-US" sz="2400" dirty="0"/>
+              <a:t>For example, no changes to deployed code, you have to alter the repo and build again </a:t>
+            </a:r>
+          </a:p>
+        </p:txBody>
+      </p:sp>
+      <p:sp>
+        <p:nvSpPr>
+          <p:cNvPr id="5" name="TextBox 4"/>
+          <p:cNvSpPr txBox="1"/>
+          <p:nvPr/>
+        </p:nvSpPr>
+        <p:spPr>
+          <a:xfrm>
+            <a:off x="1391284" y="2748662"/>
+            <a:ext cx="10234976" cy="461665"/>
+          </a:xfrm>
+          <a:prstGeom prst="rect">
+            <a:avLst/>
+          </a:prstGeom>
+          <a:noFill/>
+        </p:spPr>
+        <p:txBody>
+          <a:bodyPr wrap="square" rtlCol="0">
+            <a:spAutoFit/>
+          </a:bodyPr>
+          <a:lstStyle/>
+          <a:p>
+            <a:pPr algn="ctr"/>
+            <a:r>
+              <a:rPr lang="en-US" sz="2400" dirty="0"/>
+              <a:t>A release is a combination of a </a:t>
+            </a:r>
+            <a:r>
+              <a:rPr lang="en-US" sz="2400" i="1" dirty="0"/>
+              <a:t>build</a:t>
+            </a:r>
+            <a:r>
+              <a:rPr lang="en-US" sz="2400" dirty="0"/>
+              <a:t> and the </a:t>
+            </a:r>
+            <a:r>
+              <a:rPr lang="en-US" sz="2400" i="1" dirty="0" err="1"/>
+              <a:t>config</a:t>
+            </a:r>
+            <a:r>
+              <a:rPr lang="en-US" sz="2400" dirty="0"/>
+              <a:t> for a given environment </a:t>
+            </a:r>
+          </a:p>
+        </p:txBody>
+      </p:sp>
+      <p:sp>
+        <p:nvSpPr>
+          <p:cNvPr id="6" name="TextBox 5"/>
+          <p:cNvSpPr txBox="1"/>
+          <p:nvPr/>
+        </p:nvSpPr>
+        <p:spPr>
+          <a:xfrm>
+            <a:off x="1091609" y="3729237"/>
+            <a:ext cx="10234976" cy="461665"/>
+          </a:xfrm>
+          <a:prstGeom prst="rect">
+            <a:avLst/>
+          </a:prstGeom>
+          <a:noFill/>
+        </p:spPr>
+        <p:txBody>
+          <a:bodyPr wrap="square" rtlCol="0">
+            <a:spAutoFit/>
+          </a:bodyPr>
+          <a:lstStyle/>
+          <a:p>
+            <a:pPr algn="ctr"/>
+            <a:r>
+              <a:rPr lang="en-US" sz="2400" dirty="0"/>
+              <a:t>The run stage executes the app in a given environment</a:t>
+            </a:r>
+            <a:endParaRPr lang="en-US" sz="2400" b="1" dirty="0"/>
           </a:p>
         </p:txBody>
       </p:sp>
     </p:spTree>
     <p:extLst>
       <p:ext uri="{BB962C8B-B14F-4D97-AF65-F5344CB8AC3E}">
-        <p14:creationId xmlns:p14="http://schemas.microsoft.com/office/powerpoint/2010/main" val="1223434025"/>
+        <p14:creationId xmlns:p14="http://schemas.microsoft.com/office/powerpoint/2010/main" val="482700767"/>
       </p:ext>
     </p:extLst>
   </p:cSld>
@@ -15235,9 +16308,218 @@
   <p:timing>
     <p:tnLst>
       <p:par>
-        <p:cTn id="1" dur="indefinite" restart="never" nodeType="tmRoot"/>
+        <p:cTn id="1" dur="indefinite" restart="never" nodeType="tmRoot">
+          <p:childTnLst>
+            <p:seq concurrent="1" nextAc="seek">
+              <p:cTn id="2" dur="indefinite" nodeType="mainSeq">
+                <p:childTnLst>
+                  <p:par>
+                    <p:cTn id="3" fill="hold">
+                      <p:stCondLst>
+                        <p:cond delay="indefinite"/>
+                      </p:stCondLst>
+                      <p:childTnLst>
+                        <p:par>
+                          <p:cTn id="4" fill="hold">
+                            <p:stCondLst>
+                              <p:cond delay="0"/>
+                            </p:stCondLst>
+                            <p:childTnLst>
+                              <p:par>
+                                <p:cTn id="5" presetID="1" presetClass="entr" presetSubtype="0" fill="hold" grpId="0" nodeType="clickEffect">
+                                  <p:stCondLst>
+                                    <p:cond delay="0"/>
+                                  </p:stCondLst>
+                                  <p:childTnLst>
+                                    <p:set>
+                                      <p:cBhvr>
+                                        <p:cTn id="6" dur="1" fill="hold">
+                                          <p:stCondLst>
+                                            <p:cond delay="0"/>
+                                          </p:stCondLst>
+                                        </p:cTn>
+                                        <p:tgtEl>
+                                          <p:spTgt spid="3"/>
+                                        </p:tgtEl>
+                                        <p:attrNameLst>
+                                          <p:attrName>style.visibility</p:attrName>
+                                        </p:attrNameLst>
+                                      </p:cBhvr>
+                                      <p:to>
+                                        <p:strVal val="visible"/>
+                                      </p:to>
+                                    </p:set>
+                                  </p:childTnLst>
+                                </p:cTn>
+                              </p:par>
+                            </p:childTnLst>
+                          </p:cTn>
+                        </p:par>
+                      </p:childTnLst>
+                    </p:cTn>
+                  </p:par>
+                  <p:par>
+                    <p:cTn id="7" fill="hold">
+                      <p:stCondLst>
+                        <p:cond delay="indefinite"/>
+                      </p:stCondLst>
+                      <p:childTnLst>
+                        <p:par>
+                          <p:cTn id="8" fill="hold">
+                            <p:stCondLst>
+                              <p:cond delay="0"/>
+                            </p:stCondLst>
+                            <p:childTnLst>
+                              <p:par>
+                                <p:cTn id="9" presetID="1" presetClass="entr" presetSubtype="0" fill="hold" grpId="0" nodeType="clickEffect">
+                                  <p:stCondLst>
+                                    <p:cond delay="0"/>
+                                  </p:stCondLst>
+                                  <p:childTnLst>
+                                    <p:set>
+                                      <p:cBhvr>
+                                        <p:cTn id="10" dur="1" fill="hold">
+                                          <p:stCondLst>
+                                            <p:cond delay="0"/>
+                                          </p:stCondLst>
+                                        </p:cTn>
+                                        <p:tgtEl>
+                                          <p:spTgt spid="5"/>
+                                        </p:tgtEl>
+                                        <p:attrNameLst>
+                                          <p:attrName>style.visibility</p:attrName>
+                                        </p:attrNameLst>
+                                      </p:cBhvr>
+                                      <p:to>
+                                        <p:strVal val="visible"/>
+                                      </p:to>
+                                    </p:set>
+                                  </p:childTnLst>
+                                </p:cTn>
+                              </p:par>
+                            </p:childTnLst>
+                          </p:cTn>
+                        </p:par>
+                      </p:childTnLst>
+                    </p:cTn>
+                  </p:par>
+                  <p:par>
+                    <p:cTn id="11" fill="hold">
+                      <p:stCondLst>
+                        <p:cond delay="indefinite"/>
+                      </p:stCondLst>
+                      <p:childTnLst>
+                        <p:par>
+                          <p:cTn id="12" fill="hold">
+                            <p:stCondLst>
+                              <p:cond delay="0"/>
+                            </p:stCondLst>
+                            <p:childTnLst>
+                              <p:par>
+                                <p:cTn id="13" presetID="1" presetClass="entr" presetSubtype="0" fill="hold" grpId="0" nodeType="clickEffect">
+                                  <p:stCondLst>
+                                    <p:cond delay="0"/>
+                                  </p:stCondLst>
+                                  <p:childTnLst>
+                                    <p:set>
+                                      <p:cBhvr>
+                                        <p:cTn id="14" dur="1" fill="hold">
+                                          <p:stCondLst>
+                                            <p:cond delay="0"/>
+                                          </p:stCondLst>
+                                        </p:cTn>
+                                        <p:tgtEl>
+                                          <p:spTgt spid="6"/>
+                                        </p:tgtEl>
+                                        <p:attrNameLst>
+                                          <p:attrName>style.visibility</p:attrName>
+                                        </p:attrNameLst>
+                                      </p:cBhvr>
+                                      <p:to>
+                                        <p:strVal val="visible"/>
+                                      </p:to>
+                                    </p:set>
+                                  </p:childTnLst>
+                                </p:cTn>
+                              </p:par>
+                            </p:childTnLst>
+                          </p:cTn>
+                        </p:par>
+                      </p:childTnLst>
+                    </p:cTn>
+                  </p:par>
+                  <p:par>
+                    <p:cTn id="15" fill="hold">
+                      <p:stCondLst>
+                        <p:cond delay="indefinite"/>
+                      </p:stCondLst>
+                      <p:childTnLst>
+                        <p:par>
+                          <p:cTn id="16" fill="hold">
+                            <p:stCondLst>
+                              <p:cond delay="0"/>
+                            </p:stCondLst>
+                            <p:childTnLst>
+                              <p:par>
+                                <p:cTn id="17" presetID="1" presetClass="entr" presetSubtype="0" fill="hold" grpId="0" nodeType="clickEffect">
+                                  <p:stCondLst>
+                                    <p:cond delay="0"/>
+                                  </p:stCondLst>
+                                  <p:childTnLst>
+                                    <p:set>
+                                      <p:cBhvr>
+                                        <p:cTn id="18" dur="1" fill="hold">
+                                          <p:stCondLst>
+                                            <p:cond delay="0"/>
+                                          </p:stCondLst>
+                                        </p:cTn>
+                                        <p:tgtEl>
+                                          <p:spTgt spid="4"/>
+                                        </p:tgtEl>
+                                        <p:attrNameLst>
+                                          <p:attrName>style.visibility</p:attrName>
+                                        </p:attrNameLst>
+                                      </p:cBhvr>
+                                      <p:to>
+                                        <p:strVal val="visible"/>
+                                      </p:to>
+                                    </p:set>
+                                  </p:childTnLst>
+                                </p:cTn>
+                              </p:par>
+                            </p:childTnLst>
+                          </p:cTn>
+                        </p:par>
+                      </p:childTnLst>
+                    </p:cTn>
+                  </p:par>
+                </p:childTnLst>
+              </p:cTn>
+              <p:prevCondLst>
+                <p:cond evt="onPrev" delay="0">
+                  <p:tgtEl>
+                    <p:sldTgt/>
+                  </p:tgtEl>
+                </p:cond>
+              </p:prevCondLst>
+              <p:nextCondLst>
+                <p:cond evt="onNext" delay="0">
+                  <p:tgtEl>
+                    <p:sldTgt/>
+                  </p:tgtEl>
+                </p:cond>
+              </p:nextCondLst>
+            </p:seq>
+          </p:childTnLst>
+        </p:cTn>
       </p:par>
     </p:tnLst>
+    <p:bldLst>
+      <p:bldP spid="3" grpId="0"/>
+      <p:bldP spid="4" grpId="0"/>
+      <p:bldP spid="5" grpId="0"/>
+      <p:bldP spid="6" grpId="0"/>
+    </p:bldLst>
   </p:timing>
 </p:sld>
 </file>
@@ -15261,63 +16543,51 @@
       </p:grpSpPr>
       <p:sp>
         <p:nvSpPr>
-          <p:cNvPr id="5" name="Title 4"/>
-          <p:cNvSpPr>
-            <a:spLocks noGrp="1"/>
-          </p:cNvSpPr>
-          <p:nvPr>
-            <p:ph type="title"/>
-          </p:nvPr>
-        </p:nvSpPr>
-        <p:spPr/>
-        <p:txBody>
-          <a:bodyPr/>
-          <a:lstStyle/>
-          <a:p>
-            <a:r>
-              <a:rPr lang="en-GB" dirty="0"/>
-              <a:t>Q&amp;A</a:t>
-            </a:r>
-          </a:p>
-        </p:txBody>
-      </p:sp>
-      <p:sp>
-        <p:nvSpPr>
-          <p:cNvPr id="6" name="Text Placeholder 5"/>
-          <p:cNvSpPr>
-            <a:spLocks noGrp="1"/>
-          </p:cNvSpPr>
-          <p:nvPr>
-            <p:ph type="body" idx="1"/>
-          </p:nvPr>
-        </p:nvSpPr>
-        <p:spPr/>
-        <p:txBody>
-          <a:bodyPr/>
-          <a:lstStyle/>
-          <a:p>
-            <a:r>
-              <a:rPr lang="en-GB" dirty="0"/>
-              <a:t>Please share </a:t>
-            </a:r>
-            <a:r>
-              <a:rPr lang="en-GB"/>
-              <a:t>your feedback</a:t>
-            </a:r>
-            <a:endParaRPr lang="en-GB" dirty="0"/>
+          <p:cNvPr id="2" name="TextBox 1"/>
+          <p:cNvSpPr txBox="1"/>
+          <p:nvPr/>
+        </p:nvSpPr>
+        <p:spPr>
+          <a:xfrm>
+            <a:off x="3140149" y="3083442"/>
+            <a:ext cx="5847907" cy="646331"/>
+          </a:xfrm>
+          <a:prstGeom prst="rect">
+            <a:avLst/>
+          </a:prstGeom>
+          <a:noFill/>
+        </p:spPr>
+        <p:txBody>
+          <a:bodyPr wrap="square" rtlCol="0">
+            <a:spAutoFit/>
+          </a:bodyPr>
+          <a:lstStyle/>
+          <a:p>
+            <a:pPr algn="ctr"/>
+            <a:r>
+              <a:rPr lang="en-GB" sz="3600" dirty="0"/>
+              <a:t>Demo</a:t>
+            </a:r>
           </a:p>
         </p:txBody>
       </p:sp>
     </p:spTree>
     <p:extLst>
       <p:ext uri="{BB962C8B-B14F-4D97-AF65-F5344CB8AC3E}">
-        <p14:creationId xmlns:p14="http://schemas.microsoft.com/office/powerpoint/2010/main" val="2388119157"/>
+        <p14:creationId xmlns:p14="http://schemas.microsoft.com/office/powerpoint/2010/main" val="1985303365"/>
       </p:ext>
     </p:extLst>
   </p:cSld>
   <p:clrMapOvr>
     <a:masterClrMapping/>
   </p:clrMapOvr>
+  <p:timing>
+    <p:tnLst>
+      <p:par>
+        <p:cTn id="1" dur="indefinite" restart="never" nodeType="tmRoot"/>
+      </p:par>
+    </p:tnLst>
+  </p:timing>
 </p:sld>
 </file>
 
@@ -15415,7 +16685,17 @@
               <a:rPr lang="en-GB" dirty="0">
                 <a:hlinkClick r:id="rId4"/>
               </a:rPr>
-              <a:t>https://github.com/Arc-Lightning/FutureStack</a:t>
+              <a:t>https://</a:t>
+            </a:r>
+            <a:r>
+              <a:rPr lang="en-GB" dirty="0" smtClean="0">
+                <a:hlinkClick r:id="rId4"/>
+              </a:rPr>
+              <a:t>github.com/iancooper/</a:t>
+            </a:r>
+            <a:r>
+              <a:rPr lang="en-GB" dirty="0" smtClean="0"/>
+              <a:t>12FactorTutorial</a:t>
             </a:r>
             <a:endParaRPr lang="en-GB" dirty="0"/>
           </a:p>
@@ -15431,6 +16711,386 @@
     <p:extLst>
       <p:ext uri="{BB962C8B-B14F-4D97-AF65-F5344CB8AC3E}">
         <p14:creationId xmlns:p14="http://schemas.microsoft.com/office/powerpoint/2010/main" val="1317582099"/>
+      </p:ext>
+    </p:extLst>
+  </p:cSld>
+  <p:clrMapOvr>
+    <a:masterClrMapping/>
+  </p:clrMapOvr>
+  <p:timing>
+    <p:tnLst>
+      <p:par>
+        <p:cTn id="1" dur="indefinite" restart="never" nodeType="tmRoot"/>
+      </p:par>
+    </p:tnLst>
+  </p:timing>
+</p:sld>
+</file>
+
+<file path=ppt/slides/slide50.xml><?xml version="1.0" encoding="utf-8"?>
+<p:sld xmlns:a="http://schemas.openxmlformats.org/drawingml/2006/main" xmlns:r="http://schemas.openxmlformats.org/officeDocument/2006/relationships" xmlns:p="http://schemas.openxmlformats.org/presentationml/2006/main">
+  <p:cSld>
+    <p:spTree>
+      <p:nvGrpSpPr>
+        <p:cNvPr id="1" name=""/>
+        <p:cNvGrpSpPr/>
+        <p:nvPr/>
+      </p:nvGrpSpPr>
+      <p:grpSpPr>
+        <a:xfrm>
+          <a:off x="0" y="0"/>
+          <a:ext cx="0" cy="0"/>
+          <a:chOff x="0" y="0"/>
+          <a:chExt cx="0" cy="0"/>
+        </a:xfrm>
+      </p:grpSpPr>
+      <p:sp>
+        <p:nvSpPr>
+          <p:cNvPr id="2" name="Title 1"/>
+          <p:cNvSpPr>
+            <a:spLocks noGrp="1"/>
+          </p:cNvSpPr>
+          <p:nvPr>
+            <p:ph type="title"/>
+          </p:nvPr>
+        </p:nvSpPr>
+        <p:spPr/>
+        <p:txBody>
+          <a:bodyPr/>
+          <a:lstStyle/>
+          <a:p>
+            <a:r>
+              <a:rPr lang="en-US" dirty="0"/>
+              <a:t>Summary</a:t>
+            </a:r>
+          </a:p>
+        </p:txBody>
+      </p:sp>
+      <p:sp>
+        <p:nvSpPr>
+          <p:cNvPr id="3" name="Text Placeholder 2"/>
+          <p:cNvSpPr>
+            <a:spLocks noGrp="1"/>
+          </p:cNvSpPr>
+          <p:nvPr>
+            <p:ph type="body" idx="1"/>
+          </p:nvPr>
+        </p:nvSpPr>
+        <p:spPr/>
+        <p:txBody>
+          <a:bodyPr/>
+          <a:lstStyle/>
+          <a:p>
+            <a:endParaRPr lang="en-US"/>
+          </a:p>
+        </p:txBody>
+      </p:sp>
+    </p:spTree>
+    <p:extLst>
+      <p:ext uri="{BB962C8B-B14F-4D97-AF65-F5344CB8AC3E}">
+        <p14:creationId xmlns:p14="http://schemas.microsoft.com/office/powerpoint/2010/main" val="851747643"/>
+      </p:ext>
+    </p:extLst>
+  </p:cSld>
+  <p:clrMapOvr>
+    <a:masterClrMapping/>
+  </p:clrMapOvr>
+  <p:timing>
+    <p:tnLst>
+      <p:par>
+        <p:cTn id="1" dur="indefinite" restart="never" nodeType="tmRoot"/>
+      </p:par>
+    </p:tnLst>
+  </p:timing>
+</p:sld>
+</file>
+
+<file path=ppt/slides/slide51.xml><?xml version="1.0" encoding="utf-8"?>
+<p:sld xmlns:a="http://schemas.openxmlformats.org/drawingml/2006/main" xmlns:r="http://schemas.openxmlformats.org/officeDocument/2006/relationships" xmlns:p="http://schemas.openxmlformats.org/presentationml/2006/main">
+  <p:cSld>
+    <p:spTree>
+      <p:nvGrpSpPr>
+        <p:cNvPr id="1" name=""/>
+        <p:cNvGrpSpPr/>
+        <p:nvPr/>
+      </p:nvGrpSpPr>
+      <p:grpSpPr>
+        <a:xfrm>
+          <a:off x="0" y="0"/>
+          <a:ext cx="0" cy="0"/>
+          <a:chOff x="0" y="0"/>
+          <a:chExt cx="0" cy="0"/>
+        </a:xfrm>
+      </p:grpSpPr>
+      <p:sp>
+        <p:nvSpPr>
+          <p:cNvPr id="4" name="TextBox 3"/>
+          <p:cNvSpPr txBox="1"/>
+          <p:nvPr/>
+        </p:nvSpPr>
+        <p:spPr>
+          <a:xfrm>
+            <a:off x="3250018" y="1626781"/>
+            <a:ext cx="6400800" cy="4401205"/>
+          </a:xfrm>
+          <a:prstGeom prst="rect">
+            <a:avLst/>
+          </a:prstGeom>
+          <a:noFill/>
+        </p:spPr>
+        <p:txBody>
+          <a:bodyPr wrap="square" rtlCol="0">
+            <a:spAutoFit/>
+          </a:bodyPr>
+          <a:lstStyle/>
+          <a:p>
+            <a:pPr marL="457200" indent="-457200">
+              <a:buFont typeface="+mj-lt"/>
+              <a:buAutoNum type="arabicPeriod"/>
+            </a:pPr>
+            <a:r>
+              <a:rPr lang="en-US" sz="2000" dirty="0"/>
+              <a:t>One codebase tracked in revision control, many deploys</a:t>
+            </a:r>
+          </a:p>
+          <a:p>
+            <a:pPr marL="457200" indent="-457200">
+              <a:buFont typeface="+mj-lt"/>
+              <a:buAutoNum type="arabicPeriod"/>
+            </a:pPr>
+            <a:r>
+              <a:rPr lang="en-US" sz="2000" dirty="0"/>
+              <a:t>Explicitly declare and isolate dependencies</a:t>
+            </a:r>
+          </a:p>
+          <a:p>
+            <a:pPr marL="457200" indent="-457200">
+              <a:buFont typeface="+mj-lt"/>
+              <a:buAutoNum type="arabicPeriod"/>
+            </a:pPr>
+            <a:r>
+              <a:rPr lang="en-US" sz="2000" dirty="0"/>
+              <a:t>Store </a:t>
+            </a:r>
+            <a:r>
+              <a:rPr lang="en-US" sz="2000" dirty="0" err="1"/>
+              <a:t>config</a:t>
+            </a:r>
+            <a:r>
+              <a:rPr lang="en-US" sz="2000" dirty="0"/>
+              <a:t> in the environment</a:t>
+            </a:r>
+          </a:p>
+          <a:p>
+            <a:pPr marL="457200" indent="-457200">
+              <a:buFont typeface="+mj-lt"/>
+              <a:buAutoNum type="arabicPeriod"/>
+            </a:pPr>
+            <a:r>
+              <a:rPr lang="en-US" sz="2000" dirty="0"/>
+              <a:t>Treat backing services as attached resources</a:t>
+            </a:r>
+          </a:p>
+          <a:p>
+            <a:pPr marL="457200" indent="-457200">
+              <a:buFont typeface="+mj-lt"/>
+              <a:buAutoNum type="arabicPeriod"/>
+            </a:pPr>
+            <a:r>
+              <a:rPr lang="en-US" sz="2000" dirty="0"/>
+              <a:t>Strictly separate build and run stages</a:t>
+            </a:r>
+          </a:p>
+          <a:p>
+            <a:pPr marL="457200" indent="-457200">
+              <a:buFont typeface="+mj-lt"/>
+              <a:buAutoNum type="arabicPeriod"/>
+            </a:pPr>
+            <a:r>
+              <a:rPr lang="en-US" sz="2000" dirty="0"/>
+              <a:t>Execute the app as one or more stateless processes</a:t>
+            </a:r>
+          </a:p>
+          <a:p>
+            <a:pPr marL="457200" indent="-457200">
+              <a:buFont typeface="+mj-lt"/>
+              <a:buAutoNum type="arabicPeriod"/>
+            </a:pPr>
+            <a:r>
+              <a:rPr lang="en-US" sz="2000" dirty="0"/>
+              <a:t>Export services via port binding</a:t>
+            </a:r>
+          </a:p>
+          <a:p>
+            <a:pPr marL="457200" indent="-457200">
+              <a:buFont typeface="+mj-lt"/>
+              <a:buAutoNum type="arabicPeriod"/>
+            </a:pPr>
+            <a:r>
+              <a:rPr lang="en-US" sz="2000" dirty="0"/>
+              <a:t>Scale out via the process model</a:t>
+            </a:r>
+          </a:p>
+          <a:p>
+            <a:pPr marL="457200" indent="-457200">
+              <a:buFont typeface="+mj-lt"/>
+              <a:buAutoNum type="arabicPeriod"/>
+            </a:pPr>
+            <a:r>
+              <a:rPr lang="en-US" sz="2000" dirty="0"/>
+              <a:t>Maximize robustness with fast startup and graceful shutdown</a:t>
+            </a:r>
+          </a:p>
+          <a:p>
+            <a:pPr marL="457200" indent="-457200">
+              <a:buFont typeface="+mj-lt"/>
+              <a:buAutoNum type="arabicPeriod"/>
+            </a:pPr>
+            <a:r>
+              <a:rPr lang="en-US" sz="2000" b="1" dirty="0"/>
+              <a:t>Keep development, staging, and production as similar as possible</a:t>
+            </a:r>
+          </a:p>
+          <a:p>
+            <a:pPr marL="457200" indent="-457200">
+              <a:buFont typeface="+mj-lt"/>
+              <a:buAutoNum type="arabicPeriod"/>
+            </a:pPr>
+            <a:r>
+              <a:rPr lang="en-US" sz="2000" b="1" dirty="0"/>
+              <a:t>Treat logs as event streams</a:t>
+            </a:r>
+          </a:p>
+          <a:p>
+            <a:pPr marL="457200" indent="-457200">
+              <a:buFont typeface="+mj-lt"/>
+              <a:buAutoNum type="arabicPeriod"/>
+            </a:pPr>
+            <a:r>
+              <a:rPr lang="en-US" sz="2000" b="1" dirty="0"/>
+              <a:t>Run admin/management tasks as one-off processes</a:t>
+            </a:r>
+          </a:p>
+        </p:txBody>
+      </p:sp>
+      <p:sp>
+        <p:nvSpPr>
+          <p:cNvPr id="2" name="Title 1"/>
+          <p:cNvSpPr>
+            <a:spLocks noGrp="1"/>
+          </p:cNvSpPr>
+          <p:nvPr>
+            <p:ph type="title"/>
+          </p:nvPr>
+        </p:nvSpPr>
+        <p:spPr>
+          <a:xfrm>
+            <a:off x="3213247" y="276371"/>
+            <a:ext cx="6474341" cy="1325563"/>
+          </a:xfrm>
+        </p:spPr>
+        <p:txBody>
+          <a:bodyPr/>
+          <a:lstStyle/>
+          <a:p>
+            <a:pPr algn="ctr"/>
+            <a:r>
+              <a:rPr lang="en-GB" dirty="0"/>
+              <a:t>Summary</a:t>
+            </a:r>
+          </a:p>
+        </p:txBody>
+      </p:sp>
+    </p:spTree>
+    <p:extLst>
+      <p:ext uri="{BB962C8B-B14F-4D97-AF65-F5344CB8AC3E}">
+        <p14:creationId xmlns:p14="http://schemas.microsoft.com/office/powerpoint/2010/main" val="1223434025"/>
+      </p:ext>
+    </p:extLst>
+  </p:cSld>
+  <p:clrMapOvr>
+    <a:masterClrMapping/>
+  </p:clrMapOvr>
+  <p:timing>
+    <p:tnLst>
+      <p:par>
+        <p:cTn id="1" dur="indefinite" restart="never" nodeType="tmRoot"/>
+      </p:par>
+    </p:tnLst>
+  </p:timing>
+</p:sld>
+</file>
+
+<file path=ppt/slides/slide52.xml><?xml version="1.0" encoding="utf-8"?>
+<p:sld xmlns:a="http://schemas.openxmlformats.org/drawingml/2006/main" xmlns:r="http://schemas.openxmlformats.org/officeDocument/2006/relationships" xmlns:p="http://schemas.openxmlformats.org/presentationml/2006/main">
+  <p:cSld>
+    <p:spTree>
+      <p:nvGrpSpPr>
+        <p:cNvPr id="1" name=""/>
+        <p:cNvGrpSpPr/>
+        <p:nvPr/>
+      </p:nvGrpSpPr>
+      <p:grpSpPr>
+        <a:xfrm>
+          <a:off x="0" y="0"/>
+          <a:ext cx="0" cy="0"/>
+          <a:chOff x="0" y="0"/>
+          <a:chExt cx="0" cy="0"/>
+        </a:xfrm>
+      </p:grpSpPr>
+      <p:sp>
+        <p:nvSpPr>
+          <p:cNvPr id="5" name="Title 4"/>
+          <p:cNvSpPr>
+            <a:spLocks noGrp="1"/>
+          </p:cNvSpPr>
+          <p:nvPr>
+            <p:ph type="title"/>
+          </p:nvPr>
+        </p:nvSpPr>
+        <p:spPr/>
+        <p:txBody>
+          <a:bodyPr/>
+          <a:lstStyle/>
+          <a:p>
+            <a:r>
+              <a:rPr lang="en-GB" dirty="0"/>
+              <a:t>Q&amp;A</a:t>
+            </a:r>
+          </a:p>
+        </p:txBody>
+      </p:sp>
+      <p:sp>
+        <p:nvSpPr>
+          <p:cNvPr id="6" name="Text Placeholder 5"/>
+          <p:cNvSpPr>
+            <a:spLocks noGrp="1"/>
+          </p:cNvSpPr>
+          <p:nvPr>
+            <p:ph type="body" idx="1"/>
+          </p:nvPr>
+        </p:nvSpPr>
+        <p:spPr/>
+        <p:txBody>
+          <a:bodyPr/>
+          <a:lstStyle/>
+          <a:p>
+            <a:r>
+              <a:rPr lang="en-GB" dirty="0"/>
+              <a:t>Please share </a:t>
+            </a:r>
+            <a:r>
+              <a:rPr lang="en-GB"/>
+              <a:t>your feedback</a:t>
+            </a:r>
+            <a:endParaRPr lang="en-GB" dirty="0"/>
+          </a:p>
+        </p:txBody>
+      </p:sp>
+    </p:spTree>
+    <p:extLst>
+      <p:ext uri="{BB962C8B-B14F-4D97-AF65-F5344CB8AC3E}">
+        <p14:creationId xmlns:p14="http://schemas.microsoft.com/office/powerpoint/2010/main" val="2388119157"/>
       </p:ext>
     </p:extLst>
   </p:cSld>
